--- a/PROJECT 2023/BST/SESAMUM/POWERPOINT.pptx
+++ b/PROJECT 2023/BST/SESAMUM/POWERPOINT.pptx
@@ -8,11 +8,17 @@
     <p:sldId id="256" r:id="rId2"/>
     <p:sldId id="260" r:id="rId3"/>
     <p:sldId id="258" r:id="rId4"/>
-    <p:sldId id="262" r:id="rId5"/>
+    <p:sldId id="278" r:id="rId5"/>
     <p:sldId id="276" r:id="rId6"/>
     <p:sldId id="277" r:id="rId7"/>
-    <p:sldId id="273" r:id="rId8"/>
-    <p:sldId id="275" r:id="rId9"/>
+    <p:sldId id="279" r:id="rId8"/>
+    <p:sldId id="280" r:id="rId9"/>
+    <p:sldId id="281" r:id="rId10"/>
+    <p:sldId id="282" r:id="rId11"/>
+    <p:sldId id="283" r:id="rId12"/>
+    <p:sldId id="284" r:id="rId13"/>
+    <p:sldId id="273" r:id="rId14"/>
+    <p:sldId id="275" r:id="rId15"/>
   </p:sldIdLst>
   <p:sldSz cx="12192000" cy="6858000"/>
   <p:notesSz cx="6858000" cy="9144000"/>
@@ -346,7 +352,7 @@
             <a:fld id="{B61BEF0D-F0BB-DE4B-95CE-6DB70DBA9567}" type="datetimeFigureOut">
               <a:rPr lang="en-US" smtClean="0"/>
               <a:pPr/>
-              <a:t>7/11/2023</a:t>
+              <a:t>10/2/2023</a:t>
             </a:fld>
             <a:endParaRPr lang="en-US" dirty="0"/>
           </a:p>
@@ -559,7 +565,7 @@
             <a:fld id="{B61BEF0D-F0BB-DE4B-95CE-6DB70DBA9567}" type="datetimeFigureOut">
               <a:rPr lang="en-US" smtClean="0"/>
               <a:pPr/>
-              <a:t>7/11/2023</a:t>
+              <a:t>10/2/2023</a:t>
             </a:fld>
             <a:endParaRPr lang="en-US" dirty="0"/>
           </a:p>
@@ -820,7 +826,7 @@
             <a:fld id="{B61BEF0D-F0BB-DE4B-95CE-6DB70DBA9567}" type="datetimeFigureOut">
               <a:rPr lang="en-US" smtClean="0"/>
               <a:pPr/>
-              <a:t>7/11/2023</a:t>
+              <a:t>10/2/2023</a:t>
             </a:fld>
             <a:endParaRPr lang="en-US" dirty="0"/>
           </a:p>
@@ -999,7 +1005,7 @@
             <a:fld id="{B61BEF0D-F0BB-DE4B-95CE-6DB70DBA9567}" type="datetimeFigureOut">
               <a:rPr lang="en-US" smtClean="0"/>
               <a:pPr/>
-              <a:t>7/11/2023</a:t>
+              <a:t>10/2/2023</a:t>
             </a:fld>
             <a:endParaRPr lang="en-US" dirty="0"/>
           </a:p>
@@ -1347,7 +1353,7 @@
             <a:fld id="{B61BEF0D-F0BB-DE4B-95CE-6DB70DBA9567}" type="datetimeFigureOut">
               <a:rPr lang="en-US" smtClean="0"/>
               <a:pPr/>
-              <a:t>7/11/2023</a:t>
+              <a:t>10/2/2023</a:t>
             </a:fld>
             <a:endParaRPr lang="en-US" dirty="0"/>
           </a:p>
@@ -1627,7 +1633,7 @@
             <a:fld id="{B61BEF0D-F0BB-DE4B-95CE-6DB70DBA9567}" type="datetimeFigureOut">
               <a:rPr lang="en-US" smtClean="0"/>
               <a:pPr/>
-              <a:t>7/11/2023</a:t>
+              <a:t>10/2/2023</a:t>
             </a:fld>
             <a:endParaRPr lang="en-US" dirty="0"/>
           </a:p>
@@ -2011,7 +2017,7 @@
             <a:fld id="{B61BEF0D-F0BB-DE4B-95CE-6DB70DBA9567}" type="datetimeFigureOut">
               <a:rPr lang="en-US" smtClean="0"/>
               <a:pPr/>
-              <a:t>7/11/2023</a:t>
+              <a:t>10/2/2023</a:t>
             </a:fld>
             <a:endParaRPr lang="en-US" dirty="0"/>
           </a:p>
@@ -2134,7 +2140,7 @@
             <a:fld id="{B61BEF0D-F0BB-DE4B-95CE-6DB70DBA9567}" type="datetimeFigureOut">
               <a:rPr lang="en-US" smtClean="0"/>
               <a:pPr/>
-              <a:t>7/11/2023</a:t>
+              <a:t>10/2/2023</a:t>
             </a:fld>
             <a:endParaRPr lang="en-US" dirty="0"/>
           </a:p>
@@ -2310,7 +2316,7 @@
             <a:fld id="{B61BEF0D-F0BB-DE4B-95CE-6DB70DBA9567}" type="datetimeFigureOut">
               <a:rPr lang="en-US" smtClean="0"/>
               <a:pPr/>
-              <a:t>7/11/2023</a:t>
+              <a:t>10/2/2023</a:t>
             </a:fld>
             <a:endParaRPr lang="en-US" dirty="0"/>
           </a:p>
@@ -2669,7 +2675,7 @@
             <a:fld id="{B61BEF0D-F0BB-DE4B-95CE-6DB70DBA9567}" type="datetimeFigureOut">
               <a:rPr lang="en-US" smtClean="0"/>
               <a:pPr/>
-              <a:t>7/11/2023</a:t>
+              <a:t>10/2/2023</a:t>
             </a:fld>
             <a:endParaRPr lang="en-US" dirty="0"/>
           </a:p>
@@ -3056,7 +3062,7 @@
             <a:fld id="{B61BEF0D-F0BB-DE4B-95CE-6DB70DBA9567}" type="datetimeFigureOut">
               <a:rPr lang="en-US" smtClean="0"/>
               <a:pPr/>
-              <a:t>7/11/2023</a:t>
+              <a:t>10/2/2023</a:t>
             </a:fld>
             <a:endParaRPr lang="en-US" dirty="0"/>
           </a:p>
@@ -3348,7 +3354,7 @@
             <a:fld id="{B61BEF0D-F0BB-DE4B-95CE-6DB70DBA9567}" type="datetimeFigureOut">
               <a:rPr lang="en-US" smtClean="0"/>
               <a:pPr/>
-              <a:t>7/11/2023</a:t>
+              <a:t>10/2/2023</a:t>
             </a:fld>
             <a:endParaRPr lang="en-US" dirty="0"/>
           </a:p>
@@ -3894,7 +3900,7 @@
         </p:nvSpPr>
         <p:spPr>
           <a:xfrm>
-            <a:off x="368968" y="245660"/>
+            <a:off x="368968" y="313900"/>
             <a:ext cx="11486148" cy="6612339"/>
           </a:xfrm>
         </p:spPr>
@@ -3913,7 +3919,47 @@
                 <a:latin typeface="Times New Roman" panose="02020603050405020304" pitchFamily="18" charset="0"/>
                 <a:cs typeface="Times New Roman" panose="02020603050405020304" pitchFamily="18" charset="0"/>
               </a:rPr>
-              <a:t>ANTIMICROBIAL ACTIVITIES OF THE AQUEOUS EXTRACT OF SESAMUM INDICUM AGAINST SOME COMMON PATHOGENIC MICROORGANISMS</a:t>
+              <a:t>ANTIMICROBIAL ACTIVITIES OF THE AQUEOUS EXTRACT OF </a:t>
+            </a:r>
+            <a:r>
+              <a:rPr lang="en-US" sz="2800" b="1" i="1" dirty="0">
+                <a:solidFill>
+                  <a:schemeClr val="tx1"/>
+                </a:solidFill>
+                <a:latin typeface="Times New Roman" panose="02020603050405020304" pitchFamily="18" charset="0"/>
+                <a:cs typeface="Times New Roman" panose="02020603050405020304" pitchFamily="18" charset="0"/>
+              </a:rPr>
+              <a:t>Sesamum </a:t>
+            </a:r>
+            <a:r>
+              <a:rPr lang="en-US" sz="2800" b="1" i="1" dirty="0" err="1">
+                <a:solidFill>
+                  <a:schemeClr val="tx1"/>
+                </a:solidFill>
+                <a:latin typeface="Times New Roman" panose="02020603050405020304" pitchFamily="18" charset="0"/>
+                <a:cs typeface="Times New Roman" panose="02020603050405020304" pitchFamily="18" charset="0"/>
+              </a:rPr>
+              <a:t>indicum</a:t>
+            </a:r>
+            <a:r>
+              <a:rPr lang="en-US" sz="2800" b="1" i="1" dirty="0">
+                <a:solidFill>
+                  <a:schemeClr val="tx1"/>
+                </a:solidFill>
+                <a:latin typeface="Times New Roman" panose="02020603050405020304" pitchFamily="18" charset="0"/>
+                <a:cs typeface="Times New Roman" panose="02020603050405020304" pitchFamily="18" charset="0"/>
+              </a:rPr>
+              <a:t> </a:t>
+            </a:r>
+            <a:r>
+              <a:rPr lang="en-US" sz="2800" b="1" dirty="0">
+                <a:solidFill>
+                  <a:schemeClr val="tx1"/>
+                </a:solidFill>
+                <a:latin typeface="Times New Roman" panose="02020603050405020304" pitchFamily="18" charset="0"/>
+                <a:cs typeface="Times New Roman" panose="02020603050405020304" pitchFamily="18" charset="0"/>
+              </a:rPr>
+              <a:t>AGAINST SOME COMMON PATHOGENIC MICROORGANISMS</a:t>
             </a:r>
             <a:br>
               <a:rPr lang="en-GB" sz="2800" dirty="0">
@@ -3935,7 +3981,7 @@
               <a:t> </a:t>
             </a:r>
             <a:br>
-              <a:rPr lang="en-GB" sz="2800" dirty="0">
+              <a:rPr lang="en-US" sz="2800" b="1" dirty="0">
                 <a:solidFill>
                   <a:schemeClr val="tx1"/>
                 </a:solidFill>
@@ -3943,7 +3989,7 @@
                 <a:cs typeface="Times New Roman" panose="02020603050405020304" pitchFamily="18" charset="0"/>
               </a:rPr>
             </a:br>
-            <a:r>
+            <a:br>
               <a:rPr lang="en-US" sz="2800" b="1" dirty="0">
                 <a:solidFill>
                   <a:schemeClr val="tx1"/>
@@ -3951,6 +3997,24 @@
                 <a:latin typeface="Times New Roman" panose="02020603050405020304" pitchFamily="18" charset="0"/>
                 <a:cs typeface="Times New Roman" panose="02020603050405020304" pitchFamily="18" charset="0"/>
               </a:rPr>
+            </a:br>
+            <a:br>
+              <a:rPr lang="en-US" sz="2800" b="1" dirty="0">
+                <a:solidFill>
+                  <a:schemeClr val="tx1"/>
+                </a:solidFill>
+                <a:latin typeface="Times New Roman" panose="02020603050405020304" pitchFamily="18" charset="0"/>
+                <a:cs typeface="Times New Roman" panose="02020603050405020304" pitchFamily="18" charset="0"/>
+              </a:rPr>
+            </a:br>
+            <a:r>
+              <a:rPr lang="en-US" sz="2800" b="1" dirty="0">
+                <a:solidFill>
+                  <a:schemeClr val="tx1"/>
+                </a:solidFill>
+                <a:latin typeface="Times New Roman" panose="02020603050405020304" pitchFamily="18" charset="0"/>
+                <a:cs typeface="Times New Roman" panose="02020603050405020304" pitchFamily="18" charset="0"/>
+              </a:rPr>
               <a:t>PRESENTED BY</a:t>
             </a:r>
             <a:br>
@@ -4027,7 +4091,7 @@
                 <a:latin typeface="Times New Roman" panose="02020603050405020304" pitchFamily="18" charset="0"/>
                 <a:cs typeface="Times New Roman" panose="02020603050405020304" pitchFamily="18" charset="0"/>
               </a:rPr>
-              <a:t> A PROJECT PROPOSAL PRESENTED TO THE DEPARTMENT OF BIOLOGICAL SCIENCE TECHNOLOGY, FEDERAL POLYTECHNIC MUBI, ADAMAWA STATE.</a:t>
+              <a:t> A PROJECT PRESENTED TO THE DEPARTMENT OF BIOLOGICAL SCIENCE TECHNOLOGY, FEDERAL POLYTECHNIC MUBI, ADAMAWA STATE.</a:t>
             </a:r>
             <a:br>
               <a:rPr lang="en-GB" sz="2800" dirty="0">
@@ -4122,7 +4186,7 @@
                 <a:latin typeface="Times New Roman" panose="02020603050405020304" pitchFamily="18" charset="0"/>
                 <a:cs typeface="Times New Roman" panose="02020603050405020304" pitchFamily="18" charset="0"/>
               </a:rPr>
-              <a:t>JULY, </a:t>
+              <a:t>OCTOBER, </a:t>
             </a:r>
             <a:r>
               <a:rPr lang="en-US" sz="2800" b="1" dirty="0">
@@ -4148,6 +4212,1194 @@
     <p:extLst>
       <p:ext uri="{BB962C8B-B14F-4D97-AF65-F5344CB8AC3E}">
         <p14:creationId xmlns:p14="http://schemas.microsoft.com/office/powerpoint/2010/main" val="1844999730"/>
+      </p:ext>
+    </p:extLst>
+  </p:cSld>
+  <p:clrMapOvr>
+    <a:masterClrMapping/>
+  </p:clrMapOvr>
+  <p:transition spd="slow">
+    <p:push dir="u"/>
+  </p:transition>
+</p:sld>
+</file>
+
+<file path=ppt/slides/slide10.xml><?xml version="1.0" encoding="utf-8"?>
+<p:sld xmlns:a="http://schemas.openxmlformats.org/drawingml/2006/main" xmlns:r="http://schemas.openxmlformats.org/officeDocument/2006/relationships" xmlns:p="http://schemas.openxmlformats.org/presentationml/2006/main">
+  <p:cSld>
+    <p:spTree>
+      <p:nvGrpSpPr>
+        <p:cNvPr id="1" name=""/>
+        <p:cNvGrpSpPr/>
+        <p:nvPr/>
+      </p:nvGrpSpPr>
+      <p:grpSpPr>
+        <a:xfrm>
+          <a:off x="0" y="0"/>
+          <a:ext cx="0" cy="0"/>
+          <a:chOff x="0" y="0"/>
+          <a:chExt cx="0" cy="0"/>
+        </a:xfrm>
+      </p:grpSpPr>
+      <p:sp>
+        <p:nvSpPr>
+          <p:cNvPr id="4" name="Title 1">
+            <a:extLst>
+              <a:ext uri="{FF2B5EF4-FFF2-40B4-BE49-F238E27FC236}">
+                <a16:creationId xmlns:a16="http://schemas.microsoft.com/office/drawing/2014/main" id="{C6120ED9-E1E9-400F-95CF-18B1AAFEB948}"/>
+              </a:ext>
+            </a:extLst>
+          </p:cNvPr>
+          <p:cNvSpPr>
+            <a:spLocks noGrp="1"/>
+          </p:cNvSpPr>
+          <p:nvPr>
+            <p:ph type="title"/>
+          </p:nvPr>
+        </p:nvSpPr>
+        <p:spPr>
+          <a:xfrm>
+            <a:off x="810904" y="122470"/>
+            <a:ext cx="10972800" cy="860169"/>
+          </a:xfrm>
+        </p:spPr>
+        <p:txBody>
+          <a:bodyPr>
+            <a:normAutofit/>
+          </a:bodyPr>
+          <a:lstStyle/>
+          <a:p>
+            <a:pPr algn="ctr"/>
+            <a:r>
+              <a:rPr lang="en-US" b="1" dirty="0">
+                <a:solidFill>
+                  <a:schemeClr val="tx1"/>
+                </a:solidFill>
+                <a:latin typeface="Times New Roman" panose="02020603050405020304" pitchFamily="18" charset="0"/>
+                <a:cs typeface="Times New Roman" panose="02020603050405020304" pitchFamily="18" charset="0"/>
+              </a:rPr>
+              <a:t>DISCUSSION</a:t>
+            </a:r>
+            <a:endParaRPr lang="en-GB" dirty="0">
+              <a:solidFill>
+                <a:schemeClr val="tx1"/>
+              </a:solidFill>
+              <a:latin typeface="Times New Roman" panose="02020603050405020304" pitchFamily="18" charset="0"/>
+              <a:cs typeface="Times New Roman" panose="02020603050405020304" pitchFamily="18" charset="0"/>
+            </a:endParaRPr>
+          </a:p>
+        </p:txBody>
+      </p:sp>
+      <p:sp>
+        <p:nvSpPr>
+          <p:cNvPr id="5" name="Content Placeholder 2">
+            <a:extLst>
+              <a:ext uri="{FF2B5EF4-FFF2-40B4-BE49-F238E27FC236}">
+                <a16:creationId xmlns:a16="http://schemas.microsoft.com/office/drawing/2014/main" id="{1AC9C8CB-5921-492D-97BD-AD806CB2AE70}"/>
+              </a:ext>
+            </a:extLst>
+          </p:cNvPr>
+          <p:cNvSpPr>
+            <a:spLocks noGrp="1"/>
+          </p:cNvSpPr>
+          <p:nvPr>
+            <p:ph idx="1"/>
+          </p:nvPr>
+        </p:nvSpPr>
+        <p:spPr>
+          <a:xfrm>
+            <a:off x="708338" y="982640"/>
+            <a:ext cx="10972800" cy="5295330"/>
+          </a:xfrm>
+          <a:solidFill>
+            <a:schemeClr val="bg1"/>
+          </a:solidFill>
+        </p:spPr>
+        <p:txBody>
+          <a:bodyPr>
+            <a:normAutofit/>
+          </a:bodyPr>
+          <a:lstStyle/>
+          <a:p>
+            <a:pPr algn="just">
+              <a:lnSpc>
+                <a:spcPct val="150000"/>
+              </a:lnSpc>
+            </a:pPr>
+            <a:r>
+              <a:rPr lang="en-US" sz="2400" dirty="0">
+                <a:solidFill>
+                  <a:schemeClr val="tx1">
+                    <a:lumMod val="95000"/>
+                    <a:lumOff val="5000"/>
+                  </a:schemeClr>
+                </a:solidFill>
+                <a:latin typeface="Times" panose="02020603050405020304" pitchFamily="18" charset="0"/>
+              </a:rPr>
+              <a:t>In this study, the phytochemical constituent of </a:t>
+            </a:r>
+            <a:r>
+              <a:rPr lang="en-US" sz="2400" i="1" dirty="0">
+                <a:solidFill>
+                  <a:schemeClr val="tx1">
+                    <a:lumMod val="95000"/>
+                    <a:lumOff val="5000"/>
+                  </a:schemeClr>
+                </a:solidFill>
+                <a:latin typeface="Times" panose="02020603050405020304" pitchFamily="18" charset="0"/>
+              </a:rPr>
+              <a:t>sesamum </a:t>
+            </a:r>
+            <a:r>
+              <a:rPr lang="en-US" sz="2400" i="1" dirty="0" err="1">
+                <a:solidFill>
+                  <a:schemeClr val="tx1">
+                    <a:lumMod val="95000"/>
+                    <a:lumOff val="5000"/>
+                  </a:schemeClr>
+                </a:solidFill>
+                <a:latin typeface="Times" panose="02020603050405020304" pitchFamily="18" charset="0"/>
+              </a:rPr>
+              <a:t>indicum</a:t>
+            </a:r>
+            <a:r>
+              <a:rPr lang="en-US" sz="2400" dirty="0">
+                <a:solidFill>
+                  <a:schemeClr val="tx1">
+                    <a:lumMod val="95000"/>
+                    <a:lumOff val="5000"/>
+                  </a:schemeClr>
+                </a:solidFill>
+                <a:latin typeface="Times" panose="02020603050405020304" pitchFamily="18" charset="0"/>
+              </a:rPr>
+              <a:t> leaves extract of both extract of the test screening gave positive result but the dried extract analysis had more positive test than the fresh, the fresh extract had a positive test on saponin, tannins, steroids, and flavonoids. While negative on some parameter’s alkaloids, </a:t>
+            </a:r>
+            <a:r>
+              <a:rPr lang="en-US" sz="2400" dirty="0" err="1">
+                <a:solidFill>
+                  <a:schemeClr val="tx1">
+                    <a:lumMod val="95000"/>
+                    <a:lumOff val="5000"/>
+                  </a:schemeClr>
+                </a:solidFill>
+                <a:latin typeface="Times" panose="02020603050405020304" pitchFamily="18" charset="0"/>
+              </a:rPr>
+              <a:t>Phlobatanins</a:t>
+            </a:r>
+            <a:r>
+              <a:rPr lang="en-US" sz="2400" dirty="0">
+                <a:solidFill>
+                  <a:schemeClr val="tx1">
+                    <a:lumMod val="95000"/>
+                    <a:lumOff val="5000"/>
+                  </a:schemeClr>
+                </a:solidFill>
+                <a:latin typeface="Times" panose="02020603050405020304" pitchFamily="18" charset="0"/>
+              </a:rPr>
+              <a:t>, cardenolides, glycosides, steroids and flavonoids. But have negative test on Alkaloids, </a:t>
+            </a:r>
+            <a:r>
+              <a:rPr lang="en-US" sz="2400" dirty="0" err="1">
+                <a:solidFill>
+                  <a:schemeClr val="tx1">
+                    <a:lumMod val="95000"/>
+                    <a:lumOff val="5000"/>
+                  </a:schemeClr>
+                </a:solidFill>
+                <a:latin typeface="Times" panose="02020603050405020304" pitchFamily="18" charset="0"/>
+              </a:rPr>
+              <a:t>Phlobatanins</a:t>
+            </a:r>
+            <a:r>
+              <a:rPr lang="en-US" sz="2400" dirty="0">
+                <a:solidFill>
+                  <a:schemeClr val="tx1">
+                    <a:lumMod val="95000"/>
+                    <a:lumOff val="5000"/>
+                  </a:schemeClr>
+                </a:solidFill>
+                <a:latin typeface="Times" panose="02020603050405020304" pitchFamily="18" charset="0"/>
+              </a:rPr>
+              <a:t>, and Tannins. (Table 1).</a:t>
+            </a:r>
+            <a:endParaRPr lang="en-GB" sz="2400" dirty="0">
+              <a:solidFill>
+                <a:schemeClr val="tx1">
+                  <a:lumMod val="95000"/>
+                  <a:lumOff val="5000"/>
+                </a:schemeClr>
+              </a:solidFill>
+              <a:latin typeface="Times" panose="02020603050405020304" pitchFamily="18" charset="0"/>
+            </a:endParaRPr>
+          </a:p>
+          <a:p>
+            <a:pPr algn="just">
+              <a:lnSpc>
+                <a:spcPct val="150000"/>
+              </a:lnSpc>
+            </a:pPr>
+            <a:r>
+              <a:rPr lang="en-US" sz="2400" dirty="0">
+                <a:solidFill>
+                  <a:schemeClr val="tx1">
+                    <a:lumMod val="95000"/>
+                    <a:lumOff val="5000"/>
+                  </a:schemeClr>
+                </a:solidFill>
+                <a:latin typeface="Times" panose="02020603050405020304" pitchFamily="18" charset="0"/>
+              </a:rPr>
+              <a:t>The finding showed that the aqueous extract of both fresh and dried sesamum </a:t>
+            </a:r>
+            <a:r>
+              <a:rPr lang="en-US" sz="2400" dirty="0" err="1">
+                <a:solidFill>
+                  <a:schemeClr val="tx1">
+                    <a:lumMod val="95000"/>
+                    <a:lumOff val="5000"/>
+                  </a:schemeClr>
+                </a:solidFill>
+                <a:latin typeface="Times" panose="02020603050405020304" pitchFamily="18" charset="0"/>
+              </a:rPr>
+              <a:t>indicum</a:t>
+            </a:r>
+            <a:r>
+              <a:rPr lang="en-US" sz="2400" dirty="0">
+                <a:solidFill>
+                  <a:schemeClr val="tx1">
+                    <a:lumMod val="95000"/>
+                    <a:lumOff val="5000"/>
+                  </a:schemeClr>
+                </a:solidFill>
+                <a:latin typeface="Times" panose="02020603050405020304" pitchFamily="18" charset="0"/>
+              </a:rPr>
+              <a:t> leaves had strong antimicrobial effect against </a:t>
+            </a:r>
+            <a:r>
+              <a:rPr lang="en-US" sz="2400" i="1" dirty="0">
+                <a:solidFill>
+                  <a:schemeClr val="tx1">
+                    <a:lumMod val="95000"/>
+                    <a:lumOff val="5000"/>
+                  </a:schemeClr>
+                </a:solidFill>
+                <a:latin typeface="Times" panose="02020603050405020304" pitchFamily="18" charset="0"/>
+              </a:rPr>
+              <a:t>E. coli</a:t>
+            </a:r>
+            <a:r>
+              <a:rPr lang="en-US" sz="2400" dirty="0">
+                <a:solidFill>
+                  <a:schemeClr val="tx1">
+                    <a:lumMod val="95000"/>
+                    <a:lumOff val="5000"/>
+                  </a:schemeClr>
+                </a:solidFill>
+                <a:latin typeface="Times" panose="02020603050405020304" pitchFamily="18" charset="0"/>
+              </a:rPr>
+              <a:t> and staphylococcus aureus (Table 2 and 3).</a:t>
+            </a:r>
+          </a:p>
+        </p:txBody>
+      </p:sp>
+    </p:spTree>
+    <p:extLst>
+      <p:ext uri="{BB962C8B-B14F-4D97-AF65-F5344CB8AC3E}">
+        <p14:creationId xmlns:p14="http://schemas.microsoft.com/office/powerpoint/2010/main" val="2761341545"/>
+      </p:ext>
+    </p:extLst>
+  </p:cSld>
+  <p:clrMapOvr>
+    <a:masterClrMapping/>
+  </p:clrMapOvr>
+  <p:transition spd="slow">
+    <p:push dir="u"/>
+  </p:transition>
+</p:sld>
+</file>
+
+<file path=ppt/slides/slide11.xml><?xml version="1.0" encoding="utf-8"?>
+<p:sld xmlns:a="http://schemas.openxmlformats.org/drawingml/2006/main" xmlns:r="http://schemas.openxmlformats.org/officeDocument/2006/relationships" xmlns:p="http://schemas.openxmlformats.org/presentationml/2006/main">
+  <p:cSld>
+    <p:spTree>
+      <p:nvGrpSpPr>
+        <p:cNvPr id="1" name=""/>
+        <p:cNvGrpSpPr/>
+        <p:nvPr/>
+      </p:nvGrpSpPr>
+      <p:grpSpPr>
+        <a:xfrm>
+          <a:off x="0" y="0"/>
+          <a:ext cx="0" cy="0"/>
+          <a:chOff x="0" y="0"/>
+          <a:chExt cx="0" cy="0"/>
+        </a:xfrm>
+      </p:grpSpPr>
+      <p:sp>
+        <p:nvSpPr>
+          <p:cNvPr id="4" name="Title 1">
+            <a:extLst>
+              <a:ext uri="{FF2B5EF4-FFF2-40B4-BE49-F238E27FC236}">
+                <a16:creationId xmlns:a16="http://schemas.microsoft.com/office/drawing/2014/main" id="{580D1EDB-36D0-4220-9D97-514F566E8DFD}"/>
+              </a:ext>
+            </a:extLst>
+          </p:cNvPr>
+          <p:cNvSpPr>
+            <a:spLocks noGrp="1"/>
+          </p:cNvSpPr>
+          <p:nvPr>
+            <p:ph type="title"/>
+          </p:nvPr>
+        </p:nvSpPr>
+        <p:spPr>
+          <a:xfrm>
+            <a:off x="810904" y="122470"/>
+            <a:ext cx="10972800" cy="860169"/>
+          </a:xfrm>
+        </p:spPr>
+        <p:txBody>
+          <a:bodyPr>
+            <a:normAutofit/>
+          </a:bodyPr>
+          <a:lstStyle/>
+          <a:p>
+            <a:pPr algn="ctr"/>
+            <a:r>
+              <a:rPr lang="en-US" b="1" dirty="0">
+                <a:solidFill>
+                  <a:schemeClr val="tx1"/>
+                </a:solidFill>
+                <a:latin typeface="Times New Roman" panose="02020603050405020304" pitchFamily="18" charset="0"/>
+                <a:cs typeface="Times New Roman" panose="02020603050405020304" pitchFamily="18" charset="0"/>
+              </a:rPr>
+              <a:t>CONCLUSION</a:t>
+            </a:r>
+            <a:endParaRPr lang="en-GB" dirty="0">
+              <a:solidFill>
+                <a:schemeClr val="tx1"/>
+              </a:solidFill>
+              <a:latin typeface="Times New Roman" panose="02020603050405020304" pitchFamily="18" charset="0"/>
+              <a:cs typeface="Times New Roman" panose="02020603050405020304" pitchFamily="18" charset="0"/>
+            </a:endParaRPr>
+          </a:p>
+        </p:txBody>
+      </p:sp>
+      <p:sp>
+        <p:nvSpPr>
+          <p:cNvPr id="5" name="Content Placeholder 2">
+            <a:extLst>
+              <a:ext uri="{FF2B5EF4-FFF2-40B4-BE49-F238E27FC236}">
+                <a16:creationId xmlns:a16="http://schemas.microsoft.com/office/drawing/2014/main" id="{ADFC1F5F-7792-46DE-A925-AF3B2B18DF79}"/>
+              </a:ext>
+            </a:extLst>
+          </p:cNvPr>
+          <p:cNvSpPr>
+            <a:spLocks noGrp="1"/>
+          </p:cNvSpPr>
+          <p:nvPr>
+            <p:ph idx="1"/>
+          </p:nvPr>
+        </p:nvSpPr>
+        <p:spPr>
+          <a:xfrm>
+            <a:off x="708338" y="982640"/>
+            <a:ext cx="10972800" cy="5295330"/>
+          </a:xfrm>
+          <a:solidFill>
+            <a:schemeClr val="bg1"/>
+          </a:solidFill>
+        </p:spPr>
+        <p:txBody>
+          <a:bodyPr>
+            <a:normAutofit/>
+          </a:bodyPr>
+          <a:lstStyle/>
+          <a:p>
+            <a:pPr algn="just">
+              <a:lnSpc>
+                <a:spcPct val="150000"/>
+              </a:lnSpc>
+            </a:pPr>
+            <a:r>
+              <a:rPr lang="en-US" sz="2800" dirty="0">
+                <a:solidFill>
+                  <a:schemeClr val="tx1">
+                    <a:lumMod val="95000"/>
+                    <a:lumOff val="5000"/>
+                  </a:schemeClr>
+                </a:solidFill>
+                <a:latin typeface="Times" panose="02020603050405020304" pitchFamily="18" charset="0"/>
+              </a:rPr>
+              <a:t>In conclusion, the aims and objective of this research was achieved. This finding confirmed the folkloric claims of antimicrobial effectiveness of the locally consumed </a:t>
+            </a:r>
+            <a:r>
+              <a:rPr lang="en-US" sz="2800" i="1" dirty="0" err="1">
+                <a:solidFill>
+                  <a:schemeClr val="tx1">
+                    <a:lumMod val="95000"/>
+                    <a:lumOff val="5000"/>
+                  </a:schemeClr>
+                </a:solidFill>
+                <a:latin typeface="Times" panose="02020603050405020304" pitchFamily="18" charset="0"/>
+              </a:rPr>
+              <a:t>indicum</a:t>
+            </a:r>
+            <a:r>
+              <a:rPr lang="en-US" sz="2800" dirty="0">
+                <a:solidFill>
+                  <a:schemeClr val="tx1">
+                    <a:lumMod val="95000"/>
+                    <a:lumOff val="5000"/>
+                  </a:schemeClr>
+                </a:solidFill>
+                <a:latin typeface="Times" panose="02020603050405020304" pitchFamily="18" charset="0"/>
+              </a:rPr>
+              <a:t> (</a:t>
+            </a:r>
+            <a:r>
+              <a:rPr lang="en-US" sz="2800" i="1" dirty="0">
+                <a:solidFill>
+                  <a:schemeClr val="tx1">
+                    <a:lumMod val="95000"/>
+                    <a:lumOff val="5000"/>
+                  </a:schemeClr>
+                </a:solidFill>
+                <a:latin typeface="Times" panose="02020603050405020304" pitchFamily="18" charset="0"/>
+              </a:rPr>
+              <a:t>sesamum</a:t>
+            </a:r>
+            <a:r>
+              <a:rPr lang="en-US" sz="2800" dirty="0">
+                <a:solidFill>
+                  <a:schemeClr val="tx1">
+                    <a:lumMod val="95000"/>
+                    <a:lumOff val="5000"/>
+                  </a:schemeClr>
+                </a:solidFill>
+                <a:latin typeface="Times" panose="02020603050405020304" pitchFamily="18" charset="0"/>
+              </a:rPr>
+              <a:t>) leaves extract in many areas of the state (Adamawa). It is very effective against bacteria. The mean inhibitory effect of the dried extract irrespective of the diluents/solvents used were higher than that of the fresh extract. For solution/extract with a low antimicrobial activity, one will need a large concentration or volume to increase its effectiveness.</a:t>
+            </a:r>
+            <a:endParaRPr lang="en-GB" sz="2800" dirty="0">
+              <a:solidFill>
+                <a:schemeClr val="tx1">
+                  <a:lumMod val="95000"/>
+                  <a:lumOff val="5000"/>
+                </a:schemeClr>
+              </a:solidFill>
+              <a:latin typeface="Times" panose="02020603050405020304" pitchFamily="18" charset="0"/>
+            </a:endParaRPr>
+          </a:p>
+        </p:txBody>
+      </p:sp>
+    </p:spTree>
+    <p:extLst>
+      <p:ext uri="{BB962C8B-B14F-4D97-AF65-F5344CB8AC3E}">
+        <p14:creationId xmlns:p14="http://schemas.microsoft.com/office/powerpoint/2010/main" val="4173068034"/>
+      </p:ext>
+    </p:extLst>
+  </p:cSld>
+  <p:clrMapOvr>
+    <a:masterClrMapping/>
+  </p:clrMapOvr>
+  <p:transition spd="slow">
+    <p:push dir="u"/>
+  </p:transition>
+</p:sld>
+</file>
+
+<file path=ppt/slides/slide12.xml><?xml version="1.0" encoding="utf-8"?>
+<p:sld xmlns:a="http://schemas.openxmlformats.org/drawingml/2006/main" xmlns:r="http://schemas.openxmlformats.org/officeDocument/2006/relationships" xmlns:p="http://schemas.openxmlformats.org/presentationml/2006/main">
+  <p:cSld>
+    <p:spTree>
+      <p:nvGrpSpPr>
+        <p:cNvPr id="1" name=""/>
+        <p:cNvGrpSpPr/>
+        <p:nvPr/>
+      </p:nvGrpSpPr>
+      <p:grpSpPr>
+        <a:xfrm>
+          <a:off x="0" y="0"/>
+          <a:ext cx="0" cy="0"/>
+          <a:chOff x="0" y="0"/>
+          <a:chExt cx="0" cy="0"/>
+        </a:xfrm>
+      </p:grpSpPr>
+      <p:sp>
+        <p:nvSpPr>
+          <p:cNvPr id="4" name="Title 1">
+            <a:extLst>
+              <a:ext uri="{FF2B5EF4-FFF2-40B4-BE49-F238E27FC236}">
+                <a16:creationId xmlns:a16="http://schemas.microsoft.com/office/drawing/2014/main" id="{DDE49AD3-36F5-4DDC-B506-584DFA48F122}"/>
+              </a:ext>
+            </a:extLst>
+          </p:cNvPr>
+          <p:cNvSpPr>
+            <a:spLocks noGrp="1"/>
+          </p:cNvSpPr>
+          <p:nvPr>
+            <p:ph type="title"/>
+          </p:nvPr>
+        </p:nvSpPr>
+        <p:spPr>
+          <a:xfrm>
+            <a:off x="810904" y="122470"/>
+            <a:ext cx="10972800" cy="860169"/>
+          </a:xfrm>
+        </p:spPr>
+        <p:txBody>
+          <a:bodyPr>
+            <a:normAutofit/>
+          </a:bodyPr>
+          <a:lstStyle/>
+          <a:p>
+            <a:pPr algn="ctr"/>
+            <a:r>
+              <a:rPr lang="en-US" b="1" dirty="0">
+                <a:solidFill>
+                  <a:schemeClr val="tx1"/>
+                </a:solidFill>
+                <a:latin typeface="Times New Roman" panose="02020603050405020304" pitchFamily="18" charset="0"/>
+                <a:cs typeface="Times New Roman" panose="02020603050405020304" pitchFamily="18" charset="0"/>
+              </a:rPr>
+              <a:t>RECOMMENDATIONS</a:t>
+            </a:r>
+            <a:endParaRPr lang="en-GB" dirty="0">
+              <a:solidFill>
+                <a:schemeClr val="tx1"/>
+              </a:solidFill>
+              <a:latin typeface="Times New Roman" panose="02020603050405020304" pitchFamily="18" charset="0"/>
+              <a:cs typeface="Times New Roman" panose="02020603050405020304" pitchFamily="18" charset="0"/>
+            </a:endParaRPr>
+          </a:p>
+        </p:txBody>
+      </p:sp>
+      <p:sp>
+        <p:nvSpPr>
+          <p:cNvPr id="5" name="Content Placeholder 2">
+            <a:extLst>
+              <a:ext uri="{FF2B5EF4-FFF2-40B4-BE49-F238E27FC236}">
+                <a16:creationId xmlns:a16="http://schemas.microsoft.com/office/drawing/2014/main" id="{2A47EBA5-B980-4298-AEA9-0F7B052FAF16}"/>
+              </a:ext>
+            </a:extLst>
+          </p:cNvPr>
+          <p:cNvSpPr>
+            <a:spLocks noGrp="1"/>
+          </p:cNvSpPr>
+          <p:nvPr>
+            <p:ph idx="1"/>
+          </p:nvPr>
+        </p:nvSpPr>
+        <p:spPr>
+          <a:xfrm>
+            <a:off x="708338" y="982640"/>
+            <a:ext cx="10972800" cy="5295330"/>
+          </a:xfrm>
+          <a:solidFill>
+            <a:schemeClr val="bg1"/>
+          </a:solidFill>
+        </p:spPr>
+        <p:txBody>
+          <a:bodyPr>
+            <a:normAutofit fontScale="92500"/>
+          </a:bodyPr>
+          <a:lstStyle/>
+          <a:p>
+            <a:pPr marL="463550" lvl="0" indent="-354013" algn="just">
+              <a:lnSpc>
+                <a:spcPct val="150000"/>
+              </a:lnSpc>
+              <a:buFont typeface="Wingdings" panose="05000000000000000000" pitchFamily="2" charset="2"/>
+              <a:buChar char="§"/>
+            </a:pPr>
+            <a:r>
+              <a:rPr lang="en-US" sz="2800" i="1" dirty="0">
+                <a:solidFill>
+                  <a:schemeClr val="tx1">
+                    <a:lumMod val="95000"/>
+                    <a:lumOff val="5000"/>
+                  </a:schemeClr>
+                </a:solidFill>
+                <a:latin typeface="Times" panose="02020603050405020304" pitchFamily="18" charset="0"/>
+              </a:rPr>
+              <a:t>Sesamum </a:t>
+            </a:r>
+            <a:r>
+              <a:rPr lang="en-US" sz="2800" i="1" dirty="0" err="1">
+                <a:solidFill>
+                  <a:schemeClr val="tx1">
+                    <a:lumMod val="95000"/>
+                    <a:lumOff val="5000"/>
+                  </a:schemeClr>
+                </a:solidFill>
+                <a:latin typeface="Times" panose="02020603050405020304" pitchFamily="18" charset="0"/>
+              </a:rPr>
+              <a:t>indicum</a:t>
+            </a:r>
+            <a:r>
+              <a:rPr lang="en-US" sz="2800" dirty="0">
+                <a:solidFill>
+                  <a:schemeClr val="tx1">
+                    <a:lumMod val="95000"/>
+                    <a:lumOff val="5000"/>
+                  </a:schemeClr>
+                </a:solidFill>
+                <a:latin typeface="Times" panose="02020603050405020304" pitchFamily="18" charset="0"/>
+              </a:rPr>
+              <a:t> leaves had strong antimicrobial effect against bacterial and can be used as natural therapist against some infection caused by bacteria.</a:t>
+            </a:r>
+            <a:endParaRPr lang="en-GB" sz="2800" dirty="0">
+              <a:solidFill>
+                <a:schemeClr val="tx1">
+                  <a:lumMod val="95000"/>
+                  <a:lumOff val="5000"/>
+                </a:schemeClr>
+              </a:solidFill>
+              <a:latin typeface="Times" panose="02020603050405020304" pitchFamily="18" charset="0"/>
+            </a:endParaRPr>
+          </a:p>
+          <a:p>
+            <a:pPr marL="463550" lvl="0" indent="-354013" algn="just">
+              <a:lnSpc>
+                <a:spcPct val="150000"/>
+              </a:lnSpc>
+              <a:buFont typeface="Wingdings" panose="05000000000000000000" pitchFamily="2" charset="2"/>
+              <a:buChar char="§"/>
+            </a:pPr>
+            <a:r>
+              <a:rPr lang="en-US" sz="2800" dirty="0">
+                <a:solidFill>
+                  <a:schemeClr val="tx1">
+                    <a:lumMod val="95000"/>
+                    <a:lumOff val="5000"/>
+                  </a:schemeClr>
+                </a:solidFill>
+                <a:latin typeface="Times" panose="02020603050405020304" pitchFamily="18" charset="0"/>
+              </a:rPr>
+              <a:t>In natural therapy against bacterial infection, (pseudomonas aeruginosa) one should use highly concentrated extract from leaves as it is </a:t>
+            </a:r>
+            <a:r>
+              <a:rPr lang="en-US" sz="2800" dirty="0" err="1">
+                <a:solidFill>
+                  <a:schemeClr val="tx1">
+                    <a:lumMod val="95000"/>
+                    <a:lumOff val="5000"/>
+                  </a:schemeClr>
+                </a:solidFill>
+                <a:latin typeface="Times" panose="02020603050405020304" pitchFamily="18" charset="0"/>
+              </a:rPr>
+              <a:t>midly</a:t>
+            </a:r>
+            <a:r>
+              <a:rPr lang="en-US" sz="2800" dirty="0">
+                <a:solidFill>
+                  <a:schemeClr val="tx1">
+                    <a:lumMod val="95000"/>
+                    <a:lumOff val="5000"/>
+                  </a:schemeClr>
+                </a:solidFill>
+                <a:latin typeface="Times" panose="02020603050405020304" pitchFamily="18" charset="0"/>
+              </a:rPr>
+              <a:t> effective against the tested sample.</a:t>
+            </a:r>
+            <a:endParaRPr lang="en-GB" sz="2800" dirty="0">
+              <a:solidFill>
+                <a:schemeClr val="tx1">
+                  <a:lumMod val="95000"/>
+                  <a:lumOff val="5000"/>
+                </a:schemeClr>
+              </a:solidFill>
+              <a:latin typeface="Times" panose="02020603050405020304" pitchFamily="18" charset="0"/>
+            </a:endParaRPr>
+          </a:p>
+          <a:p>
+            <a:pPr marL="463550" lvl="0" indent="-354013" algn="just">
+              <a:lnSpc>
+                <a:spcPct val="150000"/>
+              </a:lnSpc>
+              <a:buFont typeface="Wingdings" panose="05000000000000000000" pitchFamily="2" charset="2"/>
+              <a:buChar char="§"/>
+            </a:pPr>
+            <a:r>
+              <a:rPr lang="en-US" sz="2800" dirty="0">
+                <a:solidFill>
+                  <a:schemeClr val="tx1">
+                    <a:lumMod val="95000"/>
+                    <a:lumOff val="5000"/>
+                  </a:schemeClr>
+                </a:solidFill>
+                <a:latin typeface="Times" panose="02020603050405020304" pitchFamily="18" charset="0"/>
+              </a:rPr>
+              <a:t>Government, Non-governmental organization and pharmaceutical companies should encourage the large-scale farming of </a:t>
+            </a:r>
+            <a:r>
+              <a:rPr lang="en-US" sz="2800" i="1" dirty="0">
+                <a:solidFill>
+                  <a:schemeClr val="tx1">
+                    <a:lumMod val="95000"/>
+                    <a:lumOff val="5000"/>
+                  </a:schemeClr>
+                </a:solidFill>
+                <a:latin typeface="Times" panose="02020603050405020304" pitchFamily="18" charset="0"/>
+              </a:rPr>
+              <a:t>sesamum </a:t>
+            </a:r>
+            <a:r>
+              <a:rPr lang="en-US" sz="2800" i="1" dirty="0" err="1">
+                <a:solidFill>
+                  <a:schemeClr val="tx1">
+                    <a:lumMod val="95000"/>
+                    <a:lumOff val="5000"/>
+                  </a:schemeClr>
+                </a:solidFill>
+                <a:latin typeface="Times" panose="02020603050405020304" pitchFamily="18" charset="0"/>
+              </a:rPr>
+              <a:t>indicum</a:t>
+            </a:r>
+            <a:r>
+              <a:rPr lang="en-US" sz="2800" dirty="0">
+                <a:solidFill>
+                  <a:schemeClr val="tx1">
+                    <a:lumMod val="95000"/>
+                    <a:lumOff val="5000"/>
+                  </a:schemeClr>
+                </a:solidFill>
+                <a:latin typeface="Times" panose="02020603050405020304" pitchFamily="18" charset="0"/>
+              </a:rPr>
+              <a:t> plant.</a:t>
+            </a:r>
+            <a:endParaRPr lang="en-GB" sz="2800" dirty="0">
+              <a:solidFill>
+                <a:schemeClr val="tx1">
+                  <a:lumMod val="95000"/>
+                  <a:lumOff val="5000"/>
+                </a:schemeClr>
+              </a:solidFill>
+              <a:latin typeface="Times" panose="02020603050405020304" pitchFamily="18" charset="0"/>
+            </a:endParaRPr>
+          </a:p>
+        </p:txBody>
+      </p:sp>
+    </p:spTree>
+    <p:extLst>
+      <p:ext uri="{BB962C8B-B14F-4D97-AF65-F5344CB8AC3E}">
+        <p14:creationId xmlns:p14="http://schemas.microsoft.com/office/powerpoint/2010/main" val="853169352"/>
+      </p:ext>
+    </p:extLst>
+  </p:cSld>
+  <p:clrMapOvr>
+    <a:masterClrMapping/>
+  </p:clrMapOvr>
+  <p:transition spd="slow">
+    <p:push dir="u"/>
+  </p:transition>
+</p:sld>
+</file>
+
+<file path=ppt/slides/slide13.xml><?xml version="1.0" encoding="utf-8"?>
+<p:sld xmlns:a="http://schemas.openxmlformats.org/drawingml/2006/main" xmlns:r="http://schemas.openxmlformats.org/officeDocument/2006/relationships" xmlns:p="http://schemas.openxmlformats.org/presentationml/2006/main">
+  <p:cSld>
+    <p:spTree>
+      <p:nvGrpSpPr>
+        <p:cNvPr id="1" name=""/>
+        <p:cNvGrpSpPr/>
+        <p:nvPr/>
+      </p:nvGrpSpPr>
+      <p:grpSpPr>
+        <a:xfrm>
+          <a:off x="0" y="0"/>
+          <a:ext cx="0" cy="0"/>
+          <a:chOff x="0" y="0"/>
+          <a:chExt cx="0" cy="0"/>
+        </a:xfrm>
+      </p:grpSpPr>
+      <p:sp>
+        <p:nvSpPr>
+          <p:cNvPr id="4" name="Title 1">
+            <a:extLst>
+              <a:ext uri="{FF2B5EF4-FFF2-40B4-BE49-F238E27FC236}">
+                <a16:creationId xmlns:a16="http://schemas.microsoft.com/office/drawing/2014/main" id="{959BD148-AD4D-4975-88E4-D484052D8CCD}"/>
+              </a:ext>
+            </a:extLst>
+          </p:cNvPr>
+          <p:cNvSpPr>
+            <a:spLocks noGrp="1"/>
+          </p:cNvSpPr>
+          <p:nvPr>
+            <p:ph type="title"/>
+          </p:nvPr>
+        </p:nvSpPr>
+        <p:spPr>
+          <a:xfrm>
+            <a:off x="838199" y="43771"/>
+            <a:ext cx="10515600" cy="1155032"/>
+          </a:xfrm>
+        </p:spPr>
+        <p:txBody>
+          <a:bodyPr>
+            <a:normAutofit/>
+          </a:bodyPr>
+          <a:lstStyle/>
+          <a:p>
+            <a:pPr algn="ctr"/>
+            <a:r>
+              <a:rPr lang="en-US" b="1" dirty="0">
+                <a:latin typeface="Tahoma" panose="020B0604030504040204" pitchFamily="34" charset="0"/>
+                <a:ea typeface="Tahoma" panose="020B0604030504040204" pitchFamily="34" charset="0"/>
+                <a:cs typeface="Tahoma" panose="020B0604030504040204" pitchFamily="34" charset="0"/>
+              </a:rPr>
+              <a:t>REFERENCES</a:t>
+            </a:r>
+            <a:endParaRPr lang="en-GB" b="1" dirty="0">
+              <a:latin typeface="Tahoma" panose="020B0604030504040204" pitchFamily="34" charset="0"/>
+              <a:ea typeface="Tahoma" panose="020B0604030504040204" pitchFamily="34" charset="0"/>
+              <a:cs typeface="Tahoma" panose="020B0604030504040204" pitchFamily="34" charset="0"/>
+            </a:endParaRPr>
+          </a:p>
+        </p:txBody>
+      </p:sp>
+      <p:sp>
+        <p:nvSpPr>
+          <p:cNvPr id="5" name="Content Placeholder 2">
+            <a:extLst>
+              <a:ext uri="{FF2B5EF4-FFF2-40B4-BE49-F238E27FC236}">
+                <a16:creationId xmlns:a16="http://schemas.microsoft.com/office/drawing/2014/main" id="{C54A00E8-B4D2-4C6C-909F-A1225A3873D0}"/>
+              </a:ext>
+            </a:extLst>
+          </p:cNvPr>
+          <p:cNvSpPr>
+            <a:spLocks noGrp="1"/>
+          </p:cNvSpPr>
+          <p:nvPr>
+            <p:ph idx="1"/>
+          </p:nvPr>
+        </p:nvSpPr>
+        <p:spPr>
+          <a:xfrm>
+            <a:off x="336883" y="1951630"/>
+            <a:ext cx="11518232" cy="4599295"/>
+          </a:xfrm>
+        </p:spPr>
+        <p:txBody>
+          <a:bodyPr>
+            <a:noAutofit/>
+          </a:bodyPr>
+          <a:lstStyle/>
+          <a:p>
+            <a:pPr marL="914400" indent="-914400" algn="just">
+              <a:buNone/>
+            </a:pPr>
+            <a:r>
+              <a:rPr lang="en-US" sz="2000" dirty="0">
+                <a:solidFill>
+                  <a:schemeClr val="tx1"/>
+                </a:solidFill>
+                <a:latin typeface="Times New Roman" panose="02020603050405020304" pitchFamily="18" charset="0"/>
+                <a:cs typeface="Times New Roman" panose="02020603050405020304" pitchFamily="18" charset="0"/>
+              </a:rPr>
+              <a:t>Pascoe GA, </a:t>
+            </a:r>
+            <a:r>
+              <a:rPr lang="en-US" sz="2000" dirty="0" err="1">
+                <a:solidFill>
+                  <a:schemeClr val="tx1"/>
+                </a:solidFill>
+                <a:latin typeface="Times New Roman" panose="02020603050405020304" pitchFamily="18" charset="0"/>
+                <a:cs typeface="Times New Roman" panose="02020603050405020304" pitchFamily="18" charset="0"/>
+              </a:rPr>
+              <a:t>Fariss</a:t>
+            </a:r>
+            <a:r>
+              <a:rPr lang="en-US" sz="2000" dirty="0">
+                <a:solidFill>
+                  <a:schemeClr val="tx1"/>
+                </a:solidFill>
+                <a:latin typeface="Times New Roman" panose="02020603050405020304" pitchFamily="18" charset="0"/>
+                <a:cs typeface="Times New Roman" panose="02020603050405020304" pitchFamily="18" charset="0"/>
+              </a:rPr>
+              <a:t> MW, </a:t>
+            </a:r>
+            <a:r>
+              <a:rPr lang="en-US" sz="2000" dirty="0" err="1">
+                <a:solidFill>
+                  <a:schemeClr val="tx1"/>
+                </a:solidFill>
+                <a:latin typeface="Times New Roman" panose="02020603050405020304" pitchFamily="18" charset="0"/>
+                <a:cs typeface="Times New Roman" panose="02020603050405020304" pitchFamily="18" charset="0"/>
+              </a:rPr>
+              <a:t>Olafsdottir</a:t>
+            </a:r>
+            <a:r>
+              <a:rPr lang="en-US" sz="2000" dirty="0">
+                <a:solidFill>
+                  <a:schemeClr val="tx1"/>
+                </a:solidFill>
+                <a:latin typeface="Times New Roman" panose="02020603050405020304" pitchFamily="18" charset="0"/>
+                <a:cs typeface="Times New Roman" panose="02020603050405020304" pitchFamily="18" charset="0"/>
+              </a:rPr>
+              <a:t> K, Reed DJ (1987): A role of vitamin E in protection against cell injury: Maintenance of intracellular glutathione precursors and biosynthesis. Eur J Biochem;166(1):241-7. </a:t>
+            </a:r>
+          </a:p>
+          <a:p>
+            <a:pPr marL="914400" indent="-914400" algn="just">
+              <a:buNone/>
+            </a:pPr>
+            <a:r>
+              <a:rPr lang="en-US" sz="2000" dirty="0">
+                <a:solidFill>
+                  <a:schemeClr val="tx1"/>
+                </a:solidFill>
+                <a:latin typeface="Times New Roman" panose="02020603050405020304" pitchFamily="18" charset="0"/>
+                <a:cs typeface="Times New Roman" panose="02020603050405020304" pitchFamily="18" charset="0"/>
+              </a:rPr>
+              <a:t>Patel M, </a:t>
+            </a:r>
+            <a:r>
+              <a:rPr lang="en-US" sz="2000" dirty="0" err="1">
+                <a:solidFill>
+                  <a:schemeClr val="tx1"/>
+                </a:solidFill>
+                <a:latin typeface="Times New Roman" panose="02020603050405020304" pitchFamily="18" charset="0"/>
+                <a:cs typeface="Times New Roman" panose="02020603050405020304" pitchFamily="18" charset="0"/>
+              </a:rPr>
+              <a:t>Murugananthan</a:t>
+            </a:r>
+            <a:r>
+              <a:rPr lang="en-US" sz="2000" dirty="0">
+                <a:solidFill>
+                  <a:schemeClr val="tx1"/>
+                </a:solidFill>
+                <a:latin typeface="Times New Roman" panose="02020603050405020304" pitchFamily="18" charset="0"/>
+                <a:cs typeface="Times New Roman" panose="02020603050405020304" pitchFamily="18" charset="0"/>
+              </a:rPr>
+              <a:t> G, Gowda KP (2012): In vivo animal models in preclinical evaluation of </a:t>
+            </a:r>
+            <a:r>
+              <a:rPr lang="en-US" sz="2000" dirty="0" err="1">
+                <a:solidFill>
+                  <a:schemeClr val="tx1"/>
+                </a:solidFill>
+                <a:latin typeface="Times New Roman" panose="02020603050405020304" pitchFamily="18" charset="0"/>
+                <a:cs typeface="Times New Roman" panose="02020603050405020304" pitchFamily="18" charset="0"/>
+              </a:rPr>
+              <a:t>antiinflammatory</a:t>
+            </a:r>
+            <a:r>
+              <a:rPr lang="en-US" sz="2000" dirty="0">
+                <a:solidFill>
+                  <a:schemeClr val="tx1"/>
+                </a:solidFill>
+                <a:latin typeface="Times New Roman" panose="02020603050405020304" pitchFamily="18" charset="0"/>
+                <a:cs typeface="Times New Roman" panose="02020603050405020304" pitchFamily="18" charset="0"/>
+              </a:rPr>
+              <a:t> activity-A review. Int J Pharm Res Allied Sci; 1:1-5. </a:t>
+            </a:r>
+          </a:p>
+          <a:p>
+            <a:pPr marL="914400" indent="-914400" algn="just">
+              <a:buNone/>
+            </a:pPr>
+            <a:r>
+              <a:rPr lang="en-US" sz="2000" dirty="0" err="1">
+                <a:solidFill>
+                  <a:schemeClr val="tx1"/>
+                </a:solidFill>
+                <a:latin typeface="Times New Roman" panose="02020603050405020304" pitchFamily="18" charset="0"/>
+                <a:cs typeface="Times New Roman" panose="02020603050405020304" pitchFamily="18" charset="0"/>
+              </a:rPr>
+              <a:t>Purseglove</a:t>
+            </a:r>
+            <a:r>
+              <a:rPr lang="en-US" sz="2000" dirty="0">
+                <a:solidFill>
+                  <a:schemeClr val="tx1"/>
+                </a:solidFill>
+                <a:latin typeface="Times New Roman" panose="02020603050405020304" pitchFamily="18" charset="0"/>
+                <a:cs typeface="Times New Roman" panose="02020603050405020304" pitchFamily="18" charset="0"/>
+              </a:rPr>
+              <a:t> W (1974). </a:t>
+            </a:r>
+            <a:r>
+              <a:rPr lang="en-US" sz="2000" i="1" dirty="0">
+                <a:solidFill>
+                  <a:schemeClr val="tx1"/>
+                </a:solidFill>
+                <a:latin typeface="Times New Roman" panose="02020603050405020304" pitchFamily="18" charset="0"/>
+                <a:cs typeface="Times New Roman" panose="02020603050405020304" pitchFamily="18" charset="0"/>
+              </a:rPr>
+              <a:t>Tropical Crops; Dicotyledons. </a:t>
+            </a:r>
+            <a:r>
+              <a:rPr lang="en-US" sz="2000" dirty="0">
+                <a:solidFill>
+                  <a:schemeClr val="tx1"/>
+                </a:solidFill>
+                <a:latin typeface="Times New Roman" panose="02020603050405020304" pitchFamily="18" charset="0"/>
+                <a:cs typeface="Times New Roman" panose="02020603050405020304" pitchFamily="18" charset="0"/>
+              </a:rPr>
+              <a:t>Longman Group, London, UK. Pp 430435. </a:t>
+            </a:r>
+          </a:p>
+          <a:p>
+            <a:pPr marL="914400" indent="-914400" algn="just">
+              <a:buNone/>
+            </a:pPr>
+            <a:r>
+              <a:rPr lang="en-US" sz="2000" dirty="0" err="1">
+                <a:solidFill>
+                  <a:schemeClr val="tx1"/>
+                </a:solidFill>
+                <a:latin typeface="Times New Roman" panose="02020603050405020304" pitchFamily="18" charset="0"/>
+                <a:cs typeface="Times New Roman" panose="02020603050405020304" pitchFamily="18" charset="0"/>
+              </a:rPr>
+              <a:t>Quave</a:t>
+            </a:r>
+            <a:r>
+              <a:rPr lang="en-US" sz="2000" dirty="0">
+                <a:solidFill>
+                  <a:schemeClr val="tx1"/>
+                </a:solidFill>
+                <a:latin typeface="Times New Roman" panose="02020603050405020304" pitchFamily="18" charset="0"/>
+                <a:cs typeface="Times New Roman" panose="02020603050405020304" pitchFamily="18" charset="0"/>
+              </a:rPr>
+              <a:t> L (2016). Antibiotics from nature: Traditional medicine as a source of new solutions for combating antimicrobial resistance. http://resistancecontrol.info/rdinnovation/antibiotics-from-naturetraditionalmedicine-as-a-source-of-newsolutions-for-combating-antimicrobialresistance/ retrieved 04-12-2016. </a:t>
+            </a:r>
+          </a:p>
+          <a:p>
+            <a:pPr marL="914400" indent="-914400" algn="just">
+              <a:buNone/>
+            </a:pPr>
+            <a:r>
+              <a:rPr lang="en-US" sz="2000" dirty="0">
+                <a:solidFill>
+                  <a:schemeClr val="tx1"/>
+                </a:solidFill>
+                <a:latin typeface="Times New Roman" panose="02020603050405020304" pitchFamily="18" charset="0"/>
+                <a:cs typeface="Times New Roman" panose="02020603050405020304" pitchFamily="18" charset="0"/>
+              </a:rPr>
+              <a:t>Rajeev JF, </a:t>
+            </a:r>
+            <a:r>
+              <a:rPr lang="en-US" sz="2000" dirty="0" err="1">
+                <a:solidFill>
+                  <a:schemeClr val="tx1"/>
+                </a:solidFill>
+                <a:latin typeface="Times New Roman" panose="02020603050405020304" pitchFamily="18" charset="0"/>
+                <a:cs typeface="Times New Roman" panose="02020603050405020304" pitchFamily="18" charset="0"/>
+              </a:rPr>
+              <a:t>Baenziger</a:t>
+            </a:r>
+            <a:r>
+              <a:rPr lang="en-US" sz="2000" dirty="0">
+                <a:solidFill>
+                  <a:schemeClr val="tx1"/>
+                </a:solidFill>
+                <a:latin typeface="Times New Roman" panose="02020603050405020304" pitchFamily="18" charset="0"/>
+                <a:cs typeface="Times New Roman" panose="02020603050405020304" pitchFamily="18" charset="0"/>
+              </a:rPr>
+              <a:t> PS, Gill KS, Eskridge KM, </a:t>
+            </a:r>
+            <a:r>
+              <a:rPr lang="en-US" sz="2000" dirty="0" err="1">
+                <a:solidFill>
+                  <a:schemeClr val="tx1"/>
+                </a:solidFill>
+                <a:latin typeface="Times New Roman" panose="02020603050405020304" pitchFamily="18" charset="0"/>
+                <a:cs typeface="Times New Roman" panose="02020603050405020304" pitchFamily="18" charset="0"/>
+              </a:rPr>
+              <a:t>Dweikat</a:t>
+            </a:r>
+            <a:r>
+              <a:rPr lang="en-US" sz="2000" dirty="0">
+                <a:solidFill>
+                  <a:schemeClr val="tx1"/>
+                </a:solidFill>
+                <a:latin typeface="Times New Roman" panose="02020603050405020304" pitchFamily="18" charset="0"/>
+                <a:cs typeface="Times New Roman" panose="02020603050405020304" pitchFamily="18" charset="0"/>
+              </a:rPr>
+              <a:t> I. Assessment of genetic diversity and relationship among a collection of US sweet sorghum germplasm by SSR markers. Molecular Breeding. 2011: 21(4):497-509.</a:t>
+            </a:r>
+          </a:p>
+        </p:txBody>
+      </p:sp>
+    </p:spTree>
+    <p:extLst>
+      <p:ext uri="{BB962C8B-B14F-4D97-AF65-F5344CB8AC3E}">
+        <p14:creationId xmlns:p14="http://schemas.microsoft.com/office/powerpoint/2010/main" val="2637170910"/>
+      </p:ext>
+    </p:extLst>
+  </p:cSld>
+  <p:clrMapOvr>
+    <a:masterClrMapping/>
+  </p:clrMapOvr>
+  <p:transition spd="slow">
+    <p:push dir="u"/>
+  </p:transition>
+</p:sld>
+</file>
+
+<file path=ppt/slides/slide14.xml><?xml version="1.0" encoding="utf-8"?>
+<p:sld xmlns:a="http://schemas.openxmlformats.org/drawingml/2006/main" xmlns:r="http://schemas.openxmlformats.org/officeDocument/2006/relationships" xmlns:p="http://schemas.openxmlformats.org/presentationml/2006/main">
+  <p:cSld>
+    <p:spTree>
+      <p:nvGrpSpPr>
+        <p:cNvPr id="1" name=""/>
+        <p:cNvGrpSpPr/>
+        <p:nvPr/>
+      </p:nvGrpSpPr>
+      <p:grpSpPr>
+        <a:xfrm>
+          <a:off x="0" y="0"/>
+          <a:ext cx="0" cy="0"/>
+          <a:chOff x="0" y="0"/>
+          <a:chExt cx="0" cy="0"/>
+        </a:xfrm>
+      </p:grpSpPr>
+      <p:sp>
+        <p:nvSpPr>
+          <p:cNvPr id="2" name="Title 1">
+            <a:extLst>
+              <a:ext uri="{FF2B5EF4-FFF2-40B4-BE49-F238E27FC236}">
+                <a16:creationId xmlns:a16="http://schemas.microsoft.com/office/drawing/2014/main" id="{DFBC01B4-A3ED-4A0D-881B-0DD9716479F5}"/>
+              </a:ext>
+            </a:extLst>
+          </p:cNvPr>
+          <p:cNvSpPr>
+            <a:spLocks noGrp="1"/>
+          </p:cNvSpPr>
+          <p:nvPr>
+            <p:ph type="title"/>
+          </p:nvPr>
+        </p:nvSpPr>
+        <p:spPr>
+          <a:xfrm>
+            <a:off x="838200" y="2344051"/>
+            <a:ext cx="10515600" cy="1325563"/>
+          </a:xfrm>
+        </p:spPr>
+        <p:txBody>
+          <a:bodyPr>
+            <a:normAutofit/>
+          </a:bodyPr>
+          <a:lstStyle/>
+          <a:p>
+            <a:pPr algn="ctr"/>
+            <a:r>
+              <a:rPr lang="en-US" sz="7200" dirty="0">
+                <a:solidFill>
+                  <a:schemeClr val="tx1"/>
+                </a:solidFill>
+                <a:latin typeface="Times New Roman" panose="02020603050405020304" pitchFamily="18" charset="0"/>
+                <a:cs typeface="Times New Roman" panose="02020603050405020304" pitchFamily="18" charset="0"/>
+              </a:rPr>
+              <a:t>THANK YOU</a:t>
+            </a:r>
+          </a:p>
+        </p:txBody>
+      </p:sp>
+    </p:spTree>
+    <p:extLst>
+      <p:ext uri="{BB962C8B-B14F-4D97-AF65-F5344CB8AC3E}">
+        <p14:creationId xmlns:p14="http://schemas.microsoft.com/office/powerpoint/2010/main" val="637252669"/>
       </p:ext>
     </p:extLst>
   </p:cSld>
@@ -4398,115 +5650,85 @@
         </p:spPr>
         <p:txBody>
           <a:bodyPr>
-            <a:normAutofit fontScale="92500"/>
+            <a:normAutofit/>
           </a:bodyPr>
           <a:lstStyle/>
           <a:p>
-            <a:pPr marL="463550" indent="-463550" algn="just">
-              <a:lnSpc>
-                <a:spcPct val="150000"/>
-              </a:lnSpc>
+            <a:pPr marL="463550" lvl="0" indent="-463550">
               <a:buFont typeface="Wingdings" panose="05000000000000000000" pitchFamily="2" charset="2"/>
               <a:buChar char="§"/>
             </a:pPr>
             <a:r>
-              <a:rPr lang="en-US" sz="2800" dirty="0">
-                <a:solidFill>
-                  <a:schemeClr val="tx1"/>
-                </a:solidFill>
-              </a:rPr>
-              <a:t>To investigate the antimicrobial activity of </a:t>
-            </a:r>
-            <a:r>
-              <a:rPr lang="en-US" sz="2800" i="1" dirty="0">
-                <a:solidFill>
-                  <a:schemeClr val="tx1"/>
-                </a:solidFill>
-              </a:rPr>
-              <a:t>Sesamum </a:t>
-            </a:r>
-            <a:r>
-              <a:rPr lang="en-US" sz="2800" i="1" dirty="0" err="1">
-                <a:solidFill>
-                  <a:schemeClr val="tx1"/>
-                </a:solidFill>
+              <a:rPr lang="en-US" sz="3600" dirty="0">
+                <a:solidFill>
+                  <a:schemeClr val="tx1">
+                    <a:lumMod val="95000"/>
+                    <a:lumOff val="5000"/>
+                  </a:schemeClr>
+                </a:solidFill>
+                <a:latin typeface="Times" panose="02020603050405020304" pitchFamily="18" charset="0"/>
+              </a:rPr>
+              <a:t>To determine the phytochemical constituent of </a:t>
+            </a:r>
+            <a:r>
+              <a:rPr lang="en-US" sz="3600" i="1" dirty="0">
+                <a:solidFill>
+                  <a:schemeClr val="tx1">
+                    <a:lumMod val="95000"/>
+                    <a:lumOff val="5000"/>
+                  </a:schemeClr>
+                </a:solidFill>
+                <a:latin typeface="Times" panose="02020603050405020304" pitchFamily="18" charset="0"/>
+              </a:rPr>
+              <a:t>sesamum </a:t>
+            </a:r>
+            <a:r>
+              <a:rPr lang="en-US" sz="3600" i="1" dirty="0" err="1">
+                <a:solidFill>
+                  <a:schemeClr val="tx1">
+                    <a:lumMod val="95000"/>
+                    <a:lumOff val="5000"/>
+                  </a:schemeClr>
+                </a:solidFill>
+                <a:latin typeface="Times" panose="02020603050405020304" pitchFamily="18" charset="0"/>
               </a:rPr>
               <a:t>indicum</a:t>
             </a:r>
             <a:r>
-              <a:rPr lang="en-US" sz="2800" dirty="0">
-                <a:solidFill>
-                  <a:schemeClr val="tx1"/>
-                </a:solidFill>
-              </a:rPr>
-              <a:t> against some infectious bacteria and fungi (</a:t>
-            </a:r>
-            <a:r>
-              <a:rPr lang="en-US" sz="2800" i="1" dirty="0">
-                <a:solidFill>
-                  <a:schemeClr val="tx1"/>
-                </a:solidFill>
-              </a:rPr>
-              <a:t>Staphylococcus aureus, Pseudomonas aeruginosa and Candida </a:t>
-            </a:r>
-            <a:r>
-              <a:rPr lang="en-US" sz="2800" i="1" dirty="0" err="1">
-                <a:solidFill>
-                  <a:schemeClr val="tx1"/>
-                </a:solidFill>
-              </a:rPr>
-              <a:t>albincans</a:t>
-            </a:r>
-            <a:r>
-              <a:rPr lang="en-US" sz="2800" i="1" dirty="0">
-                <a:solidFill>
-                  <a:schemeClr val="tx1"/>
-                </a:solidFill>
-              </a:rPr>
-              <a:t>)</a:t>
-            </a:r>
-            <a:r>
-              <a:rPr lang="en-US" sz="2800" dirty="0">
-                <a:solidFill>
-                  <a:schemeClr val="tx1"/>
-                </a:solidFill>
-              </a:rPr>
-              <a:t>.</a:t>
-            </a:r>
-          </a:p>
-          <a:p>
-            <a:pPr marL="463550" indent="-463550" algn="just">
-              <a:lnSpc>
-                <a:spcPct val="150000"/>
-              </a:lnSpc>
-              <a:buFont typeface="Wingdings" panose="05000000000000000000" pitchFamily="2" charset="2"/>
-              <a:buChar char="§"/>
+              <a:rPr lang="en-US" sz="3600" dirty="0">
+                <a:solidFill>
+                  <a:schemeClr val="tx1">
+                    <a:lumMod val="95000"/>
+                    <a:lumOff val="5000"/>
+                  </a:schemeClr>
+                </a:solidFill>
+                <a:latin typeface="Times" panose="02020603050405020304" pitchFamily="18" charset="0"/>
+              </a:rPr>
+              <a:t> leave.</a:t>
+            </a:r>
+            <a:endParaRPr lang="en-GB" sz="3600" dirty="0">
+              <a:solidFill>
+                <a:schemeClr val="tx1">
+                  <a:lumMod val="95000"/>
+                  <a:lumOff val="5000"/>
+                </a:schemeClr>
+              </a:solidFill>
+              <a:latin typeface="Times" panose="02020603050405020304" pitchFamily="18" charset="0"/>
+            </a:endParaRPr>
+          </a:p>
+          <a:p>
+            <a:pPr marL="0" lvl="0" indent="0">
+              <a:buNone/>
             </a:pPr>
-            <a:r>
-              <a:rPr lang="en-US" sz="2800" dirty="0">
-                <a:solidFill>
-                  <a:schemeClr val="tx1"/>
-                </a:solidFill>
-              </a:rPr>
-              <a:t>To determine the minimum inhibitory concentration for the selected microorganisms.</a:t>
-            </a:r>
-          </a:p>
-          <a:p>
-            <a:pPr marL="463550" indent="-463550" algn="just">
-              <a:lnSpc>
-                <a:spcPct val="150000"/>
-              </a:lnSpc>
-              <a:buFont typeface="Wingdings" panose="05000000000000000000" pitchFamily="2" charset="2"/>
-              <a:buChar char="§"/>
-            </a:pPr>
-            <a:r>
-              <a:rPr lang="en-US" sz="2800" dirty="0">
-                <a:solidFill>
-                  <a:schemeClr val="tx1"/>
-                </a:solidFill>
-              </a:rPr>
-              <a:t>To examine the differences in the effectiveness of the aqueous extract obtained from the dried plant material and the extract from the fresh plant material.</a:t>
-            </a:r>
+            <a:endParaRPr lang="en-GB" sz="3600" dirty="0">
+              <a:solidFill>
+                <a:schemeClr val="tx1">
+                  <a:lumMod val="95000"/>
+                  <a:lumOff val="5000"/>
+                </a:schemeClr>
+              </a:solidFill>
+              <a:latin typeface="Times" panose="02020603050405020304" pitchFamily="18" charset="0"/>
+            </a:endParaRPr>
           </a:p>
         </p:txBody>
       </p:sp>
@@ -4545,10 +5767,10 @@
       </p:grpSpPr>
       <p:sp>
         <p:nvSpPr>
-          <p:cNvPr id="8" name="Title 1">
+          <p:cNvPr id="4" name="Title 1">
             <a:extLst>
               <a:ext uri="{FF2B5EF4-FFF2-40B4-BE49-F238E27FC236}">
-                <a16:creationId xmlns:a16="http://schemas.microsoft.com/office/drawing/2014/main" id="{44B74688-B6D5-40B3-96AC-929B31488F7E}"/>
+                <a16:creationId xmlns:a16="http://schemas.microsoft.com/office/drawing/2014/main" id="{93164581-1B8C-42A7-957F-CBC89C0694BA}"/>
               </a:ext>
             </a:extLst>
           </p:cNvPr>
@@ -4576,7 +5798,7 @@
                 <a:ea typeface="Tahoma" panose="020B0604030504040204" pitchFamily="34" charset="0"/>
                 <a:cs typeface="Tahoma" panose="020B0604030504040204" pitchFamily="34" charset="0"/>
               </a:rPr>
-              <a:t>MATERIALS AND METHODS</a:t>
+              <a:t>SPECIFIC OBJECTIVES</a:t>
             </a:r>
             <a:endParaRPr lang="en-GB" b="1" dirty="0">
               <a:latin typeface="Tahoma" panose="020B0604030504040204" pitchFamily="34" charset="0"/>
@@ -4588,10 +5810,10 @@
       </p:sp>
       <p:sp>
         <p:nvSpPr>
-          <p:cNvPr id="9" name="Content Placeholder 2">
+          <p:cNvPr id="5" name="Content Placeholder 2">
             <a:extLst>
               <a:ext uri="{FF2B5EF4-FFF2-40B4-BE49-F238E27FC236}">
-                <a16:creationId xmlns:a16="http://schemas.microsoft.com/office/drawing/2014/main" id="{95654917-5BA9-4282-BB8A-E8D42C6419F8}"/>
+                <a16:creationId xmlns:a16="http://schemas.microsoft.com/office/drawing/2014/main" id="{EEC11E75-3424-44CB-B62F-2804D7A0DD5D}"/>
               </a:ext>
             </a:extLst>
           </p:cNvPr>
@@ -4604,8 +5826,8 @@
         </p:nvSpPr>
         <p:spPr>
           <a:xfrm>
-            <a:off x="708338" y="1692321"/>
-            <a:ext cx="10972800" cy="4756605"/>
+            <a:off x="682387" y="1795998"/>
+            <a:ext cx="11136573" cy="4652929"/>
           </a:xfrm>
         </p:spPr>
         <p:txBody>
@@ -4614,112 +5836,128 @@
           </a:bodyPr>
           <a:lstStyle/>
           <a:p>
-            <a:pPr algn="just">
+            <a:pPr marL="463550" indent="-463550" algn="just">
               <a:lnSpc>
                 <a:spcPct val="150000"/>
               </a:lnSpc>
+              <a:buFont typeface="Wingdings" panose="05000000000000000000" pitchFamily="2" charset="2"/>
+              <a:buChar char="§"/>
             </a:pPr>
             <a:r>
-              <a:rPr lang="en-GB" sz="2800" b="1" dirty="0">
-                <a:solidFill>
-                  <a:schemeClr val="tx1"/>
-                </a:solidFill>
-                <a:latin typeface="Times New Roman" panose="02020603050405020304" pitchFamily="18" charset="0"/>
-                <a:cs typeface="Times New Roman" panose="02020603050405020304" pitchFamily="18" charset="0"/>
-              </a:rPr>
-              <a:t>Equipment/Apparatus</a:t>
-            </a:r>
-          </a:p>
-          <a:p>
-            <a:pPr algn="just">
-              <a:lnSpc>
-                <a:spcPct val="150000"/>
-              </a:lnSpc>
-            </a:pPr>
-            <a:r>
               <a:rPr lang="en-US" sz="2800" dirty="0">
                 <a:solidFill>
-                  <a:schemeClr val="tx1"/>
-                </a:solidFill>
-                <a:latin typeface="Times New Roman" panose="02020603050405020304" pitchFamily="18" charset="0"/>
-                <a:cs typeface="Times New Roman" panose="02020603050405020304" pitchFamily="18" charset="0"/>
-              </a:rPr>
-              <a:t>Glass ware, Ethanol, Petroleum spirit, Chloroform, </a:t>
-            </a:r>
-            <a:r>
-              <a:rPr lang="en-US" sz="2800" dirty="0" err="1">
-                <a:solidFill>
-                  <a:schemeClr val="tx1"/>
-                </a:solidFill>
-                <a:latin typeface="Times New Roman" panose="02020603050405020304" pitchFamily="18" charset="0"/>
-                <a:cs typeface="Times New Roman" panose="02020603050405020304" pitchFamily="18" charset="0"/>
-              </a:rPr>
-              <a:t>Ethylacete</a:t>
+                  <a:schemeClr val="tx1">
+                    <a:lumMod val="95000"/>
+                    <a:lumOff val="5000"/>
+                  </a:schemeClr>
+                </a:solidFill>
+                <a:latin typeface="Times" panose="02020603050405020304" pitchFamily="18" charset="0"/>
+              </a:rPr>
+              <a:t>To investigate the antimicrobial activity of </a:t>
+            </a:r>
+            <a:r>
+              <a:rPr lang="en-US" sz="2800" i="1" dirty="0">
+                <a:solidFill>
+                  <a:schemeClr val="tx1">
+                    <a:lumMod val="95000"/>
+                    <a:lumOff val="5000"/>
+                  </a:schemeClr>
+                </a:solidFill>
+                <a:latin typeface="Times" panose="02020603050405020304" pitchFamily="18" charset="0"/>
+              </a:rPr>
+              <a:t>Sesamum </a:t>
+            </a:r>
+            <a:r>
+              <a:rPr lang="en-US" sz="2800" i="1" dirty="0" err="1">
+                <a:solidFill>
+                  <a:schemeClr val="tx1">
+                    <a:lumMod val="95000"/>
+                    <a:lumOff val="5000"/>
+                  </a:schemeClr>
+                </a:solidFill>
+                <a:latin typeface="Times" panose="02020603050405020304" pitchFamily="18" charset="0"/>
+              </a:rPr>
+              <a:t>indicum</a:t>
             </a:r>
             <a:r>
               <a:rPr lang="en-US" sz="2800" dirty="0">
                 <a:solidFill>
-                  <a:schemeClr val="tx1"/>
-                </a:solidFill>
-                <a:latin typeface="Times New Roman" panose="02020603050405020304" pitchFamily="18" charset="0"/>
-                <a:cs typeface="Times New Roman" panose="02020603050405020304" pitchFamily="18" charset="0"/>
-              </a:rPr>
-              <a:t>, Methanol, </a:t>
-            </a:r>
-            <a:r>
-              <a:rPr lang="en-US" sz="2800" dirty="0" err="1">
-                <a:solidFill>
-                  <a:schemeClr val="tx1"/>
-                </a:solidFill>
-                <a:latin typeface="Times New Roman" panose="02020603050405020304" pitchFamily="18" charset="0"/>
-                <a:cs typeface="Times New Roman" panose="02020603050405020304" pitchFamily="18" charset="0"/>
-              </a:rPr>
-              <a:t>Sparfloxacin</a:t>
+                  <a:schemeClr val="tx1">
+                    <a:lumMod val="95000"/>
+                    <a:lumOff val="5000"/>
+                  </a:schemeClr>
+                </a:solidFill>
+                <a:latin typeface="Times" panose="02020603050405020304" pitchFamily="18" charset="0"/>
+              </a:rPr>
+              <a:t> against some infectious bacteria and fungi (</a:t>
+            </a:r>
+            <a:r>
+              <a:rPr lang="en-US" sz="2800" i="1" dirty="0" err="1">
+                <a:solidFill>
+                  <a:schemeClr val="tx1">
+                    <a:lumMod val="95000"/>
+                    <a:lumOff val="5000"/>
+                  </a:schemeClr>
+                </a:solidFill>
+                <a:latin typeface="Times" panose="02020603050405020304" pitchFamily="18" charset="0"/>
+              </a:rPr>
+              <a:t>E.cole</a:t>
+            </a:r>
+            <a:r>
+              <a:rPr lang="en-US" sz="2800" i="1" dirty="0">
+                <a:solidFill>
+                  <a:schemeClr val="tx1">
+                    <a:lumMod val="95000"/>
+                    <a:lumOff val="5000"/>
+                  </a:schemeClr>
+                </a:solidFill>
+                <a:latin typeface="Times" panose="02020603050405020304" pitchFamily="18" charset="0"/>
+              </a:rPr>
+              <a:t>,</a:t>
             </a:r>
             <a:r>
               <a:rPr lang="en-US" sz="2800" dirty="0">
                 <a:solidFill>
-                  <a:schemeClr val="tx1"/>
-                </a:solidFill>
-                <a:latin typeface="Times New Roman" panose="02020603050405020304" pitchFamily="18" charset="0"/>
-                <a:cs typeface="Times New Roman" panose="02020603050405020304" pitchFamily="18" charset="0"/>
-              </a:rPr>
-              <a:t>, </a:t>
-            </a:r>
-            <a:r>
-              <a:rPr lang="en-US" sz="2800" dirty="0" err="1">
-                <a:solidFill>
-                  <a:schemeClr val="tx1"/>
-                </a:solidFill>
-                <a:latin typeface="Times New Roman" panose="02020603050405020304" pitchFamily="18" charset="0"/>
-                <a:cs typeface="Times New Roman" panose="02020603050405020304" pitchFamily="18" charset="0"/>
-              </a:rPr>
-              <a:t>Flucozole</a:t>
+                  <a:schemeClr val="tx1">
+                    <a:lumMod val="95000"/>
+                    <a:lumOff val="5000"/>
+                  </a:schemeClr>
+                </a:solidFill>
+                <a:latin typeface="Times" panose="02020603050405020304" pitchFamily="18" charset="0"/>
+              </a:rPr>
+              <a:t> </a:t>
+            </a:r>
+            <a:r>
+              <a:rPr lang="en-US" sz="2800" i="1" dirty="0">
+                <a:solidFill>
+                  <a:schemeClr val="tx1">
+                    <a:lumMod val="95000"/>
+                    <a:lumOff val="5000"/>
+                  </a:schemeClr>
+                </a:solidFill>
+                <a:latin typeface="Times" panose="02020603050405020304" pitchFamily="18" charset="0"/>
+              </a:rPr>
+              <a:t>Staphylococcus aureus and Pseudomonas aeruginosa)</a:t>
             </a:r>
             <a:r>
               <a:rPr lang="en-US" sz="2800" dirty="0">
                 <a:solidFill>
-                  <a:schemeClr val="tx1"/>
-                </a:solidFill>
-                <a:latin typeface="Times New Roman" panose="02020603050405020304" pitchFamily="18" charset="0"/>
-                <a:cs typeface="Times New Roman" panose="02020603050405020304" pitchFamily="18" charset="0"/>
-              </a:rPr>
-              <a:t>, Soxhlet extractor.</a:t>
-            </a:r>
-            <a:endParaRPr lang="en-GB" sz="2800" dirty="0">
-              <a:solidFill>
-                <a:schemeClr val="tx1"/>
-              </a:solidFill>
-              <a:latin typeface="Times New Roman" panose="02020603050405020304" pitchFamily="18" charset="0"/>
-              <a:cs typeface="Times New Roman" panose="02020603050405020304" pitchFamily="18" charset="0"/>
-            </a:endParaRPr>
+                  <a:schemeClr val="tx1">
+                    <a:lumMod val="95000"/>
+                    <a:lumOff val="5000"/>
+                  </a:schemeClr>
+                </a:solidFill>
+                <a:latin typeface="Times" panose="02020603050405020304" pitchFamily="18" charset="0"/>
+              </a:rPr>
+              <a:t>.</a:t>
+            </a:r>
           </a:p>
         </p:txBody>
       </p:sp>
     </p:spTree>
     <p:extLst>
       <p:ext uri="{BB962C8B-B14F-4D97-AF65-F5344CB8AC3E}">
-        <p14:creationId xmlns:p14="http://schemas.microsoft.com/office/powerpoint/2010/main" val="3173034788"/>
+        <p14:creationId xmlns:p14="http://schemas.microsoft.com/office/powerpoint/2010/main" val="2720198919"/>
       </p:ext>
     </p:extLst>
   </p:cSld>
@@ -4751,10 +5989,10 @@
       </p:grpSpPr>
       <p:sp>
         <p:nvSpPr>
-          <p:cNvPr id="4" name="Title 1">
+          <p:cNvPr id="8" name="Title 1">
             <a:extLst>
               <a:ext uri="{FF2B5EF4-FFF2-40B4-BE49-F238E27FC236}">
-                <a16:creationId xmlns:a16="http://schemas.microsoft.com/office/drawing/2014/main" id="{729643B3-2E8F-45E7-BAAE-3F0A4AFF3FAB}"/>
+                <a16:creationId xmlns:a16="http://schemas.microsoft.com/office/drawing/2014/main" id="{AC0DD172-498B-4FD6-AE09-3E223FF5BD8D}"/>
               </a:ext>
             </a:extLst>
           </p:cNvPr>
@@ -4767,53 +6005,37 @@
         </p:nvSpPr>
         <p:spPr>
           <a:xfrm>
-            <a:off x="810904" y="122470"/>
-            <a:ext cx="10972800" cy="860169"/>
+            <a:off x="838200" y="409073"/>
+            <a:ext cx="10515600" cy="791930"/>
           </a:xfrm>
         </p:spPr>
         <p:txBody>
-          <a:bodyPr>
-            <a:normAutofit/>
-          </a:bodyPr>
+          <a:bodyPr/>
           <a:lstStyle/>
           <a:p>
             <a:pPr algn="ctr"/>
             <a:r>
               <a:rPr lang="en-US" b="1" dirty="0">
-                <a:solidFill>
-                  <a:schemeClr val="tx1"/>
-                </a:solidFill>
-                <a:latin typeface="Times New Roman" panose="02020603050405020304" pitchFamily="18" charset="0"/>
-                <a:cs typeface="Times New Roman" panose="02020603050405020304" pitchFamily="18" charset="0"/>
-              </a:rPr>
-              <a:t>P</a:t>
-            </a:r>
-            <a:r>
-              <a:rPr lang="en-GB" b="1" dirty="0">
-                <a:solidFill>
-                  <a:schemeClr val="tx1"/>
-                </a:solidFill>
-                <a:latin typeface="Times New Roman" panose="02020603050405020304" pitchFamily="18" charset="0"/>
-                <a:cs typeface="Times New Roman" panose="02020603050405020304" pitchFamily="18" charset="0"/>
-              </a:rPr>
-              <a:t>HYTOCHEMICAL SCREENING</a:t>
-            </a:r>
-            <a:endParaRPr lang="en-GB" dirty="0">
-              <a:solidFill>
-                <a:schemeClr val="tx1"/>
-              </a:solidFill>
-              <a:latin typeface="Times New Roman" panose="02020603050405020304" pitchFamily="18" charset="0"/>
-              <a:cs typeface="Times New Roman" panose="02020603050405020304" pitchFamily="18" charset="0"/>
+                <a:latin typeface="Tahoma" panose="020B0604030504040204" pitchFamily="34" charset="0"/>
+                <a:ea typeface="Tahoma" panose="020B0604030504040204" pitchFamily="34" charset="0"/>
+                <a:cs typeface="Tahoma" panose="020B0604030504040204" pitchFamily="34" charset="0"/>
+              </a:rPr>
+              <a:t>METHODS</a:t>
+            </a:r>
+            <a:endParaRPr lang="en-GB" b="1" dirty="0">
+              <a:latin typeface="Tahoma" panose="020B0604030504040204" pitchFamily="34" charset="0"/>
+              <a:ea typeface="Tahoma" panose="020B0604030504040204" pitchFamily="34" charset="0"/>
+              <a:cs typeface="Tahoma" panose="020B0604030504040204" pitchFamily="34" charset="0"/>
             </a:endParaRPr>
           </a:p>
         </p:txBody>
       </p:sp>
       <p:sp>
         <p:nvSpPr>
-          <p:cNvPr id="5" name="Content Placeholder 2">
+          <p:cNvPr id="9" name="Content Placeholder 2">
             <a:extLst>
               <a:ext uri="{FF2B5EF4-FFF2-40B4-BE49-F238E27FC236}">
-                <a16:creationId xmlns:a16="http://schemas.microsoft.com/office/drawing/2014/main" id="{C8D2AB14-4DA2-4912-BB67-65CA592DF999}"/>
+                <a16:creationId xmlns:a16="http://schemas.microsoft.com/office/drawing/2014/main" id="{B09A5CA0-5F2B-4E46-A0A4-0F59AC9003F8}"/>
               </a:ext>
             </a:extLst>
           </p:cNvPr>
@@ -4826,8 +6048,8 @@
         </p:nvSpPr>
         <p:spPr>
           <a:xfrm>
-            <a:off x="708338" y="982640"/>
-            <a:ext cx="10972800" cy="5295330"/>
+            <a:off x="491319" y="1201003"/>
+            <a:ext cx="11189819" cy="5090615"/>
           </a:xfrm>
           <a:solidFill>
             <a:schemeClr val="bg1"/>
@@ -4835,7 +6057,7 @@
         </p:spPr>
         <p:txBody>
           <a:bodyPr>
-            <a:normAutofit fontScale="77500" lnSpcReduction="20000"/>
+            <a:normAutofit/>
           </a:bodyPr>
           <a:lstStyle/>
           <a:p>
@@ -4845,203 +6067,150 @@
               </a:lnSpc>
             </a:pPr>
             <a:r>
-              <a:rPr lang="en-GB" sz="2800" dirty="0">
-                <a:solidFill>
-                  <a:schemeClr val="tx1"/>
-                </a:solidFill>
-                <a:latin typeface="Times New Roman" panose="02020603050405020304" pitchFamily="18" charset="0"/>
-                <a:cs typeface="Times New Roman" panose="02020603050405020304" pitchFamily="18" charset="0"/>
-              </a:rPr>
-              <a:t>The following class of phytochemicals composition of the extract will be determined</a:t>
-            </a:r>
-          </a:p>
-          <a:p>
-            <a:pPr marL="463550" indent="-285750" algn="just">
+              <a:rPr lang="en-US" sz="2800" b="1" dirty="0">
+                <a:solidFill>
+                  <a:schemeClr val="tx1">
+                    <a:lumMod val="95000"/>
+                    <a:lumOff val="5000"/>
+                  </a:schemeClr>
+                </a:solidFill>
+                <a:latin typeface="Times" panose="02020603050405020304" pitchFamily="18" charset="0"/>
+              </a:rPr>
+              <a:t>Phytochemical analysis</a:t>
+            </a:r>
+            <a:endParaRPr lang="en-GB" sz="2800" b="1" dirty="0">
+              <a:solidFill>
+                <a:schemeClr val="tx1">
+                  <a:lumMod val="95000"/>
+                  <a:lumOff val="5000"/>
+                </a:schemeClr>
+              </a:solidFill>
+              <a:latin typeface="Times" panose="02020603050405020304" pitchFamily="18" charset="0"/>
+            </a:endParaRPr>
+          </a:p>
+          <a:p>
+            <a:pPr algn="just">
               <a:lnSpc>
-                <a:spcPct val="120000"/>
+                <a:spcPct val="150000"/>
               </a:lnSpc>
-              <a:buFont typeface="Wingdings" panose="05000000000000000000" pitchFamily="2" charset="2"/>
-              <a:buChar char="§"/>
             </a:pPr>
             <a:r>
-              <a:rPr lang="en-GB" sz="2800" dirty="0">
-                <a:solidFill>
-                  <a:schemeClr val="tx1"/>
-                </a:solidFill>
-                <a:latin typeface="Times New Roman" panose="02020603050405020304" pitchFamily="18" charset="0"/>
-                <a:cs typeface="Times New Roman" panose="02020603050405020304" pitchFamily="18" charset="0"/>
-              </a:rPr>
-              <a:t>Test for Alkaloids</a:t>
-            </a:r>
-          </a:p>
-          <a:p>
-            <a:pPr marL="463550" indent="-285750" algn="just">
-              <a:lnSpc>
-                <a:spcPct val="120000"/>
-              </a:lnSpc>
-              <a:buFont typeface="Wingdings" panose="05000000000000000000" pitchFamily="2" charset="2"/>
-              <a:buChar char="§"/>
-            </a:pPr>
-            <a:r>
-              <a:rPr lang="en-GB" sz="2800" dirty="0">
-                <a:solidFill>
-                  <a:schemeClr val="tx1"/>
-                </a:solidFill>
-                <a:latin typeface="Times New Roman" panose="02020603050405020304" pitchFamily="18" charset="0"/>
-                <a:cs typeface="Times New Roman" panose="02020603050405020304" pitchFamily="18" charset="0"/>
-              </a:rPr>
-              <a:t>Test for Flavonoids</a:t>
-            </a:r>
-          </a:p>
-          <a:p>
-            <a:pPr marL="463550" indent="-285750" algn="just">
-              <a:lnSpc>
-                <a:spcPct val="120000"/>
-              </a:lnSpc>
-              <a:buFont typeface="Wingdings" panose="05000000000000000000" pitchFamily="2" charset="2"/>
-              <a:buChar char="§"/>
-            </a:pPr>
-            <a:r>
-              <a:rPr lang="en-GB" sz="2800" dirty="0">
-                <a:solidFill>
-                  <a:schemeClr val="tx1"/>
-                </a:solidFill>
-                <a:latin typeface="Times New Roman" panose="02020603050405020304" pitchFamily="18" charset="0"/>
-                <a:cs typeface="Times New Roman" panose="02020603050405020304" pitchFamily="18" charset="0"/>
-              </a:rPr>
-              <a:t>Test for </a:t>
-            </a:r>
-            <a:r>
-              <a:rPr lang="en-GB" sz="2800" dirty="0" err="1">
-                <a:solidFill>
-                  <a:schemeClr val="tx1"/>
-                </a:solidFill>
-                <a:latin typeface="Times New Roman" panose="02020603050405020304" pitchFamily="18" charset="0"/>
-                <a:cs typeface="Times New Roman" panose="02020603050405020304" pitchFamily="18" charset="0"/>
-              </a:rPr>
-              <a:t>Phlobatannins</a:t>
+              <a:rPr lang="en-US" sz="2800" dirty="0">
+                <a:solidFill>
+                  <a:schemeClr val="tx1">
+                    <a:lumMod val="95000"/>
+                    <a:lumOff val="5000"/>
+                  </a:schemeClr>
+                </a:solidFill>
+                <a:latin typeface="Times" panose="02020603050405020304" pitchFamily="18" charset="0"/>
+              </a:rPr>
+              <a:t>The different crude solvent extracts obtained by the successive extractions from the </a:t>
+            </a:r>
+            <a:r>
+              <a:rPr lang="en-US" sz="2800" dirty="0" err="1">
+                <a:solidFill>
+                  <a:schemeClr val="tx1">
+                    <a:lumMod val="95000"/>
+                    <a:lumOff val="5000"/>
+                  </a:schemeClr>
+                </a:solidFill>
+                <a:latin typeface="Times" panose="02020603050405020304" pitchFamily="18" charset="0"/>
+              </a:rPr>
+              <a:t>soxhlet</a:t>
+            </a:r>
+            <a:r>
+              <a:rPr lang="en-US" sz="2800" dirty="0">
+                <a:solidFill>
+                  <a:schemeClr val="tx1">
+                    <a:lumMod val="95000"/>
+                    <a:lumOff val="5000"/>
+                  </a:schemeClr>
+                </a:solidFill>
+                <a:latin typeface="Times" panose="02020603050405020304" pitchFamily="18" charset="0"/>
+              </a:rPr>
+              <a:t> extractor were all be subjected to phytochemical screening using standard techniques of plant secondary metabolites by Harborne (1997), </a:t>
+            </a:r>
+            <a:r>
+              <a:rPr lang="en-US" sz="2800" dirty="0" err="1">
+                <a:solidFill>
+                  <a:schemeClr val="tx1">
+                    <a:lumMod val="95000"/>
+                    <a:lumOff val="5000"/>
+                  </a:schemeClr>
+                </a:solidFill>
+                <a:latin typeface="Times" panose="02020603050405020304" pitchFamily="18" charset="0"/>
+              </a:rPr>
+              <a:t>Sofowora</a:t>
+            </a:r>
+            <a:r>
+              <a:rPr lang="en-US" sz="2800" dirty="0">
+                <a:solidFill>
+                  <a:schemeClr val="tx1">
+                    <a:lumMod val="95000"/>
+                    <a:lumOff val="5000"/>
+                  </a:schemeClr>
+                </a:solidFill>
+                <a:latin typeface="Times" panose="02020603050405020304" pitchFamily="18" charset="0"/>
+              </a:rPr>
+              <a:t> (2008) and </a:t>
+            </a:r>
+            <a:r>
+              <a:rPr lang="en-US" sz="2800" dirty="0" err="1">
+                <a:solidFill>
+                  <a:schemeClr val="tx1">
+                    <a:lumMod val="95000"/>
+                    <a:lumOff val="5000"/>
+                  </a:schemeClr>
+                </a:solidFill>
+                <a:latin typeface="Times" panose="02020603050405020304" pitchFamily="18" charset="0"/>
+              </a:rPr>
+              <a:t>Trease</a:t>
+            </a:r>
+            <a:r>
+              <a:rPr lang="en-US" sz="2800" dirty="0">
+                <a:solidFill>
+                  <a:schemeClr val="tx1">
+                    <a:lumMod val="95000"/>
+                    <a:lumOff val="5000"/>
+                  </a:schemeClr>
+                </a:solidFill>
+                <a:latin typeface="Times" panose="02020603050405020304" pitchFamily="18" charset="0"/>
+              </a:rPr>
+              <a:t> and Evans (2009). The crude plant extract was tested for alkaloids, saponins, </a:t>
+            </a:r>
+            <a:r>
+              <a:rPr lang="en-US" sz="2800" dirty="0" err="1">
+                <a:solidFill>
+                  <a:schemeClr val="tx1">
+                    <a:lumMod val="95000"/>
+                    <a:lumOff val="5000"/>
+                  </a:schemeClr>
+                </a:solidFill>
+                <a:latin typeface="Times" panose="02020603050405020304" pitchFamily="18" charset="0"/>
+              </a:rPr>
+              <a:t>phlobotannins</a:t>
+            </a:r>
+            <a:r>
+              <a:rPr lang="en-US" sz="2800" dirty="0">
+                <a:solidFill>
+                  <a:schemeClr val="tx1">
+                    <a:lumMod val="95000"/>
+                    <a:lumOff val="5000"/>
+                  </a:schemeClr>
+                </a:solidFill>
+                <a:latin typeface="Times" panose="02020603050405020304" pitchFamily="18" charset="0"/>
+              </a:rPr>
+              <a:t>, tannins, flavonoids, steroids, glycosides and cardenolides. </a:t>
             </a:r>
             <a:endParaRPr lang="en-GB" sz="2800" dirty="0">
               <a:solidFill>
-                <a:schemeClr val="tx1"/>
+                <a:schemeClr val="tx1">
+                  <a:lumMod val="95000"/>
+                  <a:lumOff val="5000"/>
+                </a:schemeClr>
               </a:solidFill>
-              <a:latin typeface="Times New Roman" panose="02020603050405020304" pitchFamily="18" charset="0"/>
-              <a:cs typeface="Times New Roman" panose="02020603050405020304" pitchFamily="18" charset="0"/>
+              <a:latin typeface="Times" panose="02020603050405020304" pitchFamily="18" charset="0"/>
             </a:endParaRPr>
-          </a:p>
-          <a:p>
-            <a:pPr marL="463550" indent="-285750" algn="just">
-              <a:lnSpc>
-                <a:spcPct val="120000"/>
-              </a:lnSpc>
-              <a:buFont typeface="Wingdings" panose="05000000000000000000" pitchFamily="2" charset="2"/>
-              <a:buChar char="§"/>
-            </a:pPr>
-            <a:r>
-              <a:rPr lang="en-GB" sz="2800" dirty="0">
-                <a:solidFill>
-                  <a:schemeClr val="tx1"/>
-                </a:solidFill>
-                <a:latin typeface="Times New Roman" panose="02020603050405020304" pitchFamily="18" charset="0"/>
-                <a:cs typeface="Times New Roman" panose="02020603050405020304" pitchFamily="18" charset="0"/>
-              </a:rPr>
-              <a:t>Test for Tannins</a:t>
-            </a:r>
-          </a:p>
-          <a:p>
-            <a:pPr marL="463550" indent="-285750" algn="just">
-              <a:lnSpc>
-                <a:spcPct val="120000"/>
-              </a:lnSpc>
-              <a:buFont typeface="Wingdings" panose="05000000000000000000" pitchFamily="2" charset="2"/>
-              <a:buChar char="§"/>
-            </a:pPr>
-            <a:r>
-              <a:rPr lang="en-GB" sz="2800" dirty="0">
-                <a:solidFill>
-                  <a:schemeClr val="tx1"/>
-                </a:solidFill>
-                <a:latin typeface="Times New Roman" panose="02020603050405020304" pitchFamily="18" charset="0"/>
-                <a:cs typeface="Times New Roman" panose="02020603050405020304" pitchFamily="18" charset="0"/>
-              </a:rPr>
-              <a:t>Test for Saponins</a:t>
-            </a:r>
-          </a:p>
-          <a:p>
-            <a:pPr marL="463550" indent="-285750" algn="just">
-              <a:lnSpc>
-                <a:spcPct val="120000"/>
-              </a:lnSpc>
-              <a:buFont typeface="Wingdings" panose="05000000000000000000" pitchFamily="2" charset="2"/>
-              <a:buChar char="§"/>
-            </a:pPr>
-            <a:r>
-              <a:rPr lang="en-GB" sz="2800" dirty="0">
-                <a:solidFill>
-                  <a:schemeClr val="tx1"/>
-                </a:solidFill>
-                <a:latin typeface="Times New Roman" panose="02020603050405020304" pitchFamily="18" charset="0"/>
-                <a:cs typeface="Times New Roman" panose="02020603050405020304" pitchFamily="18" charset="0"/>
-              </a:rPr>
-              <a:t>Test for Anthraquinones </a:t>
-            </a:r>
-          </a:p>
-          <a:p>
-            <a:pPr marL="463550" indent="-285750" algn="just">
-              <a:lnSpc>
-                <a:spcPct val="120000"/>
-              </a:lnSpc>
-              <a:buFont typeface="Wingdings" panose="05000000000000000000" pitchFamily="2" charset="2"/>
-              <a:buChar char="§"/>
-            </a:pPr>
-            <a:r>
-              <a:rPr lang="en-GB" sz="2800" dirty="0">
-                <a:solidFill>
-                  <a:schemeClr val="tx1"/>
-                </a:solidFill>
-                <a:latin typeface="Times New Roman" panose="02020603050405020304" pitchFamily="18" charset="0"/>
-                <a:cs typeface="Times New Roman" panose="02020603050405020304" pitchFamily="18" charset="0"/>
-              </a:rPr>
-              <a:t>Test for Cardenolides</a:t>
-            </a:r>
-          </a:p>
-          <a:p>
-            <a:pPr marL="463550" indent="-285750" algn="just">
-              <a:lnSpc>
-                <a:spcPct val="120000"/>
-              </a:lnSpc>
-              <a:buFont typeface="Wingdings" panose="05000000000000000000" pitchFamily="2" charset="2"/>
-              <a:buChar char="§"/>
-            </a:pPr>
-            <a:r>
-              <a:rPr lang="en-GB" sz="2800" dirty="0">
-                <a:solidFill>
-                  <a:schemeClr val="tx1"/>
-                </a:solidFill>
-                <a:latin typeface="Times New Roman" panose="02020603050405020304" pitchFamily="18" charset="0"/>
-                <a:cs typeface="Times New Roman" panose="02020603050405020304" pitchFamily="18" charset="0"/>
-              </a:rPr>
-              <a:t>Test for Glycosides</a:t>
-            </a:r>
-          </a:p>
-          <a:p>
-            <a:pPr marL="463550" indent="-285750" algn="just">
-              <a:lnSpc>
-                <a:spcPct val="120000"/>
-              </a:lnSpc>
-              <a:buFont typeface="Wingdings" panose="05000000000000000000" pitchFamily="2" charset="2"/>
-              <a:buChar char="§"/>
-            </a:pPr>
-            <a:r>
-              <a:rPr lang="en-GB" sz="2800" dirty="0">
-                <a:solidFill>
-                  <a:schemeClr val="tx1"/>
-                </a:solidFill>
-                <a:latin typeface="Times New Roman" panose="02020603050405020304" pitchFamily="18" charset="0"/>
-                <a:cs typeface="Times New Roman" panose="02020603050405020304" pitchFamily="18" charset="0"/>
-              </a:rPr>
-              <a:t>Test for Steroids</a:t>
-            </a:r>
           </a:p>
         </p:txBody>
       </p:sp>
@@ -5243,7 +6412,7 @@
                 <a:latin typeface="Times New Roman" panose="02020603050405020304" pitchFamily="18" charset="0"/>
                 <a:cs typeface="Times New Roman" panose="02020603050405020304" pitchFamily="18" charset="0"/>
               </a:rPr>
-              <a:t>Minimum Bactericidal and Fungicidal Concentration</a:t>
+              <a:t>Minimum Bactericidal Concentration</a:t>
             </a:r>
             <a:endParaRPr lang="en-GB" sz="2800" dirty="0">
               <a:solidFill>
@@ -5293,7 +6462,7 @@
           <p:cNvPr id="4" name="Title 1">
             <a:extLst>
               <a:ext uri="{FF2B5EF4-FFF2-40B4-BE49-F238E27FC236}">
-                <a16:creationId xmlns:a16="http://schemas.microsoft.com/office/drawing/2014/main" id="{959BD148-AD4D-4975-88E4-D484052D8CCD}"/>
+                <a16:creationId xmlns:a16="http://schemas.microsoft.com/office/drawing/2014/main" id="{3CE26842-3344-4640-B06B-89F9FDFC8B29}"/>
               </a:ext>
             </a:extLst>
           </p:cNvPr>
@@ -5306,14 +6475,12 @@
         </p:nvSpPr>
         <p:spPr>
           <a:xfrm>
-            <a:off x="838199" y="43771"/>
-            <a:ext cx="10515600" cy="1155032"/>
+            <a:off x="838200" y="409073"/>
+            <a:ext cx="10515600" cy="791930"/>
           </a:xfrm>
         </p:spPr>
         <p:txBody>
-          <a:bodyPr>
-            <a:normAutofit/>
-          </a:bodyPr>
+          <a:bodyPr/>
           <a:lstStyle/>
           <a:p>
             <a:pPr algn="ctr"/>
@@ -5323,7 +6490,7 @@
                 <a:ea typeface="Tahoma" panose="020B0604030504040204" pitchFamily="34" charset="0"/>
                 <a:cs typeface="Tahoma" panose="020B0604030504040204" pitchFamily="34" charset="0"/>
               </a:rPr>
-              <a:t>REFERENCES</a:t>
+              <a:t>RESULT</a:t>
             </a:r>
             <a:endParaRPr lang="en-GB" b="1" dirty="0">
               <a:latin typeface="Tahoma" panose="020B0604030504040204" pitchFamily="34" charset="0"/>
@@ -5333,274 +6500,493 @@
           </a:p>
         </p:txBody>
       </p:sp>
-      <p:sp>
-        <p:nvSpPr>
-          <p:cNvPr id="5" name="Content Placeholder 2">
+      <p:graphicFrame>
+        <p:nvGraphicFramePr>
+          <p:cNvPr id="6" name="Content Placeholder 5">
             <a:extLst>
               <a:ext uri="{FF2B5EF4-FFF2-40B4-BE49-F238E27FC236}">
-                <a16:creationId xmlns:a16="http://schemas.microsoft.com/office/drawing/2014/main" id="{C54A00E8-B4D2-4C6C-909F-A1225A3873D0}"/>
+                <a16:creationId xmlns:a16="http://schemas.microsoft.com/office/drawing/2014/main" id="{0D13C2BC-0F39-4B6D-9C76-1C7F6F2F3377}"/>
               </a:ext>
             </a:extLst>
           </p:cNvPr>
-          <p:cNvSpPr>
-            <a:spLocks noGrp="1"/>
-          </p:cNvSpPr>
+          <p:cNvGraphicFramePr>
+            <a:graphicFrameLocks noGrp="1"/>
+          </p:cNvGraphicFramePr>
           <p:nvPr>
             <p:ph idx="1"/>
+            <p:extLst>
+              <p:ext uri="{D42A27DB-BD31-4B8C-83A1-F6EECF244321}">
+                <p14:modId xmlns:p14="http://schemas.microsoft.com/office/powerpoint/2010/main" val="3581805756"/>
+              </p:ext>
+            </p:extLst>
           </p:nvPr>
+        </p:nvGraphicFramePr>
+        <p:xfrm>
+          <a:off x="1337480" y="1883392"/>
+          <a:ext cx="9840035" cy="4107976"/>
+        </p:xfrm>
+        <a:graphic>
+          <a:graphicData uri="http://schemas.openxmlformats.org/drawingml/2006/table">
+            <a:tbl>
+              <a:tblPr firstRow="1" firstCol="1" bandRow="1">
+                <a:tableStyleId>{5C22544A-7EE6-4342-B048-85BDC9FD1C3A}</a:tableStyleId>
+              </a:tblPr>
+              <a:tblGrid>
+                <a:gridCol w="1572962">
+                  <a:extLst>
+                    <a:ext uri="{9D8B030D-6E8A-4147-A177-3AD203B41FA5}">
+                      <a16:colId xmlns:a16="http://schemas.microsoft.com/office/drawing/2014/main" val="463809550"/>
+                    </a:ext>
+                  </a:extLst>
+                </a:gridCol>
+                <a:gridCol w="8267073">
+                  <a:extLst>
+                    <a:ext uri="{9D8B030D-6E8A-4147-A177-3AD203B41FA5}">
+                      <a16:colId xmlns:a16="http://schemas.microsoft.com/office/drawing/2014/main" val="3679320136"/>
+                    </a:ext>
+                  </a:extLst>
+                </a:gridCol>
+              </a:tblGrid>
+              <a:tr h="904478">
+                <a:tc>
+                  <a:txBody>
+                    <a:bodyPr/>
+                    <a:lstStyle/>
+                    <a:p>
+                      <a:pPr marL="0" marR="0" algn="just">
+                        <a:lnSpc>
+                          <a:spcPct val="200000"/>
+                        </a:lnSpc>
+                        <a:spcBef>
+                          <a:spcPts val="0"/>
+                        </a:spcBef>
+                        <a:spcAft>
+                          <a:spcPts val="0"/>
+                        </a:spcAft>
+                        <a:tabLst>
+                          <a:tab pos="457200" algn="l"/>
+                          <a:tab pos="5227955" algn="l"/>
+                        </a:tabLst>
+                      </a:pPr>
+                      <a:r>
+                        <a:rPr lang="en-US" sz="2000">
+                          <a:effectLst/>
+                        </a:rPr>
+                        <a:t>Test </a:t>
+                      </a:r>
+                      <a:endParaRPr lang="en-GB" sz="2000">
+                        <a:effectLst/>
+                        <a:latin typeface="Calibri" panose="020F0502020204030204" pitchFamily="34" charset="0"/>
+                        <a:ea typeface="Calibri" panose="020F0502020204030204" pitchFamily="34" charset="0"/>
+                        <a:cs typeface="Times New Roman" panose="02020603050405020304" pitchFamily="18" charset="0"/>
+                      </a:endParaRPr>
+                    </a:p>
+                  </a:txBody>
+                  <a:tcPr marL="68580" marR="68580" marT="0" marB="0"/>
+                </a:tc>
+                <a:tc>
+                  <a:txBody>
+                    <a:bodyPr/>
+                    <a:lstStyle/>
+                    <a:p>
+                      <a:pPr marL="0" marR="0" algn="just">
+                        <a:lnSpc>
+                          <a:spcPct val="200000"/>
+                        </a:lnSpc>
+                        <a:spcBef>
+                          <a:spcPts val="0"/>
+                        </a:spcBef>
+                        <a:spcAft>
+                          <a:spcPts val="0"/>
+                        </a:spcAft>
+                        <a:tabLst>
+                          <a:tab pos="457200" algn="l"/>
+                          <a:tab pos="5227955" algn="l"/>
+                        </a:tabLst>
+                      </a:pPr>
+                      <a:r>
+                        <a:rPr lang="en-US" sz="2000">
+                          <a:effectLst/>
+                        </a:rPr>
+                        <a:t>Parameters </a:t>
+                      </a:r>
+                      <a:endParaRPr lang="en-GB" sz="2000">
+                        <a:effectLst/>
+                        <a:latin typeface="Calibri" panose="020F0502020204030204" pitchFamily="34" charset="0"/>
+                        <a:ea typeface="Calibri" panose="020F0502020204030204" pitchFamily="34" charset="0"/>
+                        <a:cs typeface="Times New Roman" panose="02020603050405020304" pitchFamily="18" charset="0"/>
+                      </a:endParaRPr>
+                    </a:p>
+                  </a:txBody>
+                  <a:tcPr marL="68580" marR="68580" marT="0" marB="0"/>
+                </a:tc>
+                <a:extLst>
+                  <a:ext uri="{0D108BD9-81ED-4DB2-BD59-A6C34878D82A}">
+                    <a16:rowId xmlns:a16="http://schemas.microsoft.com/office/drawing/2014/main" val="4104892930"/>
+                  </a:ext>
+                </a:extLst>
+              </a:tr>
+              <a:tr h="1601749">
+                <a:tc>
+                  <a:txBody>
+                    <a:bodyPr/>
+                    <a:lstStyle/>
+                    <a:p>
+                      <a:pPr marL="0" marR="0" algn="just">
+                        <a:lnSpc>
+                          <a:spcPct val="200000"/>
+                        </a:lnSpc>
+                        <a:spcBef>
+                          <a:spcPts val="0"/>
+                        </a:spcBef>
+                        <a:spcAft>
+                          <a:spcPts val="0"/>
+                        </a:spcAft>
+                        <a:tabLst>
+                          <a:tab pos="457200" algn="l"/>
+                          <a:tab pos="5227955" algn="l"/>
+                        </a:tabLst>
+                      </a:pPr>
+                      <a:r>
+                        <a:rPr lang="en-US" sz="2000">
+                          <a:effectLst/>
+                        </a:rPr>
+                        <a:t>Fresh extract </a:t>
+                      </a:r>
+                      <a:endParaRPr lang="en-GB" sz="2000">
+                        <a:effectLst/>
+                      </a:endParaRPr>
+                    </a:p>
+                    <a:p>
+                      <a:pPr marL="0" marR="0" algn="just">
+                        <a:lnSpc>
+                          <a:spcPct val="200000"/>
+                        </a:lnSpc>
+                        <a:spcBef>
+                          <a:spcPts val="0"/>
+                        </a:spcBef>
+                        <a:spcAft>
+                          <a:spcPts val="0"/>
+                        </a:spcAft>
+                        <a:tabLst>
+                          <a:tab pos="457200" algn="l"/>
+                          <a:tab pos="5227955" algn="l"/>
+                        </a:tabLst>
+                      </a:pPr>
+                      <a:r>
+                        <a:rPr lang="en-US" sz="2000">
+                          <a:effectLst/>
+                        </a:rPr>
+                        <a:t> </a:t>
+                      </a:r>
+                      <a:endParaRPr lang="en-GB" sz="2000">
+                        <a:effectLst/>
+                        <a:latin typeface="Calibri" panose="020F0502020204030204" pitchFamily="34" charset="0"/>
+                        <a:ea typeface="Calibri" panose="020F0502020204030204" pitchFamily="34" charset="0"/>
+                        <a:cs typeface="Times New Roman" panose="02020603050405020304" pitchFamily="18" charset="0"/>
+                      </a:endParaRPr>
+                    </a:p>
+                  </a:txBody>
+                  <a:tcPr marL="68580" marR="68580" marT="0" marB="0"/>
+                </a:tc>
+                <a:tc>
+                  <a:txBody>
+                    <a:bodyPr/>
+                    <a:lstStyle/>
+                    <a:p>
+                      <a:pPr marL="0" marR="0" algn="just">
+                        <a:lnSpc>
+                          <a:spcPct val="200000"/>
+                        </a:lnSpc>
+                        <a:spcBef>
+                          <a:spcPts val="0"/>
+                        </a:spcBef>
+                        <a:spcAft>
+                          <a:spcPts val="0"/>
+                        </a:spcAft>
+                      </a:pPr>
+                      <a:r>
+                        <a:rPr lang="en-US" sz="2000">
+                          <a:effectLst/>
+                        </a:rPr>
+                        <a:t>Alk          Sap         Phl          tan        earo           qty          ste             fla </a:t>
+                      </a:r>
+                      <a:endParaRPr lang="en-GB" sz="2000">
+                        <a:effectLst/>
+                      </a:endParaRPr>
+                    </a:p>
+                    <a:p>
+                      <a:pPr marL="0" marR="0" algn="just">
+                        <a:lnSpc>
+                          <a:spcPct val="200000"/>
+                        </a:lnSpc>
+                        <a:spcBef>
+                          <a:spcPts val="0"/>
+                        </a:spcBef>
+                        <a:spcAft>
+                          <a:spcPts val="0"/>
+                        </a:spcAft>
+                        <a:tabLst>
+                          <a:tab pos="457200" algn="l"/>
+                          <a:tab pos="5227955" algn="l"/>
+                        </a:tabLst>
+                      </a:pPr>
+                      <a:r>
+                        <a:rPr lang="en-US" sz="2000">
+                          <a:effectLst/>
+                        </a:rPr>
+                        <a:t>-                +            -              +             -               -             +                +</a:t>
+                      </a:r>
+                      <a:endParaRPr lang="en-GB" sz="2000">
+                        <a:effectLst/>
+                        <a:latin typeface="Calibri" panose="020F0502020204030204" pitchFamily="34" charset="0"/>
+                        <a:ea typeface="Calibri" panose="020F0502020204030204" pitchFamily="34" charset="0"/>
+                        <a:cs typeface="Times New Roman" panose="02020603050405020304" pitchFamily="18" charset="0"/>
+                      </a:endParaRPr>
+                    </a:p>
+                  </a:txBody>
+                  <a:tcPr marL="68580" marR="68580" marT="0" marB="0"/>
+                </a:tc>
+                <a:extLst>
+                  <a:ext uri="{0D108BD9-81ED-4DB2-BD59-A6C34878D82A}">
+                    <a16:rowId xmlns:a16="http://schemas.microsoft.com/office/drawing/2014/main" val="2633402611"/>
+                  </a:ext>
+                </a:extLst>
+              </a:tr>
+              <a:tr h="1601749">
+                <a:tc>
+                  <a:txBody>
+                    <a:bodyPr/>
+                    <a:lstStyle/>
+                    <a:p>
+                      <a:pPr marL="0" marR="0" algn="just">
+                        <a:lnSpc>
+                          <a:spcPct val="200000"/>
+                        </a:lnSpc>
+                        <a:spcBef>
+                          <a:spcPts val="0"/>
+                        </a:spcBef>
+                        <a:spcAft>
+                          <a:spcPts val="0"/>
+                        </a:spcAft>
+                        <a:tabLst>
+                          <a:tab pos="457200" algn="l"/>
+                          <a:tab pos="5227955" algn="l"/>
+                        </a:tabLst>
+                      </a:pPr>
+                      <a:r>
+                        <a:rPr lang="en-US" sz="2000">
+                          <a:effectLst/>
+                        </a:rPr>
+                        <a:t> </a:t>
+                      </a:r>
+                      <a:endParaRPr lang="en-GB" sz="2000">
+                        <a:effectLst/>
+                      </a:endParaRPr>
+                    </a:p>
+                    <a:p>
+                      <a:pPr marL="0" marR="0" algn="just">
+                        <a:lnSpc>
+                          <a:spcPct val="200000"/>
+                        </a:lnSpc>
+                        <a:spcBef>
+                          <a:spcPts val="0"/>
+                        </a:spcBef>
+                        <a:spcAft>
+                          <a:spcPts val="0"/>
+                        </a:spcAft>
+                        <a:tabLst>
+                          <a:tab pos="457200" algn="l"/>
+                          <a:tab pos="5227955" algn="l"/>
+                        </a:tabLst>
+                      </a:pPr>
+                      <a:r>
+                        <a:rPr lang="en-US" sz="2000">
+                          <a:effectLst/>
+                        </a:rPr>
+                        <a:t>Dried extract </a:t>
+                      </a:r>
+                      <a:endParaRPr lang="en-GB" sz="2000">
+                        <a:effectLst/>
+                        <a:latin typeface="Calibri" panose="020F0502020204030204" pitchFamily="34" charset="0"/>
+                        <a:ea typeface="Calibri" panose="020F0502020204030204" pitchFamily="34" charset="0"/>
+                        <a:cs typeface="Times New Roman" panose="02020603050405020304" pitchFamily="18" charset="0"/>
+                      </a:endParaRPr>
+                    </a:p>
+                  </a:txBody>
+                  <a:tcPr marL="68580" marR="68580" marT="0" marB="0"/>
+                </a:tc>
+                <a:tc>
+                  <a:txBody>
+                    <a:bodyPr/>
+                    <a:lstStyle/>
+                    <a:p>
+                      <a:pPr marL="0" marR="0" algn="just">
+                        <a:lnSpc>
+                          <a:spcPct val="200000"/>
+                        </a:lnSpc>
+                        <a:spcBef>
+                          <a:spcPts val="0"/>
+                        </a:spcBef>
+                        <a:spcAft>
+                          <a:spcPts val="0"/>
+                        </a:spcAft>
+                        <a:tabLst>
+                          <a:tab pos="457200" algn="l"/>
+                          <a:tab pos="5227955" algn="l"/>
+                        </a:tabLst>
+                      </a:pPr>
+                      <a:r>
+                        <a:rPr lang="en-US" sz="2000" dirty="0">
+                          <a:effectLst/>
+                        </a:rPr>
+                        <a:t> </a:t>
+                      </a:r>
+                      <a:endParaRPr lang="en-GB" sz="2000" dirty="0">
+                        <a:effectLst/>
+                      </a:endParaRPr>
+                    </a:p>
+                    <a:p>
+                      <a:pPr marL="0" marR="0" algn="just">
+                        <a:lnSpc>
+                          <a:spcPct val="200000"/>
+                        </a:lnSpc>
+                        <a:spcBef>
+                          <a:spcPts val="0"/>
+                        </a:spcBef>
+                        <a:spcAft>
+                          <a:spcPts val="0"/>
+                        </a:spcAft>
+                        <a:tabLst>
+                          <a:tab pos="457200" algn="l"/>
+                        </a:tabLst>
+                      </a:pPr>
+                      <a:r>
+                        <a:rPr lang="en-US" sz="2000" dirty="0">
+                          <a:effectLst/>
+                        </a:rPr>
+                        <a:t>-                +            -              -              +             +             +                +</a:t>
+                      </a:r>
+                      <a:endParaRPr lang="en-GB" sz="2000" dirty="0">
+                        <a:effectLst/>
+                        <a:latin typeface="Calibri" panose="020F0502020204030204" pitchFamily="34" charset="0"/>
+                        <a:ea typeface="Calibri" panose="020F0502020204030204" pitchFamily="34" charset="0"/>
+                        <a:cs typeface="Times New Roman" panose="02020603050405020304" pitchFamily="18" charset="0"/>
+                      </a:endParaRPr>
+                    </a:p>
+                  </a:txBody>
+                  <a:tcPr marL="68580" marR="68580" marT="0" marB="0"/>
+                </a:tc>
+                <a:extLst>
+                  <a:ext uri="{0D108BD9-81ED-4DB2-BD59-A6C34878D82A}">
+                    <a16:rowId xmlns:a16="http://schemas.microsoft.com/office/drawing/2014/main" val="3044372380"/>
+                  </a:ext>
+                </a:extLst>
+              </a:tr>
+            </a:tbl>
+          </a:graphicData>
+        </a:graphic>
+      </p:graphicFrame>
+      <p:sp>
+        <p:nvSpPr>
+          <p:cNvPr id="7" name="Rectangle 6">
+            <a:extLst>
+              <a:ext uri="{FF2B5EF4-FFF2-40B4-BE49-F238E27FC236}">
+                <a16:creationId xmlns:a16="http://schemas.microsoft.com/office/drawing/2014/main" id="{492ACA73-F9E1-4F6F-AE29-E6209FB99598}"/>
+              </a:ext>
+            </a:extLst>
+          </p:cNvPr>
+          <p:cNvSpPr/>
+          <p:nvPr/>
         </p:nvSpPr>
         <p:spPr>
           <a:xfrm>
-            <a:off x="336883" y="1951630"/>
-            <a:ext cx="11518232" cy="4599295"/>
+            <a:off x="1087840" y="1105469"/>
+            <a:ext cx="10339314" cy="567271"/>
           </a:xfrm>
+          <a:prstGeom prst="rect">
+            <a:avLst/>
+          </a:prstGeom>
         </p:spPr>
         <p:txBody>
-          <a:bodyPr>
-            <a:noAutofit/>
+          <a:bodyPr wrap="square">
+            <a:spAutoFit/>
           </a:bodyPr>
           <a:lstStyle/>
           <a:p>
-            <a:pPr marL="914400" indent="-914400" algn="just">
-              <a:buNone/>
+            <a:pPr algn="just">
+              <a:lnSpc>
+                <a:spcPct val="200000"/>
+              </a:lnSpc>
+              <a:spcAft>
+                <a:spcPts val="800"/>
+              </a:spcAft>
+              <a:tabLst>
+                <a:tab pos="457200" algn="l"/>
+                <a:tab pos="5227955" algn="l"/>
+              </a:tabLst>
             </a:pPr>
             <a:r>
-              <a:rPr lang="en-US" sz="2000" dirty="0">
-                <a:solidFill>
-                  <a:schemeClr val="tx1"/>
-                </a:solidFill>
+              <a:rPr lang="en-US" b="1" dirty="0">
                 <a:latin typeface="Times New Roman" panose="02020603050405020304" pitchFamily="18" charset="0"/>
+                <a:ea typeface="Calibri" panose="020F0502020204030204" pitchFamily="34" charset="0"/>
                 <a:cs typeface="Times New Roman" panose="02020603050405020304" pitchFamily="18" charset="0"/>
               </a:rPr>
-              <a:t>Pascoe GA, </a:t>
-            </a:r>
-            <a:r>
-              <a:rPr lang="en-US" sz="2000" dirty="0" err="1">
-                <a:solidFill>
-                  <a:schemeClr val="tx1"/>
-                </a:solidFill>
+              <a:t>Table 4.1 Phytochemical/screening of </a:t>
+            </a:r>
+            <a:r>
+              <a:rPr lang="en-US" b="1" i="1" dirty="0">
                 <a:latin typeface="Times New Roman" panose="02020603050405020304" pitchFamily="18" charset="0"/>
+                <a:ea typeface="Calibri" panose="020F0502020204030204" pitchFamily="34" charset="0"/>
                 <a:cs typeface="Times New Roman" panose="02020603050405020304" pitchFamily="18" charset="0"/>
               </a:rPr>
-              <a:t>Fariss</a:t>
-            </a:r>
-            <a:r>
-              <a:rPr lang="en-US" sz="2000" dirty="0">
-                <a:solidFill>
-                  <a:schemeClr val="tx1"/>
-                </a:solidFill>
+              <a:t>sesamum </a:t>
+            </a:r>
+            <a:r>
+              <a:rPr lang="en-US" b="1" i="1" dirty="0" err="1">
                 <a:latin typeface="Times New Roman" panose="02020603050405020304" pitchFamily="18" charset="0"/>
+                <a:ea typeface="Calibri" panose="020F0502020204030204" pitchFamily="34" charset="0"/>
                 <a:cs typeface="Times New Roman" panose="02020603050405020304" pitchFamily="18" charset="0"/>
               </a:rPr>
-              <a:t> MW, </a:t>
-            </a:r>
-            <a:r>
-              <a:rPr lang="en-US" sz="2000" dirty="0" err="1">
-                <a:solidFill>
-                  <a:schemeClr val="tx1"/>
-                </a:solidFill>
+              <a:t>indicum</a:t>
+            </a:r>
+            <a:r>
+              <a:rPr lang="en-US" b="1" dirty="0">
                 <a:latin typeface="Times New Roman" panose="02020603050405020304" pitchFamily="18" charset="0"/>
+                <a:ea typeface="Calibri" panose="020F0502020204030204" pitchFamily="34" charset="0"/>
                 <a:cs typeface="Times New Roman" panose="02020603050405020304" pitchFamily="18" charset="0"/>
               </a:rPr>
-              <a:t>Olafsdottir</a:t>
-            </a:r>
-            <a:r>
-              <a:rPr lang="en-US" sz="2000" dirty="0">
-                <a:solidFill>
-                  <a:schemeClr val="tx1"/>
-                </a:solidFill>
+              <a:t> (</a:t>
+            </a:r>
+            <a:r>
+              <a:rPr lang="en-US" b="1" dirty="0" err="1">
                 <a:latin typeface="Times New Roman" panose="02020603050405020304" pitchFamily="18" charset="0"/>
+                <a:ea typeface="Calibri" panose="020F0502020204030204" pitchFamily="34" charset="0"/>
                 <a:cs typeface="Times New Roman" panose="02020603050405020304" pitchFamily="18" charset="0"/>
               </a:rPr>
-              <a:t> K, Reed DJ (1987): A role of vitamin E in protection against cell injury: Maintenance of intracellular glutathione precursors and biosynthesis. Eur J Biochem;166(1):241-7. </a:t>
-            </a:r>
-          </a:p>
-          <a:p>
-            <a:pPr marL="914400" indent="-914400" algn="just">
-              <a:buNone/>
-            </a:pPr>
-            <a:r>
-              <a:rPr lang="en-US" sz="2000" dirty="0">
-                <a:solidFill>
-                  <a:schemeClr val="tx1"/>
-                </a:solidFill>
+              <a:t>Ethonilic</a:t>
+            </a:r>
+            <a:r>
+              <a:rPr lang="en-US" b="1" dirty="0">
                 <a:latin typeface="Times New Roman" panose="02020603050405020304" pitchFamily="18" charset="0"/>
+                <a:ea typeface="Calibri" panose="020F0502020204030204" pitchFamily="34" charset="0"/>
                 <a:cs typeface="Times New Roman" panose="02020603050405020304" pitchFamily="18" charset="0"/>
               </a:rPr>
-              <a:t>Patel M, </a:t>
-            </a:r>
-            <a:r>
-              <a:rPr lang="en-US" sz="2000" dirty="0" err="1">
-                <a:solidFill>
-                  <a:schemeClr val="tx1"/>
-                </a:solidFill>
-                <a:latin typeface="Times New Roman" panose="02020603050405020304" pitchFamily="18" charset="0"/>
-                <a:cs typeface="Times New Roman" panose="02020603050405020304" pitchFamily="18" charset="0"/>
-              </a:rPr>
-              <a:t>Murugananthan</a:t>
-            </a:r>
-            <a:r>
-              <a:rPr lang="en-US" sz="2000" dirty="0">
-                <a:solidFill>
-                  <a:schemeClr val="tx1"/>
-                </a:solidFill>
-                <a:latin typeface="Times New Roman" panose="02020603050405020304" pitchFamily="18" charset="0"/>
-                <a:cs typeface="Times New Roman" panose="02020603050405020304" pitchFamily="18" charset="0"/>
-              </a:rPr>
-              <a:t> G, Gowda KP (2012): In vivo animal models in preclinical evaluation of </a:t>
-            </a:r>
-            <a:r>
-              <a:rPr lang="en-US" sz="2000" dirty="0" err="1">
-                <a:solidFill>
-                  <a:schemeClr val="tx1"/>
-                </a:solidFill>
-                <a:latin typeface="Times New Roman" panose="02020603050405020304" pitchFamily="18" charset="0"/>
-                <a:cs typeface="Times New Roman" panose="02020603050405020304" pitchFamily="18" charset="0"/>
-              </a:rPr>
-              <a:t>antiinflammatory</a:t>
-            </a:r>
-            <a:r>
-              <a:rPr lang="en-US" sz="2000" dirty="0">
-                <a:solidFill>
-                  <a:schemeClr val="tx1"/>
-                </a:solidFill>
-                <a:latin typeface="Times New Roman" panose="02020603050405020304" pitchFamily="18" charset="0"/>
-                <a:cs typeface="Times New Roman" panose="02020603050405020304" pitchFamily="18" charset="0"/>
-              </a:rPr>
-              <a:t> activity-A review. Int J Pharm Res Allied Sci; 1:1-5. </a:t>
-            </a:r>
-          </a:p>
-          <a:p>
-            <a:pPr marL="914400" indent="-914400" algn="just">
-              <a:buNone/>
-            </a:pPr>
-            <a:r>
-              <a:rPr lang="en-US" sz="2000" dirty="0" err="1">
-                <a:solidFill>
-                  <a:schemeClr val="tx1"/>
-                </a:solidFill>
-                <a:latin typeface="Times New Roman" panose="02020603050405020304" pitchFamily="18" charset="0"/>
-                <a:cs typeface="Times New Roman" panose="02020603050405020304" pitchFamily="18" charset="0"/>
-              </a:rPr>
-              <a:t>Purseglove</a:t>
-            </a:r>
-            <a:r>
-              <a:rPr lang="en-US" sz="2000" dirty="0">
-                <a:solidFill>
-                  <a:schemeClr val="tx1"/>
-                </a:solidFill>
-                <a:latin typeface="Times New Roman" panose="02020603050405020304" pitchFamily="18" charset="0"/>
-                <a:cs typeface="Times New Roman" panose="02020603050405020304" pitchFamily="18" charset="0"/>
-              </a:rPr>
-              <a:t> W (1974). </a:t>
-            </a:r>
-            <a:r>
-              <a:rPr lang="en-US" sz="2000" i="1" dirty="0">
-                <a:solidFill>
-                  <a:schemeClr val="tx1"/>
-                </a:solidFill>
-                <a:latin typeface="Times New Roman" panose="02020603050405020304" pitchFamily="18" charset="0"/>
-                <a:cs typeface="Times New Roman" panose="02020603050405020304" pitchFamily="18" charset="0"/>
-              </a:rPr>
-              <a:t>Tropical Crops; Dicotyledons. </a:t>
-            </a:r>
-            <a:r>
-              <a:rPr lang="en-US" sz="2000" dirty="0">
-                <a:solidFill>
-                  <a:schemeClr val="tx1"/>
-                </a:solidFill>
-                <a:latin typeface="Times New Roman" panose="02020603050405020304" pitchFamily="18" charset="0"/>
-                <a:cs typeface="Times New Roman" panose="02020603050405020304" pitchFamily="18" charset="0"/>
-              </a:rPr>
-              <a:t>Longman Group, London, UK. Pp 430435. </a:t>
-            </a:r>
-          </a:p>
-          <a:p>
-            <a:pPr marL="914400" indent="-914400" algn="just">
-              <a:buNone/>
-            </a:pPr>
-            <a:r>
-              <a:rPr lang="en-US" sz="2000" dirty="0" err="1">
-                <a:solidFill>
-                  <a:schemeClr val="tx1"/>
-                </a:solidFill>
-                <a:latin typeface="Times New Roman" panose="02020603050405020304" pitchFamily="18" charset="0"/>
-                <a:cs typeface="Times New Roman" panose="02020603050405020304" pitchFamily="18" charset="0"/>
-              </a:rPr>
-              <a:t>Quave</a:t>
-            </a:r>
-            <a:r>
-              <a:rPr lang="en-US" sz="2000" dirty="0">
-                <a:solidFill>
-                  <a:schemeClr val="tx1"/>
-                </a:solidFill>
-                <a:latin typeface="Times New Roman" panose="02020603050405020304" pitchFamily="18" charset="0"/>
-                <a:cs typeface="Times New Roman" panose="02020603050405020304" pitchFamily="18" charset="0"/>
-              </a:rPr>
-              <a:t> L (2016). Antibiotics from nature: Traditional medicine as a source of new solutions for combating antimicrobial resistance. http://resistancecontrol.info/rdinnovation/antibiotics-from-naturetraditionalmedicine-as-a-source-of-newsolutions-for-combating-antimicrobialresistance/ retrieved 04-12-2016. </a:t>
-            </a:r>
-          </a:p>
-          <a:p>
-            <a:pPr marL="914400" indent="-914400" algn="just">
-              <a:buNone/>
-            </a:pPr>
-            <a:r>
-              <a:rPr lang="en-US" sz="2000" dirty="0">
-                <a:solidFill>
-                  <a:schemeClr val="tx1"/>
-                </a:solidFill>
-                <a:latin typeface="Times New Roman" panose="02020603050405020304" pitchFamily="18" charset="0"/>
-                <a:cs typeface="Times New Roman" panose="02020603050405020304" pitchFamily="18" charset="0"/>
-              </a:rPr>
-              <a:t>Rajeev JF, </a:t>
-            </a:r>
-            <a:r>
-              <a:rPr lang="en-US" sz="2000" dirty="0" err="1">
-                <a:solidFill>
-                  <a:schemeClr val="tx1"/>
-                </a:solidFill>
-                <a:latin typeface="Times New Roman" panose="02020603050405020304" pitchFamily="18" charset="0"/>
-                <a:cs typeface="Times New Roman" panose="02020603050405020304" pitchFamily="18" charset="0"/>
-              </a:rPr>
-              <a:t>Baenziger</a:t>
-            </a:r>
-            <a:r>
-              <a:rPr lang="en-US" sz="2000" dirty="0">
-                <a:solidFill>
-                  <a:schemeClr val="tx1"/>
-                </a:solidFill>
-                <a:latin typeface="Times New Roman" panose="02020603050405020304" pitchFamily="18" charset="0"/>
-                <a:cs typeface="Times New Roman" panose="02020603050405020304" pitchFamily="18" charset="0"/>
-              </a:rPr>
-              <a:t> PS, Gill KS, Eskridge KM, </a:t>
-            </a:r>
-            <a:r>
-              <a:rPr lang="en-US" sz="2000" dirty="0" err="1">
-                <a:solidFill>
-                  <a:schemeClr val="tx1"/>
-                </a:solidFill>
-                <a:latin typeface="Times New Roman" panose="02020603050405020304" pitchFamily="18" charset="0"/>
-                <a:cs typeface="Times New Roman" panose="02020603050405020304" pitchFamily="18" charset="0"/>
-              </a:rPr>
-              <a:t>Dweikat</a:t>
-            </a:r>
-            <a:r>
-              <a:rPr lang="en-US" sz="2000" dirty="0">
-                <a:solidFill>
-                  <a:schemeClr val="tx1"/>
-                </a:solidFill>
-                <a:latin typeface="Times New Roman" panose="02020603050405020304" pitchFamily="18" charset="0"/>
-                <a:cs typeface="Times New Roman" panose="02020603050405020304" pitchFamily="18" charset="0"/>
-              </a:rPr>
-              <a:t> I. Assessment of genetic diversity and relationship among a collection of US sweet sorghum germplasm by SSR markers. Molecular Breeding. 2011: 21(4):497-509.</a:t>
-            </a:r>
+              <a:t> extract) of fresh and dried leaves.</a:t>
+            </a:r>
+            <a:endParaRPr lang="en-GB" sz="1600" b="1" dirty="0">
+              <a:effectLst/>
+              <a:latin typeface="Calibri" panose="020F0502020204030204" pitchFamily="34" charset="0"/>
+              <a:ea typeface="Calibri" panose="020F0502020204030204" pitchFamily="34" charset="0"/>
+              <a:cs typeface="Times New Roman" panose="02020603050405020304" pitchFamily="18" charset="0"/>
+            </a:endParaRPr>
           </a:p>
         </p:txBody>
       </p:sp>
     </p:spTree>
     <p:extLst>
       <p:ext uri="{BB962C8B-B14F-4D97-AF65-F5344CB8AC3E}">
-        <p14:creationId xmlns:p14="http://schemas.microsoft.com/office/powerpoint/2010/main" val="2637170910"/>
+        <p14:creationId xmlns:p14="http://schemas.microsoft.com/office/powerpoint/2010/main" val="2732465075"/>
       </p:ext>
     </p:extLst>
   </p:cSld>
@@ -5632,10 +7018,10 @@
       </p:grpSpPr>
       <p:sp>
         <p:nvSpPr>
-          <p:cNvPr id="2" name="Title 1">
+          <p:cNvPr id="4" name="Title 1">
             <a:extLst>
               <a:ext uri="{FF2B5EF4-FFF2-40B4-BE49-F238E27FC236}">
-                <a16:creationId xmlns:a16="http://schemas.microsoft.com/office/drawing/2014/main" id="{DFBC01B4-A3ED-4A0D-881B-0DD9716479F5}"/>
+                <a16:creationId xmlns:a16="http://schemas.microsoft.com/office/drawing/2014/main" id="{D28EDC1B-2E0E-4DF2-99F0-BDA9D65E5CBF}"/>
               </a:ext>
             </a:extLst>
           </p:cNvPr>
@@ -5648,34 +7034,2228 @@
         </p:nvSpPr>
         <p:spPr>
           <a:xfrm>
-            <a:off x="838200" y="2344051"/>
-            <a:ext cx="10515600" cy="1325563"/>
+            <a:off x="838200" y="409073"/>
+            <a:ext cx="10515600" cy="791930"/>
           </a:xfrm>
         </p:spPr>
         <p:txBody>
-          <a:bodyPr>
-            <a:normAutofit/>
+          <a:bodyPr/>
+          <a:lstStyle/>
+          <a:p>
+            <a:pPr algn="ctr"/>
+            <a:r>
+              <a:rPr lang="en-US" b="1" dirty="0">
+                <a:latin typeface="Tahoma" panose="020B0604030504040204" pitchFamily="34" charset="0"/>
+                <a:ea typeface="Tahoma" panose="020B0604030504040204" pitchFamily="34" charset="0"/>
+                <a:cs typeface="Tahoma" panose="020B0604030504040204" pitchFamily="34" charset="0"/>
+              </a:rPr>
+              <a:t>RESULT</a:t>
+            </a:r>
+            <a:endParaRPr lang="en-GB" b="1" dirty="0">
+              <a:latin typeface="Tahoma" panose="020B0604030504040204" pitchFamily="34" charset="0"/>
+              <a:ea typeface="Tahoma" panose="020B0604030504040204" pitchFamily="34" charset="0"/>
+              <a:cs typeface="Tahoma" panose="020B0604030504040204" pitchFamily="34" charset="0"/>
+            </a:endParaRPr>
+          </a:p>
+        </p:txBody>
+      </p:sp>
+      <p:graphicFrame>
+        <p:nvGraphicFramePr>
+          <p:cNvPr id="9" name="Table 8">
+            <a:extLst>
+              <a:ext uri="{FF2B5EF4-FFF2-40B4-BE49-F238E27FC236}">
+                <a16:creationId xmlns:a16="http://schemas.microsoft.com/office/drawing/2014/main" id="{9B4AB773-F67F-4672-BE31-DF931A89F449}"/>
+              </a:ext>
+            </a:extLst>
+          </p:cNvPr>
+          <p:cNvGraphicFramePr>
+            <a:graphicFrameLocks noGrp="1"/>
+          </p:cNvGraphicFramePr>
+          <p:nvPr>
+            <p:extLst>
+              <p:ext uri="{D42A27DB-BD31-4B8C-83A1-F6EECF244321}">
+                <p14:modId xmlns:p14="http://schemas.microsoft.com/office/powerpoint/2010/main" val="4174202447"/>
+              </p:ext>
+            </p:extLst>
+          </p:nvPr>
+        </p:nvGraphicFramePr>
+        <p:xfrm>
+          <a:off x="988326" y="1883390"/>
+          <a:ext cx="10261979" cy="4870999"/>
+        </p:xfrm>
+        <a:graphic>
+          <a:graphicData uri="http://schemas.openxmlformats.org/drawingml/2006/table">
+            <a:tbl>
+              <a:tblPr firstRow="1" firstCol="1" bandRow="1">
+                <a:tableStyleId>{5C22544A-7EE6-4342-B048-85BDC9FD1C3A}</a:tableStyleId>
+              </a:tblPr>
+              <a:tblGrid>
+                <a:gridCol w="3835021">
+                  <a:extLst>
+                    <a:ext uri="{9D8B030D-6E8A-4147-A177-3AD203B41FA5}">
+                      <a16:colId xmlns:a16="http://schemas.microsoft.com/office/drawing/2014/main" val="2765068740"/>
+                    </a:ext>
+                  </a:extLst>
+                </a:gridCol>
+                <a:gridCol w="5104262">
+                  <a:extLst>
+                    <a:ext uri="{9D8B030D-6E8A-4147-A177-3AD203B41FA5}">
+                      <a16:colId xmlns:a16="http://schemas.microsoft.com/office/drawing/2014/main" val="3257338341"/>
+                    </a:ext>
+                  </a:extLst>
+                </a:gridCol>
+                <a:gridCol w="1322696">
+                  <a:extLst>
+                    <a:ext uri="{9D8B030D-6E8A-4147-A177-3AD203B41FA5}">
+                      <a16:colId xmlns:a16="http://schemas.microsoft.com/office/drawing/2014/main" val="2058639941"/>
+                    </a:ext>
+                  </a:extLst>
+                </a:gridCol>
+              </a:tblGrid>
+              <a:tr h="495431">
+                <a:tc>
+                  <a:txBody>
+                    <a:bodyPr/>
+                    <a:lstStyle/>
+                    <a:p>
+                      <a:pPr marL="0" marR="0" algn="just">
+                        <a:lnSpc>
+                          <a:spcPct val="200000"/>
+                        </a:lnSpc>
+                        <a:spcBef>
+                          <a:spcPts val="0"/>
+                        </a:spcBef>
+                        <a:spcAft>
+                          <a:spcPts val="0"/>
+                        </a:spcAft>
+                        <a:tabLst>
+                          <a:tab pos="457200" algn="l"/>
+                          <a:tab pos="5227955" algn="l"/>
+                        </a:tabLst>
+                      </a:pPr>
+                      <a:r>
+                        <a:rPr lang="en-US" sz="2000">
+                          <a:effectLst/>
+                        </a:rPr>
+                        <a:t>Isolates </a:t>
+                      </a:r>
+                      <a:endParaRPr lang="en-GB" sz="2000">
+                        <a:effectLst/>
+                        <a:latin typeface="Calibri" panose="020F0502020204030204" pitchFamily="34" charset="0"/>
+                        <a:ea typeface="Calibri" panose="020F0502020204030204" pitchFamily="34" charset="0"/>
+                        <a:cs typeface="Times New Roman" panose="02020603050405020304" pitchFamily="18" charset="0"/>
+                      </a:endParaRPr>
+                    </a:p>
+                  </a:txBody>
+                  <a:tcPr marL="45513" marR="45513" marT="0" marB="0"/>
+                </a:tc>
+                <a:tc>
+                  <a:txBody>
+                    <a:bodyPr/>
+                    <a:lstStyle/>
+                    <a:p>
+                      <a:pPr marL="0" marR="0" algn="just">
+                        <a:lnSpc>
+                          <a:spcPct val="200000"/>
+                        </a:lnSpc>
+                        <a:spcBef>
+                          <a:spcPts val="0"/>
+                        </a:spcBef>
+                        <a:spcAft>
+                          <a:spcPts val="0"/>
+                        </a:spcAft>
+                        <a:tabLst>
+                          <a:tab pos="457200" algn="l"/>
+                          <a:tab pos="5227955" algn="l"/>
+                        </a:tabLst>
+                      </a:pPr>
+                      <a:r>
+                        <a:rPr lang="en-US" sz="2000">
+                          <a:effectLst/>
+                        </a:rPr>
+                        <a:t>Sensitivity to different concentration </a:t>
+                      </a:r>
+                      <a:endParaRPr lang="en-GB" sz="2000">
+                        <a:effectLst/>
+                        <a:latin typeface="Calibri" panose="020F0502020204030204" pitchFamily="34" charset="0"/>
+                        <a:ea typeface="Calibri" panose="020F0502020204030204" pitchFamily="34" charset="0"/>
+                        <a:cs typeface="Times New Roman" panose="02020603050405020304" pitchFamily="18" charset="0"/>
+                      </a:endParaRPr>
+                    </a:p>
+                  </a:txBody>
+                  <a:tcPr marL="45513" marR="45513" marT="0" marB="0"/>
+                </a:tc>
+                <a:tc>
+                  <a:txBody>
+                    <a:bodyPr/>
+                    <a:lstStyle/>
+                    <a:p>
+                      <a:r>
+                        <a:rPr lang="en-GB" sz="2000" dirty="0">
+                          <a:effectLst/>
+                        </a:rPr>
+                        <a:t> </a:t>
+                      </a:r>
+                      <a:endParaRPr lang="en-GB" sz="2000" dirty="0"/>
+                    </a:p>
+                  </a:txBody>
+                  <a:tcPr marL="0" marR="0" marT="0" marB="0" anchor="ctr"/>
+                </a:tc>
+                <a:extLst>
+                  <a:ext uri="{0D108BD9-81ED-4DB2-BD59-A6C34878D82A}">
+                    <a16:rowId xmlns:a16="http://schemas.microsoft.com/office/drawing/2014/main" val="852403822"/>
+                  </a:ext>
+                </a:extLst>
+              </a:tr>
+              <a:tr h="774487">
+                <a:tc rowSpan="2">
+                  <a:txBody>
+                    <a:bodyPr/>
+                    <a:lstStyle/>
+                    <a:p>
+                      <a:pPr marL="0" marR="0" algn="just">
+                        <a:lnSpc>
+                          <a:spcPct val="200000"/>
+                        </a:lnSpc>
+                        <a:spcBef>
+                          <a:spcPts val="0"/>
+                        </a:spcBef>
+                        <a:spcAft>
+                          <a:spcPts val="0"/>
+                        </a:spcAft>
+                        <a:tabLst>
+                          <a:tab pos="457200" algn="l"/>
+                          <a:tab pos="5227955" algn="l"/>
+                        </a:tabLst>
+                      </a:pPr>
+                      <a:r>
+                        <a:rPr lang="en-US" sz="2000" dirty="0">
+                          <a:effectLst/>
+                        </a:rPr>
+                        <a:t> </a:t>
+                      </a:r>
+                      <a:endParaRPr lang="en-GB" sz="2000" dirty="0">
+                        <a:effectLst/>
+                      </a:endParaRPr>
+                    </a:p>
+                    <a:p>
+                      <a:pPr marL="0" marR="0" algn="just">
+                        <a:lnSpc>
+                          <a:spcPct val="200000"/>
+                        </a:lnSpc>
+                        <a:spcBef>
+                          <a:spcPts val="0"/>
+                        </a:spcBef>
+                        <a:spcAft>
+                          <a:spcPts val="0"/>
+                        </a:spcAft>
+                        <a:tabLst>
+                          <a:tab pos="457200" algn="l"/>
+                          <a:tab pos="5227955" algn="l"/>
+                        </a:tabLst>
+                      </a:pPr>
+                      <a:r>
+                        <a:rPr lang="en-US" sz="2000" dirty="0">
+                          <a:effectLst/>
+                        </a:rPr>
+                        <a:t>E. coli </a:t>
+                      </a:r>
+                      <a:endParaRPr lang="en-GB" sz="2000" dirty="0">
+                        <a:effectLst/>
+                      </a:endParaRPr>
+                    </a:p>
+                    <a:p>
+                      <a:pPr marL="0" marR="0" algn="just">
+                        <a:lnSpc>
+                          <a:spcPct val="200000"/>
+                        </a:lnSpc>
+                        <a:spcBef>
+                          <a:spcPts val="0"/>
+                        </a:spcBef>
+                        <a:spcAft>
+                          <a:spcPts val="0"/>
+                        </a:spcAft>
+                        <a:tabLst>
+                          <a:tab pos="457200" algn="l"/>
+                          <a:tab pos="5227955" algn="l"/>
+                        </a:tabLst>
+                      </a:pPr>
+                      <a:r>
+                        <a:rPr lang="en-US" sz="2000" dirty="0">
+                          <a:effectLst/>
+                        </a:rPr>
+                        <a:t> </a:t>
+                      </a:r>
+                      <a:endParaRPr lang="en-GB" sz="2000" dirty="0">
+                        <a:effectLst/>
+                      </a:endParaRPr>
+                    </a:p>
+                    <a:p>
+                      <a:pPr marL="0" marR="0" algn="just">
+                        <a:lnSpc>
+                          <a:spcPct val="200000"/>
+                        </a:lnSpc>
+                        <a:spcBef>
+                          <a:spcPts val="0"/>
+                        </a:spcBef>
+                        <a:spcAft>
+                          <a:spcPts val="0"/>
+                        </a:spcAft>
+                        <a:tabLst>
+                          <a:tab pos="457200" algn="l"/>
+                          <a:tab pos="5227955" algn="l"/>
+                        </a:tabLst>
+                      </a:pPr>
+                      <a:r>
+                        <a:rPr lang="en-US" sz="2000" dirty="0">
+                          <a:effectLst/>
+                        </a:rPr>
+                        <a:t>Staphylococcus aureus </a:t>
+                      </a:r>
+                      <a:endParaRPr lang="en-GB" sz="2000" dirty="0">
+                        <a:effectLst/>
+                      </a:endParaRPr>
+                    </a:p>
+                    <a:p>
+                      <a:pPr marL="0" marR="0" algn="just">
+                        <a:lnSpc>
+                          <a:spcPct val="200000"/>
+                        </a:lnSpc>
+                        <a:spcBef>
+                          <a:spcPts val="0"/>
+                        </a:spcBef>
+                        <a:spcAft>
+                          <a:spcPts val="0"/>
+                        </a:spcAft>
+                        <a:tabLst>
+                          <a:tab pos="457200" algn="l"/>
+                          <a:tab pos="5227955" algn="l"/>
+                        </a:tabLst>
+                      </a:pPr>
+                      <a:r>
+                        <a:rPr lang="en-US" sz="2000" dirty="0">
+                          <a:effectLst/>
+                        </a:rPr>
+                        <a:t> </a:t>
+                      </a:r>
+                      <a:endParaRPr lang="en-GB" sz="2000" dirty="0">
+                        <a:effectLst/>
+                      </a:endParaRPr>
+                    </a:p>
+                    <a:p>
+                      <a:pPr marL="0" marR="0" algn="just">
+                        <a:lnSpc>
+                          <a:spcPct val="200000"/>
+                        </a:lnSpc>
+                        <a:spcBef>
+                          <a:spcPts val="0"/>
+                        </a:spcBef>
+                        <a:spcAft>
+                          <a:spcPts val="0"/>
+                        </a:spcAft>
+                        <a:tabLst>
+                          <a:tab pos="457200" algn="l"/>
+                          <a:tab pos="5227955" algn="l"/>
+                        </a:tabLst>
+                      </a:pPr>
+                      <a:r>
+                        <a:rPr lang="en-US" sz="2000" dirty="0">
+                          <a:effectLst/>
+                        </a:rPr>
+                        <a:t>Pseudomonas aeruginosa</a:t>
+                      </a:r>
+                      <a:endParaRPr lang="en-GB" sz="2000" dirty="0">
+                        <a:effectLst/>
+                        <a:latin typeface="Calibri" panose="020F0502020204030204" pitchFamily="34" charset="0"/>
+                        <a:ea typeface="Calibri" panose="020F0502020204030204" pitchFamily="34" charset="0"/>
+                        <a:cs typeface="Times New Roman" panose="02020603050405020304" pitchFamily="18" charset="0"/>
+                      </a:endParaRPr>
+                    </a:p>
+                  </a:txBody>
+                  <a:tcPr marL="45513" marR="45513" marT="0" marB="0"/>
+                </a:tc>
+                <a:tc>
+                  <a:txBody>
+                    <a:bodyPr/>
+                    <a:lstStyle/>
+                    <a:p>
+                      <a:pPr marL="0" marR="0" algn="just">
+                        <a:lnSpc>
+                          <a:spcPct val="200000"/>
+                        </a:lnSpc>
+                        <a:spcBef>
+                          <a:spcPts val="0"/>
+                        </a:spcBef>
+                        <a:spcAft>
+                          <a:spcPts val="0"/>
+                        </a:spcAft>
+                        <a:tabLst>
+                          <a:tab pos="457200" algn="l"/>
+                          <a:tab pos="5227955" algn="l"/>
+                        </a:tabLst>
+                      </a:pPr>
+                      <a:r>
+                        <a:rPr lang="en-US" sz="2000">
+                          <a:effectLst/>
+                        </a:rPr>
+                        <a:t>200%</a:t>
+                      </a:r>
+                      <a:endParaRPr lang="en-GB" sz="2000">
+                        <a:effectLst/>
+                        <a:latin typeface="Calibri" panose="020F0502020204030204" pitchFamily="34" charset="0"/>
+                        <a:ea typeface="Calibri" panose="020F0502020204030204" pitchFamily="34" charset="0"/>
+                        <a:cs typeface="Times New Roman" panose="02020603050405020304" pitchFamily="18" charset="0"/>
+                      </a:endParaRPr>
+                    </a:p>
+                  </a:txBody>
+                  <a:tcPr marL="45513" marR="45513" marT="0" marB="0"/>
+                </a:tc>
+                <a:tc>
+                  <a:txBody>
+                    <a:bodyPr/>
+                    <a:lstStyle/>
+                    <a:p>
+                      <a:pPr marL="0" marR="0" algn="just">
+                        <a:lnSpc>
+                          <a:spcPct val="200000"/>
+                        </a:lnSpc>
+                        <a:spcBef>
+                          <a:spcPts val="0"/>
+                        </a:spcBef>
+                        <a:spcAft>
+                          <a:spcPts val="0"/>
+                        </a:spcAft>
+                        <a:tabLst>
+                          <a:tab pos="457200" algn="l"/>
+                          <a:tab pos="5227955" algn="l"/>
+                        </a:tabLst>
+                      </a:pPr>
+                      <a:r>
+                        <a:rPr lang="en-US" sz="2000">
+                          <a:effectLst/>
+                        </a:rPr>
+                        <a:t>100%</a:t>
+                      </a:r>
+                      <a:endParaRPr lang="en-GB" sz="2000">
+                        <a:effectLst/>
+                        <a:latin typeface="Calibri" panose="020F0502020204030204" pitchFamily="34" charset="0"/>
+                        <a:ea typeface="Calibri" panose="020F0502020204030204" pitchFamily="34" charset="0"/>
+                        <a:cs typeface="Times New Roman" panose="02020603050405020304" pitchFamily="18" charset="0"/>
+                      </a:endParaRPr>
+                    </a:p>
+                  </a:txBody>
+                  <a:tcPr marL="45513" marR="45513" marT="0" marB="0"/>
+                </a:tc>
+                <a:extLst>
+                  <a:ext uri="{0D108BD9-81ED-4DB2-BD59-A6C34878D82A}">
+                    <a16:rowId xmlns:a16="http://schemas.microsoft.com/office/drawing/2014/main" val="29371857"/>
+                  </a:ext>
+                </a:extLst>
+              </a:tr>
+              <a:tr h="3375845">
+                <a:tc vMerge="1">
+                  <a:txBody>
+                    <a:bodyPr/>
+                    <a:lstStyle/>
+                    <a:p>
+                      <a:endParaRPr lang="en-GB"/>
+                    </a:p>
+                  </a:txBody>
+                  <a:tcPr/>
+                </a:tc>
+                <a:tc>
+                  <a:txBody>
+                    <a:bodyPr/>
+                    <a:lstStyle/>
+                    <a:p>
+                      <a:pPr marL="0" marR="0" algn="just">
+                        <a:lnSpc>
+                          <a:spcPct val="200000"/>
+                        </a:lnSpc>
+                        <a:spcBef>
+                          <a:spcPts val="0"/>
+                        </a:spcBef>
+                        <a:spcAft>
+                          <a:spcPts val="0"/>
+                        </a:spcAft>
+                        <a:tabLst>
+                          <a:tab pos="457200" algn="l"/>
+                          <a:tab pos="5227955" algn="l"/>
+                        </a:tabLst>
+                      </a:pPr>
+                      <a:r>
+                        <a:rPr lang="en-US" sz="2000">
+                          <a:effectLst/>
+                        </a:rPr>
+                        <a:t>10mm</a:t>
+                      </a:r>
+                      <a:endParaRPr lang="en-GB" sz="2000">
+                        <a:effectLst/>
+                      </a:endParaRPr>
+                    </a:p>
+                    <a:p>
+                      <a:pPr marL="0" marR="0" algn="just">
+                        <a:lnSpc>
+                          <a:spcPct val="200000"/>
+                        </a:lnSpc>
+                        <a:spcBef>
+                          <a:spcPts val="0"/>
+                        </a:spcBef>
+                        <a:spcAft>
+                          <a:spcPts val="0"/>
+                        </a:spcAft>
+                        <a:tabLst>
+                          <a:tab pos="457200" algn="l"/>
+                          <a:tab pos="5227955" algn="l"/>
+                        </a:tabLst>
+                      </a:pPr>
+                      <a:r>
+                        <a:rPr lang="en-US" sz="2000">
+                          <a:effectLst/>
+                        </a:rPr>
+                        <a:t> </a:t>
+                      </a:r>
+                      <a:endParaRPr lang="en-GB" sz="2000">
+                        <a:effectLst/>
+                      </a:endParaRPr>
+                    </a:p>
+                    <a:p>
+                      <a:pPr marL="0" marR="0" algn="just">
+                        <a:lnSpc>
+                          <a:spcPct val="200000"/>
+                        </a:lnSpc>
+                        <a:spcBef>
+                          <a:spcPts val="0"/>
+                        </a:spcBef>
+                        <a:spcAft>
+                          <a:spcPts val="0"/>
+                        </a:spcAft>
+                        <a:tabLst>
+                          <a:tab pos="457200" algn="l"/>
+                          <a:tab pos="5227955" algn="l"/>
+                        </a:tabLst>
+                      </a:pPr>
+                      <a:r>
+                        <a:rPr lang="en-US" sz="2000">
+                          <a:effectLst/>
+                        </a:rPr>
+                        <a:t>12mm</a:t>
+                      </a:r>
+                      <a:endParaRPr lang="en-GB" sz="2000">
+                        <a:effectLst/>
+                      </a:endParaRPr>
+                    </a:p>
+                    <a:p>
+                      <a:pPr marL="0" marR="0" algn="just">
+                        <a:lnSpc>
+                          <a:spcPct val="200000"/>
+                        </a:lnSpc>
+                        <a:spcBef>
+                          <a:spcPts val="0"/>
+                        </a:spcBef>
+                        <a:spcAft>
+                          <a:spcPts val="0"/>
+                        </a:spcAft>
+                        <a:tabLst>
+                          <a:tab pos="457200" algn="l"/>
+                          <a:tab pos="5227955" algn="l"/>
+                        </a:tabLst>
+                      </a:pPr>
+                      <a:r>
+                        <a:rPr lang="en-US" sz="2000">
+                          <a:effectLst/>
+                        </a:rPr>
+                        <a:t> </a:t>
+                      </a:r>
+                      <a:endParaRPr lang="en-GB" sz="2000">
+                        <a:effectLst/>
+                      </a:endParaRPr>
+                    </a:p>
+                    <a:p>
+                      <a:pPr marL="0" marR="0" algn="just">
+                        <a:lnSpc>
+                          <a:spcPct val="200000"/>
+                        </a:lnSpc>
+                        <a:spcBef>
+                          <a:spcPts val="0"/>
+                        </a:spcBef>
+                        <a:spcAft>
+                          <a:spcPts val="0"/>
+                        </a:spcAft>
+                        <a:tabLst>
+                          <a:tab pos="457200" algn="l"/>
+                          <a:tab pos="5227955" algn="l"/>
+                        </a:tabLst>
+                      </a:pPr>
+                      <a:r>
+                        <a:rPr lang="en-US" sz="2000">
+                          <a:effectLst/>
+                        </a:rPr>
+                        <a:t> </a:t>
+                      </a:r>
+                      <a:endParaRPr lang="en-GB" sz="2000">
+                        <a:effectLst/>
+                      </a:endParaRPr>
+                    </a:p>
+                    <a:p>
+                      <a:pPr marL="0" marR="0" algn="just">
+                        <a:lnSpc>
+                          <a:spcPct val="200000"/>
+                        </a:lnSpc>
+                        <a:spcBef>
+                          <a:spcPts val="0"/>
+                        </a:spcBef>
+                        <a:spcAft>
+                          <a:spcPts val="0"/>
+                        </a:spcAft>
+                        <a:tabLst>
+                          <a:tab pos="457200" algn="l"/>
+                          <a:tab pos="5227955" algn="l"/>
+                        </a:tabLst>
+                      </a:pPr>
+                      <a:r>
+                        <a:rPr lang="en-US" sz="2000">
+                          <a:effectLst/>
+                        </a:rPr>
+                        <a:t>5mm</a:t>
+                      </a:r>
+                      <a:endParaRPr lang="en-GB" sz="2000">
+                        <a:effectLst/>
+                        <a:latin typeface="Calibri" panose="020F0502020204030204" pitchFamily="34" charset="0"/>
+                        <a:ea typeface="Calibri" panose="020F0502020204030204" pitchFamily="34" charset="0"/>
+                        <a:cs typeface="Times New Roman" panose="02020603050405020304" pitchFamily="18" charset="0"/>
+                      </a:endParaRPr>
+                    </a:p>
+                  </a:txBody>
+                  <a:tcPr marL="45513" marR="45513" marT="0" marB="0"/>
+                </a:tc>
+                <a:tc>
+                  <a:txBody>
+                    <a:bodyPr/>
+                    <a:lstStyle/>
+                    <a:p>
+                      <a:pPr marL="0" marR="0" algn="just">
+                        <a:lnSpc>
+                          <a:spcPct val="200000"/>
+                        </a:lnSpc>
+                        <a:spcBef>
+                          <a:spcPts val="0"/>
+                        </a:spcBef>
+                        <a:spcAft>
+                          <a:spcPts val="0"/>
+                        </a:spcAft>
+                        <a:tabLst>
+                          <a:tab pos="457200" algn="l"/>
+                          <a:tab pos="5227955" algn="l"/>
+                        </a:tabLst>
+                      </a:pPr>
+                      <a:r>
+                        <a:rPr lang="en-US" sz="2000" dirty="0">
+                          <a:effectLst/>
+                        </a:rPr>
+                        <a:t>8mm</a:t>
+                      </a:r>
+                      <a:endParaRPr lang="en-GB" sz="2000" dirty="0">
+                        <a:effectLst/>
+                      </a:endParaRPr>
+                    </a:p>
+                    <a:p>
+                      <a:pPr marL="0" marR="0" algn="just">
+                        <a:lnSpc>
+                          <a:spcPct val="200000"/>
+                        </a:lnSpc>
+                        <a:spcBef>
+                          <a:spcPts val="0"/>
+                        </a:spcBef>
+                        <a:spcAft>
+                          <a:spcPts val="0"/>
+                        </a:spcAft>
+                        <a:tabLst>
+                          <a:tab pos="457200" algn="l"/>
+                          <a:tab pos="5227955" algn="l"/>
+                        </a:tabLst>
+                      </a:pPr>
+                      <a:r>
+                        <a:rPr lang="en-US" sz="2000" dirty="0">
+                          <a:effectLst/>
+                        </a:rPr>
+                        <a:t> </a:t>
+                      </a:r>
+                      <a:endParaRPr lang="en-GB" sz="2000" dirty="0">
+                        <a:effectLst/>
+                      </a:endParaRPr>
+                    </a:p>
+                    <a:p>
+                      <a:pPr marL="0" marR="0" algn="just">
+                        <a:lnSpc>
+                          <a:spcPct val="200000"/>
+                        </a:lnSpc>
+                        <a:spcBef>
+                          <a:spcPts val="0"/>
+                        </a:spcBef>
+                        <a:spcAft>
+                          <a:spcPts val="0"/>
+                        </a:spcAft>
+                        <a:tabLst>
+                          <a:tab pos="457200" algn="l"/>
+                          <a:tab pos="5227955" algn="l"/>
+                        </a:tabLst>
+                      </a:pPr>
+                      <a:r>
+                        <a:rPr lang="en-US" sz="2000" dirty="0">
+                          <a:effectLst/>
+                        </a:rPr>
+                        <a:t>5mm</a:t>
+                      </a:r>
+                      <a:endParaRPr lang="en-GB" sz="2000" dirty="0">
+                        <a:effectLst/>
+                      </a:endParaRPr>
+                    </a:p>
+                    <a:p>
+                      <a:pPr marL="0" marR="0" algn="just">
+                        <a:lnSpc>
+                          <a:spcPct val="200000"/>
+                        </a:lnSpc>
+                        <a:spcBef>
+                          <a:spcPts val="0"/>
+                        </a:spcBef>
+                        <a:spcAft>
+                          <a:spcPts val="0"/>
+                        </a:spcAft>
+                        <a:tabLst>
+                          <a:tab pos="457200" algn="l"/>
+                          <a:tab pos="5227955" algn="l"/>
+                        </a:tabLst>
+                      </a:pPr>
+                      <a:r>
+                        <a:rPr lang="en-US" sz="2000" dirty="0">
+                          <a:effectLst/>
+                        </a:rPr>
+                        <a:t> </a:t>
+                      </a:r>
+                      <a:endParaRPr lang="en-GB" sz="2000" dirty="0">
+                        <a:effectLst/>
+                      </a:endParaRPr>
+                    </a:p>
+                    <a:p>
+                      <a:pPr marL="0" marR="0" algn="just">
+                        <a:lnSpc>
+                          <a:spcPct val="200000"/>
+                        </a:lnSpc>
+                        <a:spcBef>
+                          <a:spcPts val="0"/>
+                        </a:spcBef>
+                        <a:spcAft>
+                          <a:spcPts val="0"/>
+                        </a:spcAft>
+                        <a:tabLst>
+                          <a:tab pos="457200" algn="l"/>
+                          <a:tab pos="5227955" algn="l"/>
+                        </a:tabLst>
+                      </a:pPr>
+                      <a:r>
+                        <a:rPr lang="en-US" sz="2000" dirty="0">
+                          <a:effectLst/>
+                        </a:rPr>
+                        <a:t> </a:t>
+                      </a:r>
+                      <a:endParaRPr lang="en-GB" sz="2000" dirty="0">
+                        <a:effectLst/>
+                      </a:endParaRPr>
+                    </a:p>
+                    <a:p>
+                      <a:pPr marL="0" marR="0" algn="just">
+                        <a:lnSpc>
+                          <a:spcPct val="200000"/>
+                        </a:lnSpc>
+                        <a:spcBef>
+                          <a:spcPts val="0"/>
+                        </a:spcBef>
+                        <a:spcAft>
+                          <a:spcPts val="0"/>
+                        </a:spcAft>
+                        <a:tabLst>
+                          <a:tab pos="457200" algn="l"/>
+                          <a:tab pos="5227955" algn="l"/>
+                        </a:tabLst>
+                      </a:pPr>
+                      <a:r>
+                        <a:rPr lang="en-US" sz="2000" dirty="0">
+                          <a:effectLst/>
+                        </a:rPr>
+                        <a:t>  -</a:t>
+                      </a:r>
+                      <a:endParaRPr lang="en-GB" sz="2000" dirty="0">
+                        <a:effectLst/>
+                        <a:latin typeface="Calibri" panose="020F0502020204030204" pitchFamily="34" charset="0"/>
+                        <a:ea typeface="Calibri" panose="020F0502020204030204" pitchFamily="34" charset="0"/>
+                        <a:cs typeface="Times New Roman" panose="02020603050405020304" pitchFamily="18" charset="0"/>
+                      </a:endParaRPr>
+                    </a:p>
+                  </a:txBody>
+                  <a:tcPr marL="45513" marR="45513" marT="0" marB="0"/>
+                </a:tc>
+                <a:extLst>
+                  <a:ext uri="{0D108BD9-81ED-4DB2-BD59-A6C34878D82A}">
+                    <a16:rowId xmlns:a16="http://schemas.microsoft.com/office/drawing/2014/main" val="269875692"/>
+                  </a:ext>
+                </a:extLst>
+              </a:tr>
+            </a:tbl>
+          </a:graphicData>
+        </a:graphic>
+      </p:graphicFrame>
+      <p:sp>
+        <p:nvSpPr>
+          <p:cNvPr id="10" name="Rectangle 1">
+            <a:extLst>
+              <a:ext uri="{FF2B5EF4-FFF2-40B4-BE49-F238E27FC236}">
+                <a16:creationId xmlns:a16="http://schemas.microsoft.com/office/drawing/2014/main" id="{9B7C9B1F-75AF-476D-8C7C-2D7A430E4A71}"/>
+              </a:ext>
+            </a:extLst>
+          </p:cNvPr>
+          <p:cNvSpPr>
+            <a:spLocks noChangeArrowheads="1"/>
+          </p:cNvSpPr>
+          <p:nvPr/>
+        </p:nvSpPr>
+        <p:spPr bwMode="auto">
+          <a:xfrm>
+            <a:off x="941695" y="1333019"/>
+            <a:ext cx="11095630" cy="707886"/>
+          </a:xfrm>
+          <a:prstGeom prst="rect">
+            <a:avLst/>
+          </a:prstGeom>
+          <a:noFill/>
+          <a:ln>
+            <a:noFill/>
+          </a:ln>
+          <a:effectLst/>
+          <a:extLst>
+            <a:ext uri="{909E8E84-426E-40DD-AFC4-6F175D3DCCD1}">
+              <a14:hiddenFill xmlns:a14="http://schemas.microsoft.com/office/drawing/2010/main">
+                <a:solidFill>
+                  <a:schemeClr val="accent1"/>
+                </a:solidFill>
+              </a14:hiddenFill>
+            </a:ext>
+            <a:ext uri="{91240B29-F687-4F45-9708-019B960494DF}">
+              <a14:hiddenLine xmlns:a14="http://schemas.microsoft.com/office/drawing/2010/main" w="9525">
+                <a:solidFill>
+                  <a:schemeClr val="tx1"/>
+                </a:solidFill>
+                <a:miter lim="800000"/>
+                <a:headEnd/>
+                <a:tailEnd/>
+              </a14:hiddenLine>
+            </a:ext>
+            <a:ext uri="{AF507438-7753-43E0-B8FC-AC1667EBCBE1}">
+              <a14:hiddenEffects xmlns:a14="http://schemas.microsoft.com/office/drawing/2010/main">
+                <a:effectLst>
+                  <a:outerShdw dist="35921" dir="2700000" algn="ctr" rotWithShape="0">
+                    <a:schemeClr val="bg2"/>
+                  </a:outerShdw>
+                </a:effectLst>
+              </a14:hiddenEffects>
+            </a:ext>
+          </a:extLst>
+        </p:spPr>
+        <p:txBody>
+          <a:bodyPr vert="horz" wrap="square" lIns="91440" tIns="45720" rIns="91440" bIns="45720" numCol="1" anchor="ctr" anchorCtr="0" compatLnSpc="1">
+            <a:prstTxWarp prst="textNoShape">
+              <a:avLst/>
+            </a:prstTxWarp>
+            <a:spAutoFit/>
           </a:bodyPr>
-          <a:lstStyle/>
-          <a:p>
-            <a:pPr algn="ctr"/>
-            <a:r>
-              <a:rPr lang="en-US" sz="7200" dirty="0">
+          <a:lstStyle>
+            <a:lvl1pPr eaLnBrk="0" fontAlgn="base" hangingPunct="0">
+              <a:spcBef>
+                <a:spcPct val="0"/>
+              </a:spcBef>
+              <a:spcAft>
+                <a:spcPct val="0"/>
+              </a:spcAft>
+              <a:tabLst>
+                <a:tab pos="457200" algn="l"/>
+                <a:tab pos="5227638" algn="l"/>
+              </a:tabLst>
+              <a:defRPr>
                 <a:solidFill>
                   <a:schemeClr val="tx1"/>
                 </a:solidFill>
+                <a:latin typeface="Arial" panose="020B0604020202020204" pitchFamily="34" charset="0"/>
+              </a:defRPr>
+            </a:lvl1pPr>
+            <a:lvl2pPr eaLnBrk="0" fontAlgn="base" hangingPunct="0">
+              <a:spcBef>
+                <a:spcPct val="0"/>
+              </a:spcBef>
+              <a:spcAft>
+                <a:spcPct val="0"/>
+              </a:spcAft>
+              <a:tabLst>
+                <a:tab pos="457200" algn="l"/>
+                <a:tab pos="5227638" algn="l"/>
+              </a:tabLst>
+              <a:defRPr>
+                <a:solidFill>
+                  <a:schemeClr val="tx1"/>
+                </a:solidFill>
+                <a:latin typeface="Arial" panose="020B0604020202020204" pitchFamily="34" charset="0"/>
+              </a:defRPr>
+            </a:lvl2pPr>
+            <a:lvl3pPr eaLnBrk="0" fontAlgn="base" hangingPunct="0">
+              <a:spcBef>
+                <a:spcPct val="0"/>
+              </a:spcBef>
+              <a:spcAft>
+                <a:spcPct val="0"/>
+              </a:spcAft>
+              <a:tabLst>
+                <a:tab pos="457200" algn="l"/>
+                <a:tab pos="5227638" algn="l"/>
+              </a:tabLst>
+              <a:defRPr>
+                <a:solidFill>
+                  <a:schemeClr val="tx1"/>
+                </a:solidFill>
+                <a:latin typeface="Arial" panose="020B0604020202020204" pitchFamily="34" charset="0"/>
+              </a:defRPr>
+            </a:lvl3pPr>
+            <a:lvl4pPr eaLnBrk="0" fontAlgn="base" hangingPunct="0">
+              <a:spcBef>
+                <a:spcPct val="0"/>
+              </a:spcBef>
+              <a:spcAft>
+                <a:spcPct val="0"/>
+              </a:spcAft>
+              <a:tabLst>
+                <a:tab pos="457200" algn="l"/>
+                <a:tab pos="5227638" algn="l"/>
+              </a:tabLst>
+              <a:defRPr>
+                <a:solidFill>
+                  <a:schemeClr val="tx1"/>
+                </a:solidFill>
+                <a:latin typeface="Arial" panose="020B0604020202020204" pitchFamily="34" charset="0"/>
+              </a:defRPr>
+            </a:lvl4pPr>
+            <a:lvl5pPr eaLnBrk="0" fontAlgn="base" hangingPunct="0">
+              <a:spcBef>
+                <a:spcPct val="0"/>
+              </a:spcBef>
+              <a:spcAft>
+                <a:spcPct val="0"/>
+              </a:spcAft>
+              <a:tabLst>
+                <a:tab pos="457200" algn="l"/>
+                <a:tab pos="5227638" algn="l"/>
+              </a:tabLst>
+              <a:defRPr>
+                <a:solidFill>
+                  <a:schemeClr val="tx1"/>
+                </a:solidFill>
+                <a:latin typeface="Arial" panose="020B0604020202020204" pitchFamily="34" charset="0"/>
+              </a:defRPr>
+            </a:lvl5pPr>
+            <a:lvl6pPr eaLnBrk="0" fontAlgn="base" hangingPunct="0">
+              <a:spcBef>
+                <a:spcPct val="0"/>
+              </a:spcBef>
+              <a:spcAft>
+                <a:spcPct val="0"/>
+              </a:spcAft>
+              <a:tabLst>
+                <a:tab pos="457200" algn="l"/>
+                <a:tab pos="5227638" algn="l"/>
+              </a:tabLst>
+              <a:defRPr>
+                <a:solidFill>
+                  <a:schemeClr val="tx1"/>
+                </a:solidFill>
+                <a:latin typeface="Arial" panose="020B0604020202020204" pitchFamily="34" charset="0"/>
+              </a:defRPr>
+            </a:lvl6pPr>
+            <a:lvl7pPr eaLnBrk="0" fontAlgn="base" hangingPunct="0">
+              <a:spcBef>
+                <a:spcPct val="0"/>
+              </a:spcBef>
+              <a:spcAft>
+                <a:spcPct val="0"/>
+              </a:spcAft>
+              <a:tabLst>
+                <a:tab pos="457200" algn="l"/>
+                <a:tab pos="5227638" algn="l"/>
+              </a:tabLst>
+              <a:defRPr>
+                <a:solidFill>
+                  <a:schemeClr val="tx1"/>
+                </a:solidFill>
+                <a:latin typeface="Arial" panose="020B0604020202020204" pitchFamily="34" charset="0"/>
+              </a:defRPr>
+            </a:lvl7pPr>
+            <a:lvl8pPr eaLnBrk="0" fontAlgn="base" hangingPunct="0">
+              <a:spcBef>
+                <a:spcPct val="0"/>
+              </a:spcBef>
+              <a:spcAft>
+                <a:spcPct val="0"/>
+              </a:spcAft>
+              <a:tabLst>
+                <a:tab pos="457200" algn="l"/>
+                <a:tab pos="5227638" algn="l"/>
+              </a:tabLst>
+              <a:defRPr>
+                <a:solidFill>
+                  <a:schemeClr val="tx1"/>
+                </a:solidFill>
+                <a:latin typeface="Arial" panose="020B0604020202020204" pitchFamily="34" charset="0"/>
+              </a:defRPr>
+            </a:lvl8pPr>
+            <a:lvl9pPr eaLnBrk="0" fontAlgn="base" hangingPunct="0">
+              <a:spcBef>
+                <a:spcPct val="0"/>
+              </a:spcBef>
+              <a:spcAft>
+                <a:spcPct val="0"/>
+              </a:spcAft>
+              <a:tabLst>
+                <a:tab pos="457200" algn="l"/>
+                <a:tab pos="5227638" algn="l"/>
+              </a:tabLst>
+              <a:defRPr>
+                <a:solidFill>
+                  <a:schemeClr val="tx1"/>
+                </a:solidFill>
+                <a:latin typeface="Arial" panose="020B0604020202020204" pitchFamily="34" charset="0"/>
+              </a:defRPr>
+            </a:lvl9pPr>
+          </a:lstStyle>
+          <a:p>
+            <a:pPr marL="0" marR="0" lvl="0" indent="0" algn="l" defTabSz="914400" rtl="0" eaLnBrk="0" fontAlgn="base" latinLnBrk="0" hangingPunct="0">
+              <a:lnSpc>
+                <a:spcPct val="100000"/>
+              </a:lnSpc>
+              <a:spcBef>
+                <a:spcPct val="0"/>
+              </a:spcBef>
+              <a:spcAft>
+                <a:spcPct val="0"/>
+              </a:spcAft>
+              <a:buClrTx/>
+              <a:buSzTx/>
+              <a:buFontTx/>
+              <a:buNone/>
+              <a:tabLst>
+                <a:tab pos="457200" algn="l"/>
+                <a:tab pos="5227638" algn="l"/>
+              </a:tabLst>
+            </a:pPr>
+            <a:r>
+              <a:rPr kumimoji="0" lang="en-US" altLang="en-US" sz="2000" b="1" i="0" u="none" strike="noStrike" cap="none" normalizeH="0" baseline="0" dirty="0">
+                <a:ln>
+                  <a:noFill/>
+                </a:ln>
+                <a:solidFill>
+                  <a:schemeClr val="tx1"/>
+                </a:solidFill>
+                <a:effectLst/>
                 <a:latin typeface="Times New Roman" panose="02020603050405020304" pitchFamily="18" charset="0"/>
+                <a:ea typeface="Calibri" panose="020F0502020204030204" pitchFamily="34" charset="0"/>
                 <a:cs typeface="Times New Roman" panose="02020603050405020304" pitchFamily="18" charset="0"/>
               </a:rPr>
-              <a:t>THANK YOU</a:t>
-            </a:r>
+              <a:t>Table 2: Sensitivity to micro-organism ton aqueous textiles of the fresh </a:t>
+            </a:r>
+            <a:r>
+              <a:rPr kumimoji="0" lang="en-US" altLang="en-US" sz="2000" b="1" i="1" u="none" strike="noStrike" cap="none" normalizeH="0" baseline="0" dirty="0">
+                <a:ln>
+                  <a:noFill/>
+                </a:ln>
+                <a:solidFill>
+                  <a:schemeClr val="tx1"/>
+                </a:solidFill>
+                <a:effectLst/>
+                <a:latin typeface="Times New Roman" panose="02020603050405020304" pitchFamily="18" charset="0"/>
+                <a:ea typeface="Calibri" panose="020F0502020204030204" pitchFamily="34" charset="0"/>
+                <a:cs typeface="Times New Roman" panose="02020603050405020304" pitchFamily="18" charset="0"/>
+              </a:rPr>
+              <a:t>sesamum </a:t>
+            </a:r>
+            <a:r>
+              <a:rPr kumimoji="0" lang="en-US" altLang="en-US" sz="2000" b="1" i="1" u="none" strike="noStrike" cap="none" normalizeH="0" baseline="0" dirty="0" err="1">
+                <a:ln>
+                  <a:noFill/>
+                </a:ln>
+                <a:solidFill>
+                  <a:schemeClr val="tx1"/>
+                </a:solidFill>
+                <a:effectLst/>
+                <a:latin typeface="Times New Roman" panose="02020603050405020304" pitchFamily="18" charset="0"/>
+                <a:ea typeface="Calibri" panose="020F0502020204030204" pitchFamily="34" charset="0"/>
+                <a:cs typeface="Times New Roman" panose="02020603050405020304" pitchFamily="18" charset="0"/>
+              </a:rPr>
+              <a:t>indicum</a:t>
+            </a:r>
+            <a:r>
+              <a:rPr kumimoji="0" lang="en-US" altLang="en-US" sz="2000" b="1" i="0" u="none" strike="noStrike" cap="none" normalizeH="0" baseline="0" dirty="0">
+                <a:ln>
+                  <a:noFill/>
+                </a:ln>
+                <a:solidFill>
+                  <a:schemeClr val="tx1"/>
+                </a:solidFill>
+                <a:effectLst/>
+                <a:latin typeface="Times New Roman" panose="02020603050405020304" pitchFamily="18" charset="0"/>
+                <a:ea typeface="Calibri" panose="020F0502020204030204" pitchFamily="34" charset="0"/>
+                <a:cs typeface="Times New Roman" panose="02020603050405020304" pitchFamily="18" charset="0"/>
+              </a:rPr>
+              <a:t> leaves.</a:t>
+            </a:r>
+            <a:endParaRPr kumimoji="0" lang="en-GB" altLang="en-US" sz="2000" b="1" i="0" u="none" strike="noStrike" cap="none" normalizeH="0" baseline="0" dirty="0">
+              <a:ln>
+                <a:noFill/>
+              </a:ln>
+              <a:solidFill>
+                <a:schemeClr val="tx1"/>
+              </a:solidFill>
+              <a:effectLst/>
+            </a:endParaRPr>
+          </a:p>
+          <a:p>
+            <a:pPr marL="0" marR="0" lvl="0" indent="0" algn="l" defTabSz="914400" rtl="0" eaLnBrk="0" fontAlgn="base" latinLnBrk="0" hangingPunct="0">
+              <a:lnSpc>
+                <a:spcPct val="100000"/>
+              </a:lnSpc>
+              <a:spcBef>
+                <a:spcPct val="0"/>
+              </a:spcBef>
+              <a:spcAft>
+                <a:spcPct val="0"/>
+              </a:spcAft>
+              <a:buClrTx/>
+              <a:buSzTx/>
+              <a:buFontTx/>
+              <a:buNone/>
+              <a:tabLst>
+                <a:tab pos="457200" algn="l"/>
+                <a:tab pos="5227638" algn="l"/>
+              </a:tabLst>
+            </a:pPr>
+            <a:endParaRPr kumimoji="0" lang="en-GB" altLang="en-US" sz="2000" b="1" i="0" u="none" strike="noStrike" cap="none" normalizeH="0" baseline="0" dirty="0">
+              <a:ln>
+                <a:noFill/>
+              </a:ln>
+              <a:solidFill>
+                <a:schemeClr val="tx1"/>
+              </a:solidFill>
+              <a:effectLst/>
+            </a:endParaRPr>
           </a:p>
         </p:txBody>
       </p:sp>
     </p:spTree>
     <p:extLst>
       <p:ext uri="{BB962C8B-B14F-4D97-AF65-F5344CB8AC3E}">
-        <p14:creationId xmlns:p14="http://schemas.microsoft.com/office/powerpoint/2010/main" val="637252669"/>
+        <p14:creationId xmlns:p14="http://schemas.microsoft.com/office/powerpoint/2010/main" val="278591276"/>
+      </p:ext>
+    </p:extLst>
+  </p:cSld>
+  <p:clrMapOvr>
+    <a:masterClrMapping/>
+  </p:clrMapOvr>
+  <p:transition spd="slow">
+    <p:push dir="u"/>
+  </p:transition>
+</p:sld>
+</file>
+
+<file path=ppt/slides/slide9.xml><?xml version="1.0" encoding="utf-8"?>
+<p:sld xmlns:a="http://schemas.openxmlformats.org/drawingml/2006/main" xmlns:r="http://schemas.openxmlformats.org/officeDocument/2006/relationships" xmlns:p="http://schemas.openxmlformats.org/presentationml/2006/main">
+  <p:cSld>
+    <p:spTree>
+      <p:nvGrpSpPr>
+        <p:cNvPr id="1" name=""/>
+        <p:cNvGrpSpPr/>
+        <p:nvPr/>
+      </p:nvGrpSpPr>
+      <p:grpSpPr>
+        <a:xfrm>
+          <a:off x="0" y="0"/>
+          <a:ext cx="0" cy="0"/>
+          <a:chOff x="0" y="0"/>
+          <a:chExt cx="0" cy="0"/>
+        </a:xfrm>
+      </p:grpSpPr>
+      <p:sp>
+        <p:nvSpPr>
+          <p:cNvPr id="4" name="Title 1">
+            <a:extLst>
+              <a:ext uri="{FF2B5EF4-FFF2-40B4-BE49-F238E27FC236}">
+                <a16:creationId xmlns:a16="http://schemas.microsoft.com/office/drawing/2014/main" id="{CFA44CD3-9FDB-4DD2-AA1E-07B649704C16}"/>
+              </a:ext>
+            </a:extLst>
+          </p:cNvPr>
+          <p:cNvSpPr>
+            <a:spLocks noGrp="1"/>
+          </p:cNvSpPr>
+          <p:nvPr>
+            <p:ph type="title"/>
+          </p:nvPr>
+        </p:nvSpPr>
+        <p:spPr>
+          <a:xfrm>
+            <a:off x="838200" y="136118"/>
+            <a:ext cx="10515600" cy="791930"/>
+          </a:xfrm>
+        </p:spPr>
+        <p:txBody>
+          <a:bodyPr/>
+          <a:lstStyle/>
+          <a:p>
+            <a:pPr algn="ctr"/>
+            <a:r>
+              <a:rPr lang="en-US" b="1" dirty="0">
+                <a:latin typeface="Tahoma" panose="020B0604030504040204" pitchFamily="34" charset="0"/>
+                <a:ea typeface="Tahoma" panose="020B0604030504040204" pitchFamily="34" charset="0"/>
+                <a:cs typeface="Tahoma" panose="020B0604030504040204" pitchFamily="34" charset="0"/>
+              </a:rPr>
+              <a:t>RESULT</a:t>
+            </a:r>
+            <a:endParaRPr lang="en-GB" b="1" dirty="0">
+              <a:latin typeface="Tahoma" panose="020B0604030504040204" pitchFamily="34" charset="0"/>
+              <a:ea typeface="Tahoma" panose="020B0604030504040204" pitchFamily="34" charset="0"/>
+              <a:cs typeface="Tahoma" panose="020B0604030504040204" pitchFamily="34" charset="0"/>
+            </a:endParaRPr>
+          </a:p>
+        </p:txBody>
+      </p:sp>
+      <p:graphicFrame>
+        <p:nvGraphicFramePr>
+          <p:cNvPr id="5" name="Table 4">
+            <a:extLst>
+              <a:ext uri="{FF2B5EF4-FFF2-40B4-BE49-F238E27FC236}">
+                <a16:creationId xmlns:a16="http://schemas.microsoft.com/office/drawing/2014/main" id="{D46B4F21-EF32-4AD5-91B6-6DBCFBEED9F9}"/>
+              </a:ext>
+            </a:extLst>
+          </p:cNvPr>
+          <p:cNvGraphicFramePr>
+            <a:graphicFrameLocks noGrp="1"/>
+          </p:cNvGraphicFramePr>
+          <p:nvPr>
+            <p:extLst>
+              <p:ext uri="{D42A27DB-BD31-4B8C-83A1-F6EECF244321}">
+                <p14:modId xmlns:p14="http://schemas.microsoft.com/office/powerpoint/2010/main" val="1423690851"/>
+              </p:ext>
+            </p:extLst>
+          </p:nvPr>
+        </p:nvGraphicFramePr>
+        <p:xfrm>
+          <a:off x="1167618" y="2001621"/>
+          <a:ext cx="9889587" cy="4160029"/>
+        </p:xfrm>
+        <a:graphic>
+          <a:graphicData uri="http://schemas.openxmlformats.org/drawingml/2006/table">
+            <a:tbl>
+              <a:tblPr firstRow="1" firstCol="1" bandRow="1">
+                <a:tableStyleId>{5C22544A-7EE6-4342-B048-85BDC9FD1C3A}</a:tableStyleId>
+              </a:tblPr>
+              <a:tblGrid>
+                <a:gridCol w="3483253">
+                  <a:extLst>
+                    <a:ext uri="{9D8B030D-6E8A-4147-A177-3AD203B41FA5}">
+                      <a16:colId xmlns:a16="http://schemas.microsoft.com/office/drawing/2014/main" val="3184976647"/>
+                    </a:ext>
+                  </a:extLst>
+                </a:gridCol>
+                <a:gridCol w="3483253">
+                  <a:extLst>
+                    <a:ext uri="{9D8B030D-6E8A-4147-A177-3AD203B41FA5}">
+                      <a16:colId xmlns:a16="http://schemas.microsoft.com/office/drawing/2014/main" val="3732857628"/>
+                    </a:ext>
+                  </a:extLst>
+                </a:gridCol>
+                <a:gridCol w="2923081">
+                  <a:extLst>
+                    <a:ext uri="{9D8B030D-6E8A-4147-A177-3AD203B41FA5}">
+                      <a16:colId xmlns:a16="http://schemas.microsoft.com/office/drawing/2014/main" val="1196946048"/>
+                    </a:ext>
+                  </a:extLst>
+                </a:gridCol>
+              </a:tblGrid>
+              <a:tr h="532417">
+                <a:tc>
+                  <a:txBody>
+                    <a:bodyPr/>
+                    <a:lstStyle/>
+                    <a:p>
+                      <a:pPr marL="0" marR="0" algn="just">
+                        <a:lnSpc>
+                          <a:spcPct val="200000"/>
+                        </a:lnSpc>
+                        <a:spcBef>
+                          <a:spcPts val="0"/>
+                        </a:spcBef>
+                        <a:spcAft>
+                          <a:spcPts val="0"/>
+                        </a:spcAft>
+                        <a:tabLst>
+                          <a:tab pos="457200" algn="l"/>
+                          <a:tab pos="5227955" algn="l"/>
+                        </a:tabLst>
+                      </a:pPr>
+                      <a:r>
+                        <a:rPr lang="en-US" sz="2000" dirty="0">
+                          <a:effectLst/>
+                        </a:rPr>
+                        <a:t>Isolates  </a:t>
+                      </a:r>
+                      <a:endParaRPr lang="en-GB" sz="2000" dirty="0">
+                        <a:effectLst/>
+                        <a:latin typeface="Calibri" panose="020F0502020204030204" pitchFamily="34" charset="0"/>
+                        <a:ea typeface="Calibri" panose="020F0502020204030204" pitchFamily="34" charset="0"/>
+                        <a:cs typeface="Times New Roman" panose="02020603050405020304" pitchFamily="18" charset="0"/>
+                      </a:endParaRPr>
+                    </a:p>
+                  </a:txBody>
+                  <a:tcPr marL="68580" marR="68580" marT="0" marB="0"/>
+                </a:tc>
+                <a:tc gridSpan="2">
+                  <a:txBody>
+                    <a:bodyPr/>
+                    <a:lstStyle/>
+                    <a:p>
+                      <a:pPr marL="0" marR="0" algn="just">
+                        <a:lnSpc>
+                          <a:spcPct val="200000"/>
+                        </a:lnSpc>
+                        <a:spcBef>
+                          <a:spcPts val="0"/>
+                        </a:spcBef>
+                        <a:spcAft>
+                          <a:spcPts val="0"/>
+                        </a:spcAft>
+                        <a:tabLst>
+                          <a:tab pos="457200" algn="l"/>
+                          <a:tab pos="5227955" algn="l"/>
+                        </a:tabLst>
+                      </a:pPr>
+                      <a:r>
+                        <a:rPr lang="en-US" sz="2000">
+                          <a:effectLst/>
+                        </a:rPr>
+                        <a:t>Sensitivity to different concentration </a:t>
+                      </a:r>
+                      <a:endParaRPr lang="en-GB" sz="2000">
+                        <a:effectLst/>
+                        <a:latin typeface="Calibri" panose="020F0502020204030204" pitchFamily="34" charset="0"/>
+                        <a:ea typeface="Calibri" panose="020F0502020204030204" pitchFamily="34" charset="0"/>
+                        <a:cs typeface="Times New Roman" panose="02020603050405020304" pitchFamily="18" charset="0"/>
+                      </a:endParaRPr>
+                    </a:p>
+                  </a:txBody>
+                  <a:tcPr marL="68580" marR="68580" marT="0" marB="0"/>
+                </a:tc>
+                <a:tc hMerge="1">
+                  <a:txBody>
+                    <a:bodyPr/>
+                    <a:lstStyle/>
+                    <a:p>
+                      <a:endParaRPr lang="en-GB"/>
+                    </a:p>
+                  </a:txBody>
+                  <a:tcPr/>
+                </a:tc>
+                <a:extLst>
+                  <a:ext uri="{0D108BD9-81ED-4DB2-BD59-A6C34878D82A}">
+                    <a16:rowId xmlns:a16="http://schemas.microsoft.com/office/drawing/2014/main" val="534070847"/>
+                  </a:ext>
+                </a:extLst>
+              </a:tr>
+              <a:tr h="532417">
+                <a:tc rowSpan="2">
+                  <a:txBody>
+                    <a:bodyPr/>
+                    <a:lstStyle/>
+                    <a:p>
+                      <a:pPr marL="0" marR="0" algn="just">
+                        <a:lnSpc>
+                          <a:spcPct val="200000"/>
+                        </a:lnSpc>
+                        <a:spcBef>
+                          <a:spcPts val="0"/>
+                        </a:spcBef>
+                        <a:spcAft>
+                          <a:spcPts val="0"/>
+                        </a:spcAft>
+                        <a:tabLst>
+                          <a:tab pos="457200" algn="l"/>
+                          <a:tab pos="5227955" algn="l"/>
+                        </a:tabLst>
+                      </a:pPr>
+                      <a:r>
+                        <a:rPr lang="en-US" sz="2000">
+                          <a:effectLst/>
+                        </a:rPr>
+                        <a:t> </a:t>
+                      </a:r>
+                      <a:endParaRPr lang="en-GB" sz="2000">
+                        <a:effectLst/>
+                      </a:endParaRPr>
+                    </a:p>
+                    <a:p>
+                      <a:pPr marL="0" marR="0" algn="just">
+                        <a:lnSpc>
+                          <a:spcPct val="200000"/>
+                        </a:lnSpc>
+                        <a:spcBef>
+                          <a:spcPts val="0"/>
+                        </a:spcBef>
+                        <a:spcAft>
+                          <a:spcPts val="0"/>
+                        </a:spcAft>
+                        <a:tabLst>
+                          <a:tab pos="457200" algn="l"/>
+                          <a:tab pos="5227955" algn="l"/>
+                        </a:tabLst>
+                      </a:pPr>
+                      <a:r>
+                        <a:rPr lang="en-US" sz="2000">
+                          <a:effectLst/>
+                        </a:rPr>
+                        <a:t>E. coli</a:t>
+                      </a:r>
+                      <a:endParaRPr lang="en-GB" sz="2000">
+                        <a:effectLst/>
+                      </a:endParaRPr>
+                    </a:p>
+                    <a:p>
+                      <a:pPr marL="0" marR="0" algn="just">
+                        <a:lnSpc>
+                          <a:spcPct val="200000"/>
+                        </a:lnSpc>
+                        <a:spcBef>
+                          <a:spcPts val="0"/>
+                        </a:spcBef>
+                        <a:spcAft>
+                          <a:spcPts val="0"/>
+                        </a:spcAft>
+                        <a:tabLst>
+                          <a:tab pos="457200" algn="l"/>
+                          <a:tab pos="5227955" algn="l"/>
+                        </a:tabLst>
+                      </a:pPr>
+                      <a:r>
+                        <a:rPr lang="en-US" sz="2000">
+                          <a:effectLst/>
+                        </a:rPr>
+                        <a:t> </a:t>
+                      </a:r>
+                      <a:endParaRPr lang="en-GB" sz="2000">
+                        <a:effectLst/>
+                      </a:endParaRPr>
+                    </a:p>
+                    <a:p>
+                      <a:pPr marL="0" marR="0" algn="just">
+                        <a:lnSpc>
+                          <a:spcPct val="200000"/>
+                        </a:lnSpc>
+                        <a:spcBef>
+                          <a:spcPts val="0"/>
+                        </a:spcBef>
+                        <a:spcAft>
+                          <a:spcPts val="0"/>
+                        </a:spcAft>
+                        <a:tabLst>
+                          <a:tab pos="457200" algn="l"/>
+                          <a:tab pos="5227955" algn="l"/>
+                        </a:tabLst>
+                      </a:pPr>
+                      <a:r>
+                        <a:rPr lang="en-US" sz="2000">
+                          <a:effectLst/>
+                        </a:rPr>
+                        <a:t>Staphylococcus </a:t>
+                      </a:r>
+                      <a:endParaRPr lang="en-GB" sz="2000">
+                        <a:effectLst/>
+                      </a:endParaRPr>
+                    </a:p>
+                    <a:p>
+                      <a:pPr marL="0" marR="0" algn="just">
+                        <a:lnSpc>
+                          <a:spcPct val="200000"/>
+                        </a:lnSpc>
+                        <a:spcBef>
+                          <a:spcPts val="0"/>
+                        </a:spcBef>
+                        <a:spcAft>
+                          <a:spcPts val="0"/>
+                        </a:spcAft>
+                        <a:tabLst>
+                          <a:tab pos="457200" algn="l"/>
+                          <a:tab pos="5227955" algn="l"/>
+                        </a:tabLst>
+                      </a:pPr>
+                      <a:r>
+                        <a:rPr lang="en-US" sz="2000">
+                          <a:effectLst/>
+                        </a:rPr>
+                        <a:t> </a:t>
+                      </a:r>
+                      <a:endParaRPr lang="en-GB" sz="2000">
+                        <a:effectLst/>
+                      </a:endParaRPr>
+                    </a:p>
+                    <a:p>
+                      <a:pPr marL="0" marR="0" algn="just">
+                        <a:lnSpc>
+                          <a:spcPct val="200000"/>
+                        </a:lnSpc>
+                        <a:spcBef>
+                          <a:spcPts val="0"/>
+                        </a:spcBef>
+                        <a:spcAft>
+                          <a:spcPts val="0"/>
+                        </a:spcAft>
+                        <a:tabLst>
+                          <a:tab pos="457200" algn="l"/>
+                          <a:tab pos="5227955" algn="l"/>
+                        </a:tabLst>
+                      </a:pPr>
+                      <a:r>
+                        <a:rPr lang="en-US" sz="2000">
+                          <a:effectLst/>
+                        </a:rPr>
+                        <a:t>Pseudomonas aeruginosa</a:t>
+                      </a:r>
+                      <a:endParaRPr lang="en-GB" sz="2000">
+                        <a:effectLst/>
+                        <a:latin typeface="Calibri" panose="020F0502020204030204" pitchFamily="34" charset="0"/>
+                        <a:ea typeface="Calibri" panose="020F0502020204030204" pitchFamily="34" charset="0"/>
+                        <a:cs typeface="Times New Roman" panose="02020603050405020304" pitchFamily="18" charset="0"/>
+                      </a:endParaRPr>
+                    </a:p>
+                  </a:txBody>
+                  <a:tcPr marL="68580" marR="68580" marT="0" marB="0"/>
+                </a:tc>
+                <a:tc>
+                  <a:txBody>
+                    <a:bodyPr/>
+                    <a:lstStyle/>
+                    <a:p>
+                      <a:pPr marL="0" marR="0" algn="just">
+                        <a:lnSpc>
+                          <a:spcPct val="200000"/>
+                        </a:lnSpc>
+                        <a:spcBef>
+                          <a:spcPts val="0"/>
+                        </a:spcBef>
+                        <a:spcAft>
+                          <a:spcPts val="0"/>
+                        </a:spcAft>
+                        <a:tabLst>
+                          <a:tab pos="457200" algn="l"/>
+                          <a:tab pos="5227955" algn="l"/>
+                        </a:tabLst>
+                      </a:pPr>
+                      <a:r>
+                        <a:rPr lang="en-US" sz="2000">
+                          <a:effectLst/>
+                        </a:rPr>
+                        <a:t>200%</a:t>
+                      </a:r>
+                      <a:endParaRPr lang="en-GB" sz="2000">
+                        <a:effectLst/>
+                        <a:latin typeface="Calibri" panose="020F0502020204030204" pitchFamily="34" charset="0"/>
+                        <a:ea typeface="Calibri" panose="020F0502020204030204" pitchFamily="34" charset="0"/>
+                        <a:cs typeface="Times New Roman" panose="02020603050405020304" pitchFamily="18" charset="0"/>
+                      </a:endParaRPr>
+                    </a:p>
+                  </a:txBody>
+                  <a:tcPr marL="68580" marR="68580" marT="0" marB="0"/>
+                </a:tc>
+                <a:tc>
+                  <a:txBody>
+                    <a:bodyPr/>
+                    <a:lstStyle/>
+                    <a:p>
+                      <a:pPr marL="0" marR="0" algn="just">
+                        <a:lnSpc>
+                          <a:spcPct val="200000"/>
+                        </a:lnSpc>
+                        <a:spcBef>
+                          <a:spcPts val="0"/>
+                        </a:spcBef>
+                        <a:spcAft>
+                          <a:spcPts val="0"/>
+                        </a:spcAft>
+                        <a:tabLst>
+                          <a:tab pos="457200" algn="l"/>
+                          <a:tab pos="5227955" algn="l"/>
+                        </a:tabLst>
+                      </a:pPr>
+                      <a:r>
+                        <a:rPr lang="en-US" sz="2000">
+                          <a:effectLst/>
+                        </a:rPr>
+                        <a:t>100%</a:t>
+                      </a:r>
+                      <a:endParaRPr lang="en-GB" sz="2000">
+                        <a:effectLst/>
+                        <a:latin typeface="Calibri" panose="020F0502020204030204" pitchFamily="34" charset="0"/>
+                        <a:ea typeface="Calibri" panose="020F0502020204030204" pitchFamily="34" charset="0"/>
+                        <a:cs typeface="Times New Roman" panose="02020603050405020304" pitchFamily="18" charset="0"/>
+                      </a:endParaRPr>
+                    </a:p>
+                  </a:txBody>
+                  <a:tcPr marL="68580" marR="68580" marT="0" marB="0"/>
+                </a:tc>
+                <a:extLst>
+                  <a:ext uri="{0D108BD9-81ED-4DB2-BD59-A6C34878D82A}">
+                    <a16:rowId xmlns:a16="http://schemas.microsoft.com/office/drawing/2014/main" val="2066773898"/>
+                  </a:ext>
+                </a:extLst>
+              </a:tr>
+              <a:tr h="3095195">
+                <a:tc vMerge="1">
+                  <a:txBody>
+                    <a:bodyPr/>
+                    <a:lstStyle/>
+                    <a:p>
+                      <a:endParaRPr lang="en-GB"/>
+                    </a:p>
+                  </a:txBody>
+                  <a:tcPr/>
+                </a:tc>
+                <a:tc>
+                  <a:txBody>
+                    <a:bodyPr/>
+                    <a:lstStyle/>
+                    <a:p>
+                      <a:pPr marL="0" marR="0" algn="just">
+                        <a:lnSpc>
+                          <a:spcPct val="200000"/>
+                        </a:lnSpc>
+                        <a:spcBef>
+                          <a:spcPts val="0"/>
+                        </a:spcBef>
+                        <a:spcAft>
+                          <a:spcPts val="0"/>
+                        </a:spcAft>
+                        <a:tabLst>
+                          <a:tab pos="457200" algn="l"/>
+                          <a:tab pos="5227955" algn="l"/>
+                        </a:tabLst>
+                      </a:pPr>
+                      <a:r>
+                        <a:rPr lang="en-US" sz="2000">
+                          <a:effectLst/>
+                        </a:rPr>
+                        <a:t>15mm</a:t>
+                      </a:r>
+                      <a:endParaRPr lang="en-GB" sz="2000">
+                        <a:effectLst/>
+                      </a:endParaRPr>
+                    </a:p>
+                    <a:p>
+                      <a:pPr marL="0" marR="0" algn="just">
+                        <a:lnSpc>
+                          <a:spcPct val="200000"/>
+                        </a:lnSpc>
+                        <a:spcBef>
+                          <a:spcPts val="0"/>
+                        </a:spcBef>
+                        <a:spcAft>
+                          <a:spcPts val="0"/>
+                        </a:spcAft>
+                        <a:tabLst>
+                          <a:tab pos="457200" algn="l"/>
+                          <a:tab pos="5227955" algn="l"/>
+                        </a:tabLst>
+                      </a:pPr>
+                      <a:r>
+                        <a:rPr lang="en-US" sz="2000">
+                          <a:effectLst/>
+                        </a:rPr>
+                        <a:t> </a:t>
+                      </a:r>
+                      <a:endParaRPr lang="en-GB" sz="2000">
+                        <a:effectLst/>
+                      </a:endParaRPr>
+                    </a:p>
+                    <a:p>
+                      <a:pPr marL="0" marR="0" algn="just">
+                        <a:lnSpc>
+                          <a:spcPct val="200000"/>
+                        </a:lnSpc>
+                        <a:spcBef>
+                          <a:spcPts val="0"/>
+                        </a:spcBef>
+                        <a:spcAft>
+                          <a:spcPts val="0"/>
+                        </a:spcAft>
+                        <a:tabLst>
+                          <a:tab pos="457200" algn="l"/>
+                          <a:tab pos="5227955" algn="l"/>
+                        </a:tabLst>
+                      </a:pPr>
+                      <a:r>
+                        <a:rPr lang="en-US" sz="2000">
+                          <a:effectLst/>
+                        </a:rPr>
+                        <a:t>11.0mm</a:t>
+                      </a:r>
+                      <a:endParaRPr lang="en-GB" sz="2000">
+                        <a:effectLst/>
+                      </a:endParaRPr>
+                    </a:p>
+                    <a:p>
+                      <a:pPr marL="0" marR="0" algn="just">
+                        <a:lnSpc>
+                          <a:spcPct val="200000"/>
+                        </a:lnSpc>
+                        <a:spcBef>
+                          <a:spcPts val="0"/>
+                        </a:spcBef>
+                        <a:spcAft>
+                          <a:spcPts val="0"/>
+                        </a:spcAft>
+                        <a:tabLst>
+                          <a:tab pos="457200" algn="l"/>
+                          <a:tab pos="5227955" algn="l"/>
+                        </a:tabLst>
+                      </a:pPr>
+                      <a:r>
+                        <a:rPr lang="en-US" sz="2000">
+                          <a:effectLst/>
+                        </a:rPr>
+                        <a:t> </a:t>
+                      </a:r>
+                      <a:endParaRPr lang="en-GB" sz="2000">
+                        <a:effectLst/>
+                      </a:endParaRPr>
+                    </a:p>
+                    <a:p>
+                      <a:pPr marL="0" marR="0" algn="just">
+                        <a:lnSpc>
+                          <a:spcPct val="200000"/>
+                        </a:lnSpc>
+                        <a:spcBef>
+                          <a:spcPts val="0"/>
+                        </a:spcBef>
+                        <a:spcAft>
+                          <a:spcPts val="0"/>
+                        </a:spcAft>
+                        <a:tabLst>
+                          <a:tab pos="457200" algn="l"/>
+                          <a:tab pos="5227955" algn="l"/>
+                        </a:tabLst>
+                      </a:pPr>
+                      <a:r>
+                        <a:rPr lang="en-US" sz="2000">
+                          <a:effectLst/>
+                        </a:rPr>
+                        <a:t>-</a:t>
+                      </a:r>
+                      <a:endParaRPr lang="en-GB" sz="2000">
+                        <a:effectLst/>
+                        <a:latin typeface="Calibri" panose="020F0502020204030204" pitchFamily="34" charset="0"/>
+                        <a:ea typeface="Calibri" panose="020F0502020204030204" pitchFamily="34" charset="0"/>
+                        <a:cs typeface="Times New Roman" panose="02020603050405020304" pitchFamily="18" charset="0"/>
+                      </a:endParaRPr>
+                    </a:p>
+                  </a:txBody>
+                  <a:tcPr marL="68580" marR="68580" marT="0" marB="0"/>
+                </a:tc>
+                <a:tc>
+                  <a:txBody>
+                    <a:bodyPr/>
+                    <a:lstStyle/>
+                    <a:p>
+                      <a:pPr marL="0" marR="0" algn="just">
+                        <a:lnSpc>
+                          <a:spcPct val="200000"/>
+                        </a:lnSpc>
+                        <a:spcBef>
+                          <a:spcPts val="0"/>
+                        </a:spcBef>
+                        <a:spcAft>
+                          <a:spcPts val="0"/>
+                        </a:spcAft>
+                        <a:tabLst>
+                          <a:tab pos="457200" algn="l"/>
+                          <a:tab pos="5227955" algn="l"/>
+                        </a:tabLst>
+                      </a:pPr>
+                      <a:r>
+                        <a:rPr lang="en-US" sz="2000" dirty="0">
+                          <a:effectLst/>
+                        </a:rPr>
+                        <a:t>10mm</a:t>
+                      </a:r>
+                      <a:endParaRPr lang="en-GB" sz="2000" dirty="0">
+                        <a:effectLst/>
+                      </a:endParaRPr>
+                    </a:p>
+                    <a:p>
+                      <a:pPr marL="0" marR="0" algn="just">
+                        <a:lnSpc>
+                          <a:spcPct val="200000"/>
+                        </a:lnSpc>
+                        <a:spcBef>
+                          <a:spcPts val="0"/>
+                        </a:spcBef>
+                        <a:spcAft>
+                          <a:spcPts val="0"/>
+                        </a:spcAft>
+                        <a:tabLst>
+                          <a:tab pos="457200" algn="l"/>
+                          <a:tab pos="5227955" algn="l"/>
+                        </a:tabLst>
+                      </a:pPr>
+                      <a:r>
+                        <a:rPr lang="en-US" sz="2000" dirty="0">
+                          <a:effectLst/>
+                        </a:rPr>
+                        <a:t> </a:t>
+                      </a:r>
+                      <a:endParaRPr lang="en-GB" sz="2000" dirty="0">
+                        <a:effectLst/>
+                      </a:endParaRPr>
+                    </a:p>
+                    <a:p>
+                      <a:pPr marL="0" marR="0" algn="just">
+                        <a:lnSpc>
+                          <a:spcPct val="200000"/>
+                        </a:lnSpc>
+                        <a:spcBef>
+                          <a:spcPts val="0"/>
+                        </a:spcBef>
+                        <a:spcAft>
+                          <a:spcPts val="0"/>
+                        </a:spcAft>
+                        <a:tabLst>
+                          <a:tab pos="457200" algn="l"/>
+                          <a:tab pos="5227955" algn="l"/>
+                        </a:tabLst>
+                      </a:pPr>
+                      <a:r>
+                        <a:rPr lang="en-US" sz="2000" dirty="0">
+                          <a:effectLst/>
+                        </a:rPr>
+                        <a:t>5mm</a:t>
+                      </a:r>
+                      <a:endParaRPr lang="en-GB" sz="2000" dirty="0">
+                        <a:effectLst/>
+                      </a:endParaRPr>
+                    </a:p>
+                    <a:p>
+                      <a:pPr marL="0" marR="0" algn="just">
+                        <a:lnSpc>
+                          <a:spcPct val="200000"/>
+                        </a:lnSpc>
+                        <a:spcBef>
+                          <a:spcPts val="0"/>
+                        </a:spcBef>
+                        <a:spcAft>
+                          <a:spcPts val="0"/>
+                        </a:spcAft>
+                        <a:tabLst>
+                          <a:tab pos="457200" algn="l"/>
+                          <a:tab pos="5227955" algn="l"/>
+                        </a:tabLst>
+                      </a:pPr>
+                      <a:r>
+                        <a:rPr lang="en-US" sz="2000" dirty="0">
+                          <a:effectLst/>
+                        </a:rPr>
+                        <a:t> </a:t>
+                      </a:r>
+                      <a:endParaRPr lang="en-GB" sz="2000" dirty="0">
+                        <a:effectLst/>
+                      </a:endParaRPr>
+                    </a:p>
+                    <a:p>
+                      <a:pPr marL="0" marR="0" algn="just">
+                        <a:lnSpc>
+                          <a:spcPct val="200000"/>
+                        </a:lnSpc>
+                        <a:spcBef>
+                          <a:spcPts val="0"/>
+                        </a:spcBef>
+                        <a:spcAft>
+                          <a:spcPts val="0"/>
+                        </a:spcAft>
+                        <a:tabLst>
+                          <a:tab pos="457200" algn="l"/>
+                          <a:tab pos="5227955" algn="l"/>
+                        </a:tabLst>
+                      </a:pPr>
+                      <a:r>
+                        <a:rPr lang="en-US" sz="2000" dirty="0">
+                          <a:effectLst/>
+                        </a:rPr>
+                        <a:t>  -</a:t>
+                      </a:r>
+                      <a:endParaRPr lang="en-GB" sz="2000" dirty="0">
+                        <a:effectLst/>
+                        <a:latin typeface="Calibri" panose="020F0502020204030204" pitchFamily="34" charset="0"/>
+                        <a:ea typeface="Calibri" panose="020F0502020204030204" pitchFamily="34" charset="0"/>
+                        <a:cs typeface="Times New Roman" panose="02020603050405020304" pitchFamily="18" charset="0"/>
+                      </a:endParaRPr>
+                    </a:p>
+                  </a:txBody>
+                  <a:tcPr marL="68580" marR="68580" marT="0" marB="0"/>
+                </a:tc>
+                <a:extLst>
+                  <a:ext uri="{0D108BD9-81ED-4DB2-BD59-A6C34878D82A}">
+                    <a16:rowId xmlns:a16="http://schemas.microsoft.com/office/drawing/2014/main" val="3157123086"/>
+                  </a:ext>
+                </a:extLst>
+              </a:tr>
+            </a:tbl>
+          </a:graphicData>
+        </a:graphic>
+      </p:graphicFrame>
+      <p:sp>
+        <p:nvSpPr>
+          <p:cNvPr id="6" name="Rectangle 1">
+            <a:extLst>
+              <a:ext uri="{FF2B5EF4-FFF2-40B4-BE49-F238E27FC236}">
+                <a16:creationId xmlns:a16="http://schemas.microsoft.com/office/drawing/2014/main" id="{F96C0FF4-9D5B-48E6-90AE-1B5E6D56039E}"/>
+              </a:ext>
+            </a:extLst>
+          </p:cNvPr>
+          <p:cNvSpPr>
+            <a:spLocks noChangeArrowheads="1"/>
+          </p:cNvSpPr>
+          <p:nvPr/>
+        </p:nvSpPr>
+        <p:spPr bwMode="auto">
+          <a:xfrm>
+            <a:off x="975288" y="1293735"/>
+            <a:ext cx="11544958" cy="707886"/>
+          </a:xfrm>
+          <a:prstGeom prst="rect">
+            <a:avLst/>
+          </a:prstGeom>
+          <a:noFill/>
+          <a:ln>
+            <a:noFill/>
+          </a:ln>
+          <a:effectLst/>
+          <a:extLst>
+            <a:ext uri="{909E8E84-426E-40DD-AFC4-6F175D3DCCD1}">
+              <a14:hiddenFill xmlns:a14="http://schemas.microsoft.com/office/drawing/2010/main">
+                <a:solidFill>
+                  <a:schemeClr val="accent1"/>
+                </a:solidFill>
+              </a14:hiddenFill>
+            </a:ext>
+            <a:ext uri="{91240B29-F687-4F45-9708-019B960494DF}">
+              <a14:hiddenLine xmlns:a14="http://schemas.microsoft.com/office/drawing/2010/main" w="9525">
+                <a:solidFill>
+                  <a:schemeClr val="tx1"/>
+                </a:solidFill>
+                <a:miter lim="800000"/>
+                <a:headEnd/>
+                <a:tailEnd/>
+              </a14:hiddenLine>
+            </a:ext>
+            <a:ext uri="{AF507438-7753-43E0-B8FC-AC1667EBCBE1}">
+              <a14:hiddenEffects xmlns:a14="http://schemas.microsoft.com/office/drawing/2010/main">
+                <a:effectLst>
+                  <a:outerShdw dist="35921" dir="2700000" algn="ctr" rotWithShape="0">
+                    <a:schemeClr val="bg2"/>
+                  </a:outerShdw>
+                </a:effectLst>
+              </a14:hiddenEffects>
+            </a:ext>
+          </a:extLst>
+        </p:spPr>
+        <p:txBody>
+          <a:bodyPr vert="horz" wrap="square" lIns="91440" tIns="45720" rIns="91440" bIns="45720" numCol="1" anchor="ctr" anchorCtr="0" compatLnSpc="1">
+            <a:prstTxWarp prst="textNoShape">
+              <a:avLst/>
+            </a:prstTxWarp>
+            <a:spAutoFit/>
+          </a:bodyPr>
+          <a:lstStyle>
+            <a:lvl1pPr eaLnBrk="0" fontAlgn="base" hangingPunct="0">
+              <a:spcBef>
+                <a:spcPct val="0"/>
+              </a:spcBef>
+              <a:spcAft>
+                <a:spcPct val="0"/>
+              </a:spcAft>
+              <a:tabLst>
+                <a:tab pos="457200" algn="l"/>
+                <a:tab pos="5227638" algn="l"/>
+              </a:tabLst>
+              <a:defRPr>
+                <a:solidFill>
+                  <a:schemeClr val="tx1"/>
+                </a:solidFill>
+                <a:latin typeface="Arial" panose="020B0604020202020204" pitchFamily="34" charset="0"/>
+              </a:defRPr>
+            </a:lvl1pPr>
+            <a:lvl2pPr eaLnBrk="0" fontAlgn="base" hangingPunct="0">
+              <a:spcBef>
+                <a:spcPct val="0"/>
+              </a:spcBef>
+              <a:spcAft>
+                <a:spcPct val="0"/>
+              </a:spcAft>
+              <a:tabLst>
+                <a:tab pos="457200" algn="l"/>
+                <a:tab pos="5227638" algn="l"/>
+              </a:tabLst>
+              <a:defRPr>
+                <a:solidFill>
+                  <a:schemeClr val="tx1"/>
+                </a:solidFill>
+                <a:latin typeface="Arial" panose="020B0604020202020204" pitchFamily="34" charset="0"/>
+              </a:defRPr>
+            </a:lvl2pPr>
+            <a:lvl3pPr eaLnBrk="0" fontAlgn="base" hangingPunct="0">
+              <a:spcBef>
+                <a:spcPct val="0"/>
+              </a:spcBef>
+              <a:spcAft>
+                <a:spcPct val="0"/>
+              </a:spcAft>
+              <a:tabLst>
+                <a:tab pos="457200" algn="l"/>
+                <a:tab pos="5227638" algn="l"/>
+              </a:tabLst>
+              <a:defRPr>
+                <a:solidFill>
+                  <a:schemeClr val="tx1"/>
+                </a:solidFill>
+                <a:latin typeface="Arial" panose="020B0604020202020204" pitchFamily="34" charset="0"/>
+              </a:defRPr>
+            </a:lvl3pPr>
+            <a:lvl4pPr eaLnBrk="0" fontAlgn="base" hangingPunct="0">
+              <a:spcBef>
+                <a:spcPct val="0"/>
+              </a:spcBef>
+              <a:spcAft>
+                <a:spcPct val="0"/>
+              </a:spcAft>
+              <a:tabLst>
+                <a:tab pos="457200" algn="l"/>
+                <a:tab pos="5227638" algn="l"/>
+              </a:tabLst>
+              <a:defRPr>
+                <a:solidFill>
+                  <a:schemeClr val="tx1"/>
+                </a:solidFill>
+                <a:latin typeface="Arial" panose="020B0604020202020204" pitchFamily="34" charset="0"/>
+              </a:defRPr>
+            </a:lvl4pPr>
+            <a:lvl5pPr eaLnBrk="0" fontAlgn="base" hangingPunct="0">
+              <a:spcBef>
+                <a:spcPct val="0"/>
+              </a:spcBef>
+              <a:spcAft>
+                <a:spcPct val="0"/>
+              </a:spcAft>
+              <a:tabLst>
+                <a:tab pos="457200" algn="l"/>
+                <a:tab pos="5227638" algn="l"/>
+              </a:tabLst>
+              <a:defRPr>
+                <a:solidFill>
+                  <a:schemeClr val="tx1"/>
+                </a:solidFill>
+                <a:latin typeface="Arial" panose="020B0604020202020204" pitchFamily="34" charset="0"/>
+              </a:defRPr>
+            </a:lvl5pPr>
+            <a:lvl6pPr eaLnBrk="0" fontAlgn="base" hangingPunct="0">
+              <a:spcBef>
+                <a:spcPct val="0"/>
+              </a:spcBef>
+              <a:spcAft>
+                <a:spcPct val="0"/>
+              </a:spcAft>
+              <a:tabLst>
+                <a:tab pos="457200" algn="l"/>
+                <a:tab pos="5227638" algn="l"/>
+              </a:tabLst>
+              <a:defRPr>
+                <a:solidFill>
+                  <a:schemeClr val="tx1"/>
+                </a:solidFill>
+                <a:latin typeface="Arial" panose="020B0604020202020204" pitchFamily="34" charset="0"/>
+              </a:defRPr>
+            </a:lvl6pPr>
+            <a:lvl7pPr eaLnBrk="0" fontAlgn="base" hangingPunct="0">
+              <a:spcBef>
+                <a:spcPct val="0"/>
+              </a:spcBef>
+              <a:spcAft>
+                <a:spcPct val="0"/>
+              </a:spcAft>
+              <a:tabLst>
+                <a:tab pos="457200" algn="l"/>
+                <a:tab pos="5227638" algn="l"/>
+              </a:tabLst>
+              <a:defRPr>
+                <a:solidFill>
+                  <a:schemeClr val="tx1"/>
+                </a:solidFill>
+                <a:latin typeface="Arial" panose="020B0604020202020204" pitchFamily="34" charset="0"/>
+              </a:defRPr>
+            </a:lvl7pPr>
+            <a:lvl8pPr eaLnBrk="0" fontAlgn="base" hangingPunct="0">
+              <a:spcBef>
+                <a:spcPct val="0"/>
+              </a:spcBef>
+              <a:spcAft>
+                <a:spcPct val="0"/>
+              </a:spcAft>
+              <a:tabLst>
+                <a:tab pos="457200" algn="l"/>
+                <a:tab pos="5227638" algn="l"/>
+              </a:tabLst>
+              <a:defRPr>
+                <a:solidFill>
+                  <a:schemeClr val="tx1"/>
+                </a:solidFill>
+                <a:latin typeface="Arial" panose="020B0604020202020204" pitchFamily="34" charset="0"/>
+              </a:defRPr>
+            </a:lvl8pPr>
+            <a:lvl9pPr eaLnBrk="0" fontAlgn="base" hangingPunct="0">
+              <a:spcBef>
+                <a:spcPct val="0"/>
+              </a:spcBef>
+              <a:spcAft>
+                <a:spcPct val="0"/>
+              </a:spcAft>
+              <a:tabLst>
+                <a:tab pos="457200" algn="l"/>
+                <a:tab pos="5227638" algn="l"/>
+              </a:tabLst>
+              <a:defRPr>
+                <a:solidFill>
+                  <a:schemeClr val="tx1"/>
+                </a:solidFill>
+                <a:latin typeface="Arial" panose="020B0604020202020204" pitchFamily="34" charset="0"/>
+              </a:defRPr>
+            </a:lvl9pPr>
+          </a:lstStyle>
+          <a:p>
+            <a:pPr marL="0" marR="0" lvl="0" indent="0" algn="l" defTabSz="914400" rtl="0" eaLnBrk="0" fontAlgn="base" latinLnBrk="0" hangingPunct="0">
+              <a:lnSpc>
+                <a:spcPct val="100000"/>
+              </a:lnSpc>
+              <a:spcBef>
+                <a:spcPct val="0"/>
+              </a:spcBef>
+              <a:spcAft>
+                <a:spcPct val="0"/>
+              </a:spcAft>
+              <a:buClrTx/>
+              <a:buSzTx/>
+              <a:buFontTx/>
+              <a:buNone/>
+              <a:tabLst>
+                <a:tab pos="457200" algn="l"/>
+                <a:tab pos="5227638" algn="l"/>
+              </a:tabLst>
+            </a:pPr>
+            <a:r>
+              <a:rPr kumimoji="0" lang="en-US" altLang="en-US" sz="2000" b="1" i="0" u="none" strike="noStrike" cap="none" normalizeH="0" baseline="0">
+                <a:ln>
+                  <a:noFill/>
+                </a:ln>
+                <a:solidFill>
+                  <a:schemeClr val="tx1"/>
+                </a:solidFill>
+                <a:effectLst/>
+                <a:latin typeface="Times New Roman" panose="02020603050405020304" pitchFamily="18" charset="0"/>
+                <a:ea typeface="Calibri" panose="020F0502020204030204" pitchFamily="34" charset="0"/>
+                <a:cs typeface="Times New Roman" panose="02020603050405020304" pitchFamily="18" charset="0"/>
+              </a:rPr>
+              <a:t>Table 3 sensitivity of microorganism to aqueous extract of the dried </a:t>
+            </a:r>
+            <a:r>
+              <a:rPr kumimoji="0" lang="en-US" altLang="en-US" sz="2000" b="1" i="1" u="none" strike="noStrike" cap="none" normalizeH="0" baseline="0">
+                <a:ln>
+                  <a:noFill/>
+                </a:ln>
+                <a:solidFill>
+                  <a:schemeClr val="tx1"/>
+                </a:solidFill>
+                <a:effectLst/>
+                <a:latin typeface="Times New Roman" panose="02020603050405020304" pitchFamily="18" charset="0"/>
+                <a:ea typeface="Calibri" panose="020F0502020204030204" pitchFamily="34" charset="0"/>
+                <a:cs typeface="Times New Roman" panose="02020603050405020304" pitchFamily="18" charset="0"/>
+              </a:rPr>
+              <a:t>sesamum indicum </a:t>
+            </a:r>
+            <a:r>
+              <a:rPr kumimoji="0" lang="en-US" altLang="en-US" sz="2000" b="1" i="0" u="none" strike="noStrike" cap="none" normalizeH="0" baseline="0">
+                <a:ln>
+                  <a:noFill/>
+                </a:ln>
+                <a:solidFill>
+                  <a:schemeClr val="tx1"/>
+                </a:solidFill>
+                <a:effectLst/>
+                <a:latin typeface="Times New Roman" panose="02020603050405020304" pitchFamily="18" charset="0"/>
+                <a:ea typeface="Calibri" panose="020F0502020204030204" pitchFamily="34" charset="0"/>
+                <a:cs typeface="Times New Roman" panose="02020603050405020304" pitchFamily="18" charset="0"/>
+              </a:rPr>
+              <a:t>leaves.</a:t>
+            </a:r>
+            <a:endParaRPr kumimoji="0" lang="en-GB" altLang="en-US" sz="2000" b="1" i="0" u="none" strike="noStrike" cap="none" normalizeH="0" baseline="0">
+              <a:ln>
+                <a:noFill/>
+              </a:ln>
+              <a:solidFill>
+                <a:schemeClr val="tx1"/>
+              </a:solidFill>
+              <a:effectLst/>
+            </a:endParaRPr>
+          </a:p>
+          <a:p>
+            <a:pPr marL="0" marR="0" lvl="0" indent="0" algn="l" defTabSz="914400" rtl="0" eaLnBrk="0" fontAlgn="base" latinLnBrk="0" hangingPunct="0">
+              <a:lnSpc>
+                <a:spcPct val="100000"/>
+              </a:lnSpc>
+              <a:spcBef>
+                <a:spcPct val="0"/>
+              </a:spcBef>
+              <a:spcAft>
+                <a:spcPct val="0"/>
+              </a:spcAft>
+              <a:buClrTx/>
+              <a:buSzTx/>
+              <a:buFontTx/>
+              <a:buNone/>
+              <a:tabLst>
+                <a:tab pos="457200" algn="l"/>
+                <a:tab pos="5227638" algn="l"/>
+              </a:tabLst>
+            </a:pPr>
+            <a:endParaRPr kumimoji="0" lang="en-GB" altLang="en-US" sz="2000" b="1" i="0" u="none" strike="noStrike" cap="none" normalizeH="0" baseline="0">
+              <a:ln>
+                <a:noFill/>
+              </a:ln>
+              <a:solidFill>
+                <a:schemeClr val="tx1"/>
+              </a:solidFill>
+              <a:effectLst/>
+            </a:endParaRPr>
+          </a:p>
+        </p:txBody>
+      </p:sp>
+    </p:spTree>
+    <p:extLst>
+      <p:ext uri="{BB962C8B-B14F-4D97-AF65-F5344CB8AC3E}">
+        <p14:creationId xmlns:p14="http://schemas.microsoft.com/office/powerpoint/2010/main" val="691575566"/>
       </p:ext>
     </p:extLst>
   </p:cSld>
